--- a/Stock Market Analysis.pptx
+++ b/Stock Market Analysis.pptx
@@ -1,42 +1,42 @@
 
 <file path=ppt/presentation.xml><?xml version="1.0" encoding="utf-8"?>
-<p:presentation xmlns:a="http://schemas.openxmlformats.org/drawingml/2006/main" xmlns:r="http://schemas.openxmlformats.org/officeDocument/2006/relationships" xmlns:mc="http://schemas.openxmlformats.org/markup-compatibility/2006" xmlns:mv="urn:schemas-microsoft-com:mac:vml" xmlns:p="http://schemas.openxmlformats.org/presentationml/2006/main" xmlns:c="http://schemas.openxmlformats.org/drawingml/2006/chart" xmlns:dgm="http://schemas.openxmlformats.org/drawingml/2006/diagram" xmlns:o="urn:schemas-microsoft-com:office:office" xmlns:v="urn:schemas-microsoft-com:vml" xmlns:pvml="urn:schemas-microsoft-com:office:powerpoint" xmlns:com="http://schemas.openxmlformats.org/drawingml/2006/compatibility" xmlns:p14="http://schemas.microsoft.com/office/powerpoint/2010/main" xmlns:p15="http://schemas.microsoft.com/office/powerpoint/2012/main" autoCompressPictures="0" embedTrueTypeFonts="1" strictFirstAndLastChars="0" saveSubsetFonts="1">
+<p:presentation xmlns:a="http://schemas.openxmlformats.org/drawingml/2006/main" xmlns:r="http://schemas.openxmlformats.org/officeDocument/2006/relationships" xmlns:p="http://schemas.openxmlformats.org/presentationml/2006/main" strictFirstAndLastChars="0" embedTrueTypeFonts="1" saveSubsetFonts="1" autoCompressPictures="0">
   <p:sldMasterIdLst>
-    <p:sldMasterId id="2147483659" r:id="rId4"/>
+    <p:sldMasterId id="2147483659" r:id="rId1"/>
   </p:sldMasterIdLst>
   <p:notesMasterIdLst>
-    <p:notesMasterId r:id="rId5"/>
+    <p:notesMasterId r:id="rId10"/>
   </p:notesMasterIdLst>
   <p:sldIdLst>
-    <p:sldId id="256" r:id="rId6"/>
-    <p:sldId id="257" r:id="rId7"/>
-    <p:sldId id="258" r:id="rId8"/>
-    <p:sldId id="259" r:id="rId9"/>
-    <p:sldId id="260" r:id="rId10"/>
-    <p:sldId id="261" r:id="rId11"/>
-    <p:sldId id="262" r:id="rId12"/>
-    <p:sldId id="263" r:id="rId13"/>
+    <p:sldId id="256" r:id="rId2"/>
+    <p:sldId id="257" r:id="rId3"/>
+    <p:sldId id="258" r:id="rId4"/>
+    <p:sldId id="259" r:id="rId5"/>
+    <p:sldId id="260" r:id="rId6"/>
+    <p:sldId id="261" r:id="rId7"/>
+    <p:sldId id="262" r:id="rId8"/>
+    <p:sldId id="263" r:id="rId9"/>
   </p:sldIdLst>
-  <p:sldSz cy="5143500" cx="9144000"/>
+  <p:sldSz cx="9144000" cy="5143500" type="screen16x9"/>
   <p:notesSz cx="6858000" cy="9144000"/>
   <p:embeddedFontLst>
     <p:embeddedFont>
-      <p:font typeface="Economica"/>
-      <p:regular r:id="rId14"/>
-      <p:bold r:id="rId15"/>
-      <p:italic r:id="rId16"/>
-      <p:boldItalic r:id="rId17"/>
+      <p:font typeface="Open Sans" panose="020B0604020202020204" charset="0"/>
+      <p:regular r:id="rId11"/>
+      <p:bold r:id="rId12"/>
+      <p:italic r:id="rId13"/>
+      <p:boldItalic r:id="rId14"/>
     </p:embeddedFont>
     <p:embeddedFont>
-      <p:font typeface="Open Sans"/>
-      <p:regular r:id="rId18"/>
-      <p:bold r:id="rId19"/>
-      <p:italic r:id="rId20"/>
-      <p:boldItalic r:id="rId21"/>
+      <p:font typeface="Economica" panose="020B0604020202020204" charset="0"/>
+      <p:regular r:id="rId15"/>
+      <p:bold r:id="rId16"/>
+      <p:italic r:id="rId17"/>
+      <p:boldItalic r:id="rId18"/>
     </p:embeddedFont>
   </p:embeddedFontLst>
   <p:defaultTextStyle>
-    <a:defPPr lvl="0" marR="0" rtl="0" algn="l">
+    <a:defPPr marR="0" lvl="0" algn="l" rtl="0">
       <a:lnSpc>
         <a:spcPct val="100000"/>
       </a:lnSpc>
@@ -47,7 +47,7 @@
         <a:spcPts val="0"/>
       </a:spcAft>
     </a:defPPr>
-    <a:lvl1pPr lvl="0" marR="0" rtl="0" algn="l">
+    <a:lvl1pPr marR="0" lvl="0" algn="l" rtl="0">
       <a:lnSpc>
         <a:spcPct val="100000"/>
       </a:lnSpc>
@@ -61,7 +61,7 @@
         <a:srgbClr val="000000"/>
       </a:buClr>
       <a:buFont typeface="Arial"/>
-      <a:defRPr b="0" i="0" sz="1400" u="none" cap="none" strike="noStrike">
+      <a:defRPr sz="1400" b="0" i="0" u="none" strike="noStrike" cap="none">
         <a:solidFill>
           <a:srgbClr val="000000"/>
         </a:solidFill>
@@ -71,7 +71,7 @@
         <a:sym typeface="Arial"/>
       </a:defRPr>
     </a:lvl1pPr>
-    <a:lvl2pPr lvl="1" marR="0" rtl="0" algn="l">
+    <a:lvl2pPr marR="0" lvl="1" algn="l" rtl="0">
       <a:lnSpc>
         <a:spcPct val="100000"/>
       </a:lnSpc>
@@ -85,7 +85,7 @@
         <a:srgbClr val="000000"/>
       </a:buClr>
       <a:buFont typeface="Arial"/>
-      <a:defRPr b="0" i="0" sz="1400" u="none" cap="none" strike="noStrike">
+      <a:defRPr sz="1400" b="0" i="0" u="none" strike="noStrike" cap="none">
         <a:solidFill>
           <a:srgbClr val="000000"/>
         </a:solidFill>
@@ -95,7 +95,7 @@
         <a:sym typeface="Arial"/>
       </a:defRPr>
     </a:lvl2pPr>
-    <a:lvl3pPr lvl="2" marR="0" rtl="0" algn="l">
+    <a:lvl3pPr marR="0" lvl="2" algn="l" rtl="0">
       <a:lnSpc>
         <a:spcPct val="100000"/>
       </a:lnSpc>
@@ -109,7 +109,7 @@
         <a:srgbClr val="000000"/>
       </a:buClr>
       <a:buFont typeface="Arial"/>
-      <a:defRPr b="0" i="0" sz="1400" u="none" cap="none" strike="noStrike">
+      <a:defRPr sz="1400" b="0" i="0" u="none" strike="noStrike" cap="none">
         <a:solidFill>
           <a:srgbClr val="000000"/>
         </a:solidFill>
@@ -119,7 +119,7 @@
         <a:sym typeface="Arial"/>
       </a:defRPr>
     </a:lvl3pPr>
-    <a:lvl4pPr lvl="3" marR="0" rtl="0" algn="l">
+    <a:lvl4pPr marR="0" lvl="3" algn="l" rtl="0">
       <a:lnSpc>
         <a:spcPct val="100000"/>
       </a:lnSpc>
@@ -133,7 +133,7 @@
         <a:srgbClr val="000000"/>
       </a:buClr>
       <a:buFont typeface="Arial"/>
-      <a:defRPr b="0" i="0" sz="1400" u="none" cap="none" strike="noStrike">
+      <a:defRPr sz="1400" b="0" i="0" u="none" strike="noStrike" cap="none">
         <a:solidFill>
           <a:srgbClr val="000000"/>
         </a:solidFill>
@@ -143,7 +143,7 @@
         <a:sym typeface="Arial"/>
       </a:defRPr>
     </a:lvl4pPr>
-    <a:lvl5pPr lvl="4" marR="0" rtl="0" algn="l">
+    <a:lvl5pPr marR="0" lvl="4" algn="l" rtl="0">
       <a:lnSpc>
         <a:spcPct val="100000"/>
       </a:lnSpc>
@@ -157,7 +157,7 @@
         <a:srgbClr val="000000"/>
       </a:buClr>
       <a:buFont typeface="Arial"/>
-      <a:defRPr b="0" i="0" sz="1400" u="none" cap="none" strike="noStrike">
+      <a:defRPr sz="1400" b="0" i="0" u="none" strike="noStrike" cap="none">
         <a:solidFill>
           <a:srgbClr val="000000"/>
         </a:solidFill>
@@ -167,7 +167,7 @@
         <a:sym typeface="Arial"/>
       </a:defRPr>
     </a:lvl5pPr>
-    <a:lvl6pPr lvl="5" marR="0" rtl="0" algn="l">
+    <a:lvl6pPr marR="0" lvl="5" algn="l" rtl="0">
       <a:lnSpc>
         <a:spcPct val="100000"/>
       </a:lnSpc>
@@ -181,7 +181,7 @@
         <a:srgbClr val="000000"/>
       </a:buClr>
       <a:buFont typeface="Arial"/>
-      <a:defRPr b="0" i="0" sz="1400" u="none" cap="none" strike="noStrike">
+      <a:defRPr sz="1400" b="0" i="0" u="none" strike="noStrike" cap="none">
         <a:solidFill>
           <a:srgbClr val="000000"/>
         </a:solidFill>
@@ -191,7 +191,7 @@
         <a:sym typeface="Arial"/>
       </a:defRPr>
     </a:lvl6pPr>
-    <a:lvl7pPr lvl="6" marR="0" rtl="0" algn="l">
+    <a:lvl7pPr marR="0" lvl="6" algn="l" rtl="0">
       <a:lnSpc>
         <a:spcPct val="100000"/>
       </a:lnSpc>
@@ -205,7 +205,7 @@
         <a:srgbClr val="000000"/>
       </a:buClr>
       <a:buFont typeface="Arial"/>
-      <a:defRPr b="0" i="0" sz="1400" u="none" cap="none" strike="noStrike">
+      <a:defRPr sz="1400" b="0" i="0" u="none" strike="noStrike" cap="none">
         <a:solidFill>
           <a:srgbClr val="000000"/>
         </a:solidFill>
@@ -215,7 +215,7 @@
         <a:sym typeface="Arial"/>
       </a:defRPr>
     </a:lvl7pPr>
-    <a:lvl8pPr lvl="7" marR="0" rtl="0" algn="l">
+    <a:lvl8pPr marR="0" lvl="7" algn="l" rtl="0">
       <a:lnSpc>
         <a:spcPct val="100000"/>
       </a:lnSpc>
@@ -229,7 +229,7 @@
         <a:srgbClr val="000000"/>
       </a:buClr>
       <a:buFont typeface="Arial"/>
-      <a:defRPr b="0" i="0" sz="1400" u="none" cap="none" strike="noStrike">
+      <a:defRPr sz="1400" b="0" i="0" u="none" strike="noStrike" cap="none">
         <a:solidFill>
           <a:srgbClr val="000000"/>
         </a:solidFill>
@@ -239,7 +239,7 @@
         <a:sym typeface="Arial"/>
       </a:defRPr>
     </a:lvl8pPr>
-    <a:lvl9pPr lvl="8" marR="0" rtl="0" algn="l">
+    <a:lvl9pPr marR="0" lvl="8" algn="l" rtl="0">
       <a:lnSpc>
         <a:spcPct val="100000"/>
       </a:lnSpc>
@@ -253,7 +253,7 @@
         <a:srgbClr val="000000"/>
       </a:buClr>
       <a:buFont typeface="Arial"/>
-      <a:defRPr b="0" i="0" sz="1400" u="none" cap="none" strike="noStrike">
+      <a:defRPr sz="1400" b="0" i="0" u="none" strike="noStrike" cap="none">
         <a:solidFill>
           <a:srgbClr val="000000"/>
         </a:solidFill>
@@ -266,7 +266,7 @@
   </p:defaultTextStyle>
   <p:extLst>
     <p:ext uri="{EFAFB233-063F-42B5-8137-9DF3F51BA10A}">
-      <p15:sldGuideLst>
+      <p15:sldGuideLst xmlns:p15="http://schemas.microsoft.com/office/powerpoint/2012/main">
         <p15:guide id="1" orient="horz" pos="1620">
           <p15:clr>
             <a:srgbClr val="A4A3A4"/>
@@ -284,11 +284,16 @@
 </file>
 
 <file path=ppt/notesMasters/notesMaster1.xml><?xml version="1.0" encoding="utf-8"?>
-<p:notesMaster xmlns:a="http://schemas.openxmlformats.org/drawingml/2006/main" xmlns:r="http://schemas.openxmlformats.org/officeDocument/2006/relationships" xmlns:mc="http://schemas.openxmlformats.org/markup-compatibility/2006" xmlns:mv="urn:schemas-microsoft-com:mac:vml" xmlns:p="http://schemas.openxmlformats.org/presentationml/2006/main" xmlns:c="http://schemas.openxmlformats.org/drawingml/2006/chart" xmlns:dgm="http://schemas.openxmlformats.org/drawingml/2006/diagram" xmlns:o="urn:schemas-microsoft-com:office:office" xmlns:v="urn:schemas-microsoft-com:vml" xmlns:pvml="urn:schemas-microsoft-com:office:powerpoint" xmlns:com="http://schemas.openxmlformats.org/drawingml/2006/compatibility" xmlns:p14="http://schemas.microsoft.com/office/powerpoint/2010/main" xmlns:p15="http://schemas.microsoft.com/office/powerpoint/2012/main">
+<p:notesMaster xmlns:a="http://schemas.openxmlformats.org/drawingml/2006/main" xmlns:r="http://schemas.openxmlformats.org/officeDocument/2006/relationships" xmlns:p="http://schemas.openxmlformats.org/presentationml/2006/main">
   <p:cSld>
+    <p:bg>
+      <p:bgRef idx="1001">
+        <a:schemeClr val="bg1"/>
+      </p:bgRef>
+    </p:bg>
     <p:spTree>
       <p:nvGrpSpPr>
-        <p:cNvPr id="2" name="Shape 2"/>
+        <p:cNvPr id="1" name="Shape 2"/>
         <p:cNvGrpSpPr/>
         <p:nvPr/>
       </p:nvGrpSpPr>
@@ -303,9 +308,11 @@
       <p:sp>
         <p:nvSpPr>
           <p:cNvPr id="3" name="Google Shape;3;n"/>
-          <p:cNvSpPr/>
+          <p:cNvSpPr>
+            <a:spLocks noGrp="1" noRot="1" noChangeAspect="1"/>
+          </p:cNvSpPr>
           <p:nvPr>
-            <p:ph idx="2" type="sldImg"/>
+            <p:ph type="sldImg" idx="2"/>
           </p:nvPr>
         </p:nvSpPr>
         <p:spPr>
@@ -314,9 +321,13 @@
             <a:ext cx="6096075" cy="3429000"/>
           </a:xfrm>
           <a:custGeom>
-            <a:rect b="b" l="l" r="r" t="t"/>
+            <a:avLst/>
+            <a:gdLst/>
+            <a:ahLst/>
+            <a:cxnLst/>
+            <a:rect l="l" t="t" r="r" b="b"/>
             <a:pathLst>
-              <a:path extrusionOk="0" h="120000" w="120000">
+              <a:path w="120000" h="120000" extrusionOk="0">
                 <a:moveTo>
                   <a:pt x="0" y="0"/>
                 </a:moveTo>
@@ -334,23 +345,25 @@
             </a:pathLst>
           </a:custGeom>
           <a:noFill/>
-          <a:ln cap="flat" cmpd="sng" w="9525">
+          <a:ln w="9525" cap="flat" cmpd="sng">
             <a:solidFill>
               <a:srgbClr val="000000"/>
             </a:solidFill>
             <a:prstDash val="solid"/>
             <a:round/>
-            <a:headEnd len="sm" w="sm" type="none"/>
-            <a:tailEnd len="sm" w="sm" type="none"/>
+            <a:headEnd type="none" w="sm" len="sm"/>
+            <a:tailEnd type="none" w="sm" len="sm"/>
           </a:ln>
         </p:spPr>
       </p:sp>
       <p:sp>
         <p:nvSpPr>
           <p:cNvPr id="4" name="Google Shape;4;n"/>
-          <p:cNvSpPr txBox="1"/>
+          <p:cNvSpPr txBox="1">
+            <a:spLocks noGrp="1"/>
+          </p:cNvSpPr>
           <p:nvPr>
-            <p:ph idx="1" type="body"/>
+            <p:ph type="body" idx="1"/>
           </p:nvPr>
         </p:nvSpPr>
         <p:spPr>
@@ -367,11 +380,11 @@
           </a:ln>
         </p:spPr>
         <p:txBody>
-          <a:bodyPr anchorCtr="0" anchor="t" bIns="91425" lIns="91425" spcFirstLastPara="1" rIns="91425" wrap="square" tIns="91425">
+          <a:bodyPr spcFirstLastPara="1" wrap="square" lIns="91425" tIns="91425" rIns="91425" bIns="91425" anchor="t" anchorCtr="0">
             <a:noAutofit/>
           </a:bodyPr>
           <a:lstStyle>
-            <a:lvl1pPr indent="-298450" lvl="0" marL="457200">
+            <a:lvl1pPr marL="457200" lvl="0" indent="-298450">
               <a:spcBef>
                 <a:spcPts val="0"/>
               </a:spcBef>
@@ -382,7 +395,7 @@
               <a:buChar char="●"/>
               <a:defRPr sz="1100"/>
             </a:lvl1pPr>
-            <a:lvl2pPr indent="-298450" lvl="1" marL="914400">
+            <a:lvl2pPr marL="914400" lvl="1" indent="-298450">
               <a:spcBef>
                 <a:spcPts val="0"/>
               </a:spcBef>
@@ -393,7 +406,7 @@
               <a:buChar char="○"/>
               <a:defRPr sz="1100"/>
             </a:lvl2pPr>
-            <a:lvl3pPr indent="-298450" lvl="2" marL="1371600">
+            <a:lvl3pPr marL="1371600" lvl="2" indent="-298450">
               <a:spcBef>
                 <a:spcPts val="0"/>
               </a:spcBef>
@@ -404,7 +417,7 @@
               <a:buChar char="■"/>
               <a:defRPr sz="1100"/>
             </a:lvl3pPr>
-            <a:lvl4pPr indent="-298450" lvl="3" marL="1828800">
+            <a:lvl4pPr marL="1828800" lvl="3" indent="-298450">
               <a:spcBef>
                 <a:spcPts val="0"/>
               </a:spcBef>
@@ -415,7 +428,7 @@
               <a:buChar char="●"/>
               <a:defRPr sz="1100"/>
             </a:lvl4pPr>
-            <a:lvl5pPr indent="-298450" lvl="4" marL="2286000">
+            <a:lvl5pPr marL="2286000" lvl="4" indent="-298450">
               <a:spcBef>
                 <a:spcPts val="0"/>
               </a:spcBef>
@@ -426,7 +439,7 @@
               <a:buChar char="○"/>
               <a:defRPr sz="1100"/>
             </a:lvl5pPr>
-            <a:lvl6pPr indent="-298450" lvl="5" marL="2743200">
+            <a:lvl6pPr marL="2743200" lvl="5" indent="-298450">
               <a:spcBef>
                 <a:spcPts val="0"/>
               </a:spcBef>
@@ -437,7 +450,7 @@
               <a:buChar char="■"/>
               <a:defRPr sz="1100"/>
             </a:lvl6pPr>
-            <a:lvl7pPr indent="-298450" lvl="6" marL="3200400">
+            <a:lvl7pPr marL="3200400" lvl="6" indent="-298450">
               <a:spcBef>
                 <a:spcPts val="0"/>
               </a:spcBef>
@@ -448,7 +461,7 @@
               <a:buChar char="●"/>
               <a:defRPr sz="1100"/>
             </a:lvl7pPr>
-            <a:lvl8pPr indent="-298450" lvl="7" marL="3657600">
+            <a:lvl8pPr marL="3657600" lvl="7" indent="-298450">
               <a:spcBef>
                 <a:spcPts val="0"/>
               </a:spcBef>
@@ -459,7 +472,7 @@
               <a:buChar char="○"/>
               <a:defRPr sz="1100"/>
             </a:lvl8pPr>
-            <a:lvl9pPr indent="-298450" lvl="8" marL="4114800">
+            <a:lvl9pPr marL="4114800" lvl="8" indent="-298450">
               <a:spcBef>
                 <a:spcPts val="0"/>
               </a:spcBef>
@@ -471,14 +484,21 @@
               <a:defRPr sz="1100"/>
             </a:lvl9pPr>
           </a:lstStyle>
-          <a:p/>
+          <a:p>
+            <a:endParaRPr/>
+          </a:p>
         </p:txBody>
       </p:sp>
     </p:spTree>
+    <p:extLst>
+      <p:ext uri="{BB962C8B-B14F-4D97-AF65-F5344CB8AC3E}">
+        <p14:creationId xmlns:p14="http://schemas.microsoft.com/office/powerpoint/2010/main" val="3568331411"/>
+      </p:ext>
+    </p:extLst>
   </p:cSld>
-  <p:clrMap accent1="accent1" accent2="accent2" accent3="accent3" accent4="accent4" accent5="accent5" accent6="accent6" bg1="lt1" bg2="dk2" tx1="dk1" tx2="lt2" folHlink="folHlink" hlink="hlink"/>
+  <p:clrMap bg1="lt1" tx1="dk1" bg2="dk2" tx2="lt2" accent1="accent1" accent2="accent2" accent3="accent3" accent4="accent4" accent5="accent5" accent6="accent6" hlink="hlink" folHlink="folHlink"/>
   <p:notesStyle>
-    <a:defPPr lvl="0" marR="0" rtl="0" algn="l">
+    <a:defPPr marR="0" lvl="0" algn="l" rtl="0">
       <a:lnSpc>
         <a:spcPct val="100000"/>
       </a:lnSpc>
@@ -489,7 +509,7 @@
         <a:spcPts val="0"/>
       </a:spcAft>
     </a:defPPr>
-    <a:lvl1pPr lvl="0" marR="0" rtl="0" algn="l">
+    <a:lvl1pPr marR="0" lvl="0" algn="l" rtl="0">
       <a:lnSpc>
         <a:spcPct val="100000"/>
       </a:lnSpc>
@@ -503,7 +523,7 @@
         <a:srgbClr val="000000"/>
       </a:buClr>
       <a:buFont typeface="Arial"/>
-      <a:defRPr b="0" i="0" sz="1400" u="none" cap="none" strike="noStrike">
+      <a:defRPr sz="1400" b="0" i="0" u="none" strike="noStrike" cap="none">
         <a:solidFill>
           <a:srgbClr val="000000"/>
         </a:solidFill>
@@ -513,7 +533,7 @@
         <a:sym typeface="Arial"/>
       </a:defRPr>
     </a:lvl1pPr>
-    <a:lvl2pPr lvl="1" marR="0" rtl="0" algn="l">
+    <a:lvl2pPr marR="0" lvl="1" algn="l" rtl="0">
       <a:lnSpc>
         <a:spcPct val="100000"/>
       </a:lnSpc>
@@ -527,7 +547,7 @@
         <a:srgbClr val="000000"/>
       </a:buClr>
       <a:buFont typeface="Arial"/>
-      <a:defRPr b="0" i="0" sz="1400" u="none" cap="none" strike="noStrike">
+      <a:defRPr sz="1400" b="0" i="0" u="none" strike="noStrike" cap="none">
         <a:solidFill>
           <a:srgbClr val="000000"/>
         </a:solidFill>
@@ -537,7 +557,7 @@
         <a:sym typeface="Arial"/>
       </a:defRPr>
     </a:lvl2pPr>
-    <a:lvl3pPr lvl="2" marR="0" rtl="0" algn="l">
+    <a:lvl3pPr marR="0" lvl="2" algn="l" rtl="0">
       <a:lnSpc>
         <a:spcPct val="100000"/>
       </a:lnSpc>
@@ -551,7 +571,7 @@
         <a:srgbClr val="000000"/>
       </a:buClr>
       <a:buFont typeface="Arial"/>
-      <a:defRPr b="0" i="0" sz="1400" u="none" cap="none" strike="noStrike">
+      <a:defRPr sz="1400" b="0" i="0" u="none" strike="noStrike" cap="none">
         <a:solidFill>
           <a:srgbClr val="000000"/>
         </a:solidFill>
@@ -561,7 +581,7 @@
         <a:sym typeface="Arial"/>
       </a:defRPr>
     </a:lvl3pPr>
-    <a:lvl4pPr lvl="3" marR="0" rtl="0" algn="l">
+    <a:lvl4pPr marR="0" lvl="3" algn="l" rtl="0">
       <a:lnSpc>
         <a:spcPct val="100000"/>
       </a:lnSpc>
@@ -575,7 +595,7 @@
         <a:srgbClr val="000000"/>
       </a:buClr>
       <a:buFont typeface="Arial"/>
-      <a:defRPr b="0" i="0" sz="1400" u="none" cap="none" strike="noStrike">
+      <a:defRPr sz="1400" b="0" i="0" u="none" strike="noStrike" cap="none">
         <a:solidFill>
           <a:srgbClr val="000000"/>
         </a:solidFill>
@@ -585,7 +605,7 @@
         <a:sym typeface="Arial"/>
       </a:defRPr>
     </a:lvl4pPr>
-    <a:lvl5pPr lvl="4" marR="0" rtl="0" algn="l">
+    <a:lvl5pPr marR="0" lvl="4" algn="l" rtl="0">
       <a:lnSpc>
         <a:spcPct val="100000"/>
       </a:lnSpc>
@@ -599,7 +619,7 @@
         <a:srgbClr val="000000"/>
       </a:buClr>
       <a:buFont typeface="Arial"/>
-      <a:defRPr b="0" i="0" sz="1400" u="none" cap="none" strike="noStrike">
+      <a:defRPr sz="1400" b="0" i="0" u="none" strike="noStrike" cap="none">
         <a:solidFill>
           <a:srgbClr val="000000"/>
         </a:solidFill>
@@ -609,7 +629,7 @@
         <a:sym typeface="Arial"/>
       </a:defRPr>
     </a:lvl5pPr>
-    <a:lvl6pPr lvl="5" marR="0" rtl="0" algn="l">
+    <a:lvl6pPr marR="0" lvl="5" algn="l" rtl="0">
       <a:lnSpc>
         <a:spcPct val="100000"/>
       </a:lnSpc>
@@ -623,7 +643,7 @@
         <a:srgbClr val="000000"/>
       </a:buClr>
       <a:buFont typeface="Arial"/>
-      <a:defRPr b="0" i="0" sz="1400" u="none" cap="none" strike="noStrike">
+      <a:defRPr sz="1400" b="0" i="0" u="none" strike="noStrike" cap="none">
         <a:solidFill>
           <a:srgbClr val="000000"/>
         </a:solidFill>
@@ -633,7 +653,7 @@
         <a:sym typeface="Arial"/>
       </a:defRPr>
     </a:lvl6pPr>
-    <a:lvl7pPr lvl="6" marR="0" rtl="0" algn="l">
+    <a:lvl7pPr marR="0" lvl="6" algn="l" rtl="0">
       <a:lnSpc>
         <a:spcPct val="100000"/>
       </a:lnSpc>
@@ -647,7 +667,7 @@
         <a:srgbClr val="000000"/>
       </a:buClr>
       <a:buFont typeface="Arial"/>
-      <a:defRPr b="0" i="0" sz="1400" u="none" cap="none" strike="noStrike">
+      <a:defRPr sz="1400" b="0" i="0" u="none" strike="noStrike" cap="none">
         <a:solidFill>
           <a:srgbClr val="000000"/>
         </a:solidFill>
@@ -657,7 +677,7 @@
         <a:sym typeface="Arial"/>
       </a:defRPr>
     </a:lvl7pPr>
-    <a:lvl8pPr lvl="7" marR="0" rtl="0" algn="l">
+    <a:lvl8pPr marR="0" lvl="7" algn="l" rtl="0">
       <a:lnSpc>
         <a:spcPct val="100000"/>
       </a:lnSpc>
@@ -671,7 +691,7 @@
         <a:srgbClr val="000000"/>
       </a:buClr>
       <a:buFont typeface="Arial"/>
-      <a:defRPr b="0" i="0" sz="1400" u="none" cap="none" strike="noStrike">
+      <a:defRPr sz="1400" b="0" i="0" u="none" strike="noStrike" cap="none">
         <a:solidFill>
           <a:srgbClr val="000000"/>
         </a:solidFill>
@@ -681,7 +701,7 @@
         <a:sym typeface="Arial"/>
       </a:defRPr>
     </a:lvl8pPr>
-    <a:lvl9pPr lvl="8" marR="0" rtl="0" algn="l">
+    <a:lvl9pPr marR="0" lvl="8" algn="l" rtl="0">
       <a:lnSpc>
         <a:spcPct val="100000"/>
       </a:lnSpc>
@@ -695,7 +715,7 @@
         <a:srgbClr val="000000"/>
       </a:buClr>
       <a:buFont typeface="Arial"/>
-      <a:defRPr b="0" i="0" sz="1400" u="none" cap="none" strike="noStrike">
+      <a:defRPr sz="1400" b="0" i="0" u="none" strike="noStrike" cap="none">
         <a:solidFill>
           <a:srgbClr val="000000"/>
         </a:solidFill>
@@ -710,11 +730,11 @@
 </file>
 
 <file path=ppt/notesSlides/notesSlide1.xml><?xml version="1.0" encoding="utf-8"?>
-<p:notes xmlns:a="http://schemas.openxmlformats.org/drawingml/2006/main" xmlns:r="http://schemas.openxmlformats.org/officeDocument/2006/relationships" xmlns:mc="http://schemas.openxmlformats.org/markup-compatibility/2006" xmlns:mv="urn:schemas-microsoft-com:mac:vml" xmlns:p="http://schemas.openxmlformats.org/presentationml/2006/main" xmlns:c="http://schemas.openxmlformats.org/drawingml/2006/chart" xmlns:dgm="http://schemas.openxmlformats.org/drawingml/2006/diagram" xmlns:o="urn:schemas-microsoft-com:office:office" xmlns:v="urn:schemas-microsoft-com:vml" xmlns:pvml="urn:schemas-microsoft-com:office:powerpoint" xmlns:com="http://schemas.openxmlformats.org/drawingml/2006/compatibility" xmlns:p14="http://schemas.microsoft.com/office/powerpoint/2010/main" xmlns:p15="http://schemas.microsoft.com/office/powerpoint/2012/main" showMasterPhAnim="0" showMasterSp="0">
+<p:notes xmlns:a="http://schemas.openxmlformats.org/drawingml/2006/main" xmlns:r="http://schemas.openxmlformats.org/officeDocument/2006/relationships" xmlns:p="http://schemas.openxmlformats.org/presentationml/2006/main" showMasterSp="0" showMasterPhAnim="0">
   <p:cSld>
     <p:spTree>
       <p:nvGrpSpPr>
-        <p:cNvPr id="58" name="Shape 58"/>
+        <p:cNvPr id="1" name="Shape 58"/>
         <p:cNvGrpSpPr/>
         <p:nvPr/>
       </p:nvGrpSpPr>
@@ -729,20 +749,26 @@
       <p:sp>
         <p:nvSpPr>
           <p:cNvPr id="59" name="Google Shape;59;p:notes"/>
-          <p:cNvSpPr/>
+          <p:cNvSpPr>
+            <a:spLocks noGrp="1" noRot="1" noChangeAspect="1"/>
+          </p:cNvSpPr>
           <p:nvPr>
-            <p:ph idx="2" type="sldImg"/>
+            <p:ph type="sldImg" idx="2"/>
           </p:nvPr>
         </p:nvSpPr>
         <p:spPr>
           <a:xfrm>
-            <a:off x="381300" y="685800"/>
-            <a:ext cx="6096075" cy="3429000"/>
+            <a:off x="381000" y="685800"/>
+            <a:ext cx="6096000" cy="3429000"/>
           </a:xfrm>
           <a:custGeom>
-            <a:rect b="b" l="l" r="r" t="t"/>
+            <a:avLst/>
+            <a:gdLst/>
+            <a:ahLst/>
+            <a:cxnLst/>
+            <a:rect l="l" t="t" r="r" b="b"/>
             <a:pathLst>
-              <a:path extrusionOk="0" h="120000" w="120000">
+              <a:path w="120000" h="120000" extrusionOk="0">
                 <a:moveTo>
                   <a:pt x="0" y="0"/>
                 </a:moveTo>
@@ -764,9 +790,11 @@
       <p:sp>
         <p:nvSpPr>
           <p:cNvPr id="60" name="Google Shape;60;p:notes"/>
-          <p:cNvSpPr txBox="1"/>
+          <p:cNvSpPr txBox="1">
+            <a:spLocks noGrp="1"/>
+          </p:cNvSpPr>
           <p:nvPr>
-            <p:ph idx="1" type="body"/>
+            <p:ph type="body" idx="1"/>
           </p:nvPr>
         </p:nvSpPr>
         <p:spPr>
@@ -779,12 +807,12 @@
           </a:prstGeom>
         </p:spPr>
         <p:txBody>
-          <a:bodyPr anchorCtr="0" anchor="t" bIns="91425" lIns="91425" spcFirstLastPara="1" rIns="91425" wrap="square" tIns="91425">
+          <a:bodyPr spcFirstLastPara="1" wrap="square" lIns="91425" tIns="91425" rIns="91425" bIns="91425" anchor="t" anchorCtr="0">
             <a:noAutofit/>
           </a:bodyPr>
           <a:lstStyle/>
           <a:p>
-            <a:pPr indent="0" lvl="0" marL="0" rtl="0" algn="l">
+            <a:pPr marL="0" lvl="0" indent="0" algn="l" rtl="0">
               <a:spcBef>
                 <a:spcPts val="0"/>
               </a:spcBef>
@@ -793,14 +821,16 @@
               </a:spcAft>
               <a:buNone/>
             </a:pPr>
-            <a:r>
-              <a:t/>
-            </a:r>
             <a:endParaRPr/>
           </a:p>
         </p:txBody>
       </p:sp>
     </p:spTree>
+    <p:extLst>
+      <p:ext uri="{BB962C8B-B14F-4D97-AF65-F5344CB8AC3E}">
+        <p14:creationId xmlns:p14="http://schemas.microsoft.com/office/powerpoint/2010/main" val="2542466654"/>
+      </p:ext>
+    </p:extLst>
   </p:cSld>
   <p:clrMapOvr>
     <a:masterClrMapping/>
@@ -809,11 +839,11 @@
 </file>
 
 <file path=ppt/notesSlides/notesSlide2.xml><?xml version="1.0" encoding="utf-8"?>
-<p:notes xmlns:a="http://schemas.openxmlformats.org/drawingml/2006/main" xmlns:r="http://schemas.openxmlformats.org/officeDocument/2006/relationships" xmlns:mc="http://schemas.openxmlformats.org/markup-compatibility/2006" xmlns:mv="urn:schemas-microsoft-com:mac:vml" xmlns:p="http://schemas.openxmlformats.org/presentationml/2006/main" xmlns:c="http://schemas.openxmlformats.org/drawingml/2006/chart" xmlns:dgm="http://schemas.openxmlformats.org/drawingml/2006/diagram" xmlns:o="urn:schemas-microsoft-com:office:office" xmlns:v="urn:schemas-microsoft-com:vml" xmlns:pvml="urn:schemas-microsoft-com:office:powerpoint" xmlns:com="http://schemas.openxmlformats.org/drawingml/2006/compatibility" xmlns:p14="http://schemas.microsoft.com/office/powerpoint/2010/main" xmlns:p15="http://schemas.microsoft.com/office/powerpoint/2012/main" showMasterPhAnim="0" showMasterSp="0">
+<p:notes xmlns:a="http://schemas.openxmlformats.org/drawingml/2006/main" xmlns:r="http://schemas.openxmlformats.org/officeDocument/2006/relationships" xmlns:p="http://schemas.openxmlformats.org/presentationml/2006/main" showMasterSp="0" showMasterPhAnim="0">
   <p:cSld>
     <p:spTree>
       <p:nvGrpSpPr>
-        <p:cNvPr id="64" name="Shape 64"/>
+        <p:cNvPr id="1" name="Shape 64"/>
         <p:cNvGrpSpPr/>
         <p:nvPr/>
       </p:nvGrpSpPr>
@@ -828,20 +858,26 @@
       <p:sp>
         <p:nvSpPr>
           <p:cNvPr id="65" name="Google Shape;65;g8a6fcd4f70_1_25:notes"/>
-          <p:cNvSpPr/>
+          <p:cNvSpPr>
+            <a:spLocks noGrp="1" noRot="1" noChangeAspect="1"/>
+          </p:cNvSpPr>
           <p:nvPr>
-            <p:ph idx="2" type="sldImg"/>
+            <p:ph type="sldImg" idx="2"/>
           </p:nvPr>
         </p:nvSpPr>
         <p:spPr>
           <a:xfrm>
-            <a:off x="381300" y="685800"/>
+            <a:off x="381000" y="685800"/>
             <a:ext cx="6096000" cy="3429000"/>
           </a:xfrm>
           <a:custGeom>
-            <a:rect b="b" l="l" r="r" t="t"/>
+            <a:avLst/>
+            <a:gdLst/>
+            <a:ahLst/>
+            <a:cxnLst/>
+            <a:rect l="l" t="t" r="r" b="b"/>
             <a:pathLst>
-              <a:path extrusionOk="0" h="120000" w="120000">
+              <a:path w="120000" h="120000" extrusionOk="0">
                 <a:moveTo>
                   <a:pt x="0" y="0"/>
                 </a:moveTo>
@@ -863,9 +899,11 @@
       <p:sp>
         <p:nvSpPr>
           <p:cNvPr id="66" name="Google Shape;66;g8a6fcd4f70_1_25:notes"/>
-          <p:cNvSpPr txBox="1"/>
+          <p:cNvSpPr txBox="1">
+            <a:spLocks noGrp="1"/>
+          </p:cNvSpPr>
           <p:nvPr>
-            <p:ph idx="1" type="body"/>
+            <p:ph type="body" idx="1"/>
           </p:nvPr>
         </p:nvSpPr>
         <p:spPr>
@@ -878,12 +916,12 @@
           </a:prstGeom>
         </p:spPr>
         <p:txBody>
-          <a:bodyPr anchorCtr="0" anchor="t" bIns="91425" lIns="91425" spcFirstLastPara="1" rIns="91425" wrap="square" tIns="91425">
+          <a:bodyPr spcFirstLastPara="1" wrap="square" lIns="91425" tIns="91425" rIns="91425" bIns="91425" anchor="t" anchorCtr="0">
             <a:noAutofit/>
           </a:bodyPr>
           <a:lstStyle/>
           <a:p>
-            <a:pPr indent="0" lvl="0" marL="0" rtl="0" algn="l">
+            <a:pPr marL="0" lvl="0" indent="0" algn="l" rtl="0">
               <a:spcBef>
                 <a:spcPts val="0"/>
               </a:spcBef>
@@ -892,14 +930,16 @@
               </a:spcAft>
               <a:buNone/>
             </a:pPr>
-            <a:r>
-              <a:t/>
-            </a:r>
             <a:endParaRPr/>
           </a:p>
         </p:txBody>
       </p:sp>
     </p:spTree>
+    <p:extLst>
+      <p:ext uri="{BB962C8B-B14F-4D97-AF65-F5344CB8AC3E}">
+        <p14:creationId xmlns:p14="http://schemas.microsoft.com/office/powerpoint/2010/main" val="3627381400"/>
+      </p:ext>
+    </p:extLst>
   </p:cSld>
   <p:clrMapOvr>
     <a:masterClrMapping/>
@@ -908,11 +948,11 @@
 </file>
 
 <file path=ppt/notesSlides/notesSlide3.xml><?xml version="1.0" encoding="utf-8"?>
-<p:notes xmlns:a="http://schemas.openxmlformats.org/drawingml/2006/main" xmlns:r="http://schemas.openxmlformats.org/officeDocument/2006/relationships" xmlns:mc="http://schemas.openxmlformats.org/markup-compatibility/2006" xmlns:mv="urn:schemas-microsoft-com:mac:vml" xmlns:p="http://schemas.openxmlformats.org/presentationml/2006/main" xmlns:c="http://schemas.openxmlformats.org/drawingml/2006/chart" xmlns:dgm="http://schemas.openxmlformats.org/drawingml/2006/diagram" xmlns:o="urn:schemas-microsoft-com:office:office" xmlns:v="urn:schemas-microsoft-com:vml" xmlns:pvml="urn:schemas-microsoft-com:office:powerpoint" xmlns:com="http://schemas.openxmlformats.org/drawingml/2006/compatibility" xmlns:p14="http://schemas.microsoft.com/office/powerpoint/2010/main" xmlns:p15="http://schemas.microsoft.com/office/powerpoint/2012/main" showMasterPhAnim="0" showMasterSp="0">
+<p:notes xmlns:a="http://schemas.openxmlformats.org/drawingml/2006/main" xmlns:r="http://schemas.openxmlformats.org/officeDocument/2006/relationships" xmlns:p="http://schemas.openxmlformats.org/presentationml/2006/main" showMasterSp="0" showMasterPhAnim="0">
   <p:cSld>
     <p:spTree>
       <p:nvGrpSpPr>
-        <p:cNvPr id="70" name="Shape 70"/>
+        <p:cNvPr id="1" name="Shape 70"/>
         <p:cNvGrpSpPr/>
         <p:nvPr/>
       </p:nvGrpSpPr>
@@ -927,20 +967,26 @@
       <p:sp>
         <p:nvSpPr>
           <p:cNvPr id="71" name="Google Shape;71;g8a6fcd4f70_1_0:notes"/>
-          <p:cNvSpPr/>
+          <p:cNvSpPr>
+            <a:spLocks noGrp="1" noRot="1" noChangeAspect="1"/>
+          </p:cNvSpPr>
           <p:nvPr>
-            <p:ph idx="2" type="sldImg"/>
+            <p:ph type="sldImg" idx="2"/>
           </p:nvPr>
         </p:nvSpPr>
         <p:spPr>
           <a:xfrm>
-            <a:off x="381300" y="685800"/>
+            <a:off x="381000" y="685800"/>
             <a:ext cx="6096000" cy="3429000"/>
           </a:xfrm>
           <a:custGeom>
-            <a:rect b="b" l="l" r="r" t="t"/>
+            <a:avLst/>
+            <a:gdLst/>
+            <a:ahLst/>
+            <a:cxnLst/>
+            <a:rect l="l" t="t" r="r" b="b"/>
             <a:pathLst>
-              <a:path extrusionOk="0" h="120000" w="120000">
+              <a:path w="120000" h="120000" extrusionOk="0">
                 <a:moveTo>
                   <a:pt x="0" y="0"/>
                 </a:moveTo>
@@ -962,9 +1008,11 @@
       <p:sp>
         <p:nvSpPr>
           <p:cNvPr id="72" name="Google Shape;72;g8a6fcd4f70_1_0:notes"/>
-          <p:cNvSpPr txBox="1"/>
+          <p:cNvSpPr txBox="1">
+            <a:spLocks noGrp="1"/>
+          </p:cNvSpPr>
           <p:nvPr>
-            <p:ph idx="1" type="body"/>
+            <p:ph type="body" idx="1"/>
           </p:nvPr>
         </p:nvSpPr>
         <p:spPr>
@@ -977,12 +1025,12 @@
           </a:prstGeom>
         </p:spPr>
         <p:txBody>
-          <a:bodyPr anchorCtr="0" anchor="t" bIns="91425" lIns="91425" spcFirstLastPara="1" rIns="91425" wrap="square" tIns="91425">
+          <a:bodyPr spcFirstLastPara="1" wrap="square" lIns="91425" tIns="91425" rIns="91425" bIns="91425" anchor="t" anchorCtr="0">
             <a:noAutofit/>
           </a:bodyPr>
           <a:lstStyle/>
           <a:p>
-            <a:pPr indent="0" lvl="0" marL="0" rtl="0" algn="l">
+            <a:pPr marL="0" lvl="0" indent="0" algn="l" rtl="0">
               <a:spcBef>
                 <a:spcPts val="0"/>
               </a:spcBef>
@@ -991,14 +1039,16 @@
               </a:spcAft>
               <a:buNone/>
             </a:pPr>
-            <a:r>
-              <a:t/>
-            </a:r>
-            <a:endParaRPr/>
+            <a:endParaRPr dirty="0"/>
           </a:p>
         </p:txBody>
       </p:sp>
     </p:spTree>
+    <p:extLst>
+      <p:ext uri="{BB962C8B-B14F-4D97-AF65-F5344CB8AC3E}">
+        <p14:creationId xmlns:p14="http://schemas.microsoft.com/office/powerpoint/2010/main" val="1189224254"/>
+      </p:ext>
+    </p:extLst>
   </p:cSld>
   <p:clrMapOvr>
     <a:masterClrMapping/>
@@ -1007,11 +1057,11 @@
 </file>
 
 <file path=ppt/notesSlides/notesSlide4.xml><?xml version="1.0" encoding="utf-8"?>
-<p:notes xmlns:a="http://schemas.openxmlformats.org/drawingml/2006/main" xmlns:r="http://schemas.openxmlformats.org/officeDocument/2006/relationships" xmlns:mc="http://schemas.openxmlformats.org/markup-compatibility/2006" xmlns:mv="urn:schemas-microsoft-com:mac:vml" xmlns:p="http://schemas.openxmlformats.org/presentationml/2006/main" xmlns:c="http://schemas.openxmlformats.org/drawingml/2006/chart" xmlns:dgm="http://schemas.openxmlformats.org/drawingml/2006/diagram" xmlns:o="urn:schemas-microsoft-com:office:office" xmlns:v="urn:schemas-microsoft-com:vml" xmlns:pvml="urn:schemas-microsoft-com:office:powerpoint" xmlns:com="http://schemas.openxmlformats.org/drawingml/2006/compatibility" xmlns:p14="http://schemas.microsoft.com/office/powerpoint/2010/main" xmlns:p15="http://schemas.microsoft.com/office/powerpoint/2012/main" showMasterPhAnim="0" showMasterSp="0">
+<p:notes xmlns:a="http://schemas.openxmlformats.org/drawingml/2006/main" xmlns:r="http://schemas.openxmlformats.org/officeDocument/2006/relationships" xmlns:p="http://schemas.openxmlformats.org/presentationml/2006/main" showMasterSp="0" showMasterPhAnim="0">
   <p:cSld>
     <p:spTree>
       <p:nvGrpSpPr>
-        <p:cNvPr id="76" name="Shape 76"/>
+        <p:cNvPr id="1" name="Shape 76"/>
         <p:cNvGrpSpPr/>
         <p:nvPr/>
       </p:nvGrpSpPr>
@@ -1026,20 +1076,26 @@
       <p:sp>
         <p:nvSpPr>
           <p:cNvPr id="77" name="Google Shape;77;g8a6fcd4f70_1_5:notes"/>
-          <p:cNvSpPr/>
+          <p:cNvSpPr>
+            <a:spLocks noGrp="1" noRot="1" noChangeAspect="1"/>
+          </p:cNvSpPr>
           <p:nvPr>
-            <p:ph idx="2" type="sldImg"/>
+            <p:ph type="sldImg" idx="2"/>
           </p:nvPr>
         </p:nvSpPr>
         <p:spPr>
           <a:xfrm>
-            <a:off x="381300" y="685800"/>
+            <a:off x="381000" y="685800"/>
             <a:ext cx="6096000" cy="3429000"/>
           </a:xfrm>
           <a:custGeom>
-            <a:rect b="b" l="l" r="r" t="t"/>
+            <a:avLst/>
+            <a:gdLst/>
+            <a:ahLst/>
+            <a:cxnLst/>
+            <a:rect l="l" t="t" r="r" b="b"/>
             <a:pathLst>
-              <a:path extrusionOk="0" h="120000" w="120000">
+              <a:path w="120000" h="120000" extrusionOk="0">
                 <a:moveTo>
                   <a:pt x="0" y="0"/>
                 </a:moveTo>
@@ -1061,9 +1117,11 @@
       <p:sp>
         <p:nvSpPr>
           <p:cNvPr id="78" name="Google Shape;78;g8a6fcd4f70_1_5:notes"/>
-          <p:cNvSpPr txBox="1"/>
+          <p:cNvSpPr txBox="1">
+            <a:spLocks noGrp="1"/>
+          </p:cNvSpPr>
           <p:nvPr>
-            <p:ph idx="1" type="body"/>
+            <p:ph type="body" idx="1"/>
           </p:nvPr>
         </p:nvSpPr>
         <p:spPr>
@@ -1076,12 +1134,12 @@
           </a:prstGeom>
         </p:spPr>
         <p:txBody>
-          <a:bodyPr anchorCtr="0" anchor="t" bIns="91425" lIns="91425" spcFirstLastPara="1" rIns="91425" wrap="square" tIns="91425">
+          <a:bodyPr spcFirstLastPara="1" wrap="square" lIns="91425" tIns="91425" rIns="91425" bIns="91425" anchor="t" anchorCtr="0">
             <a:noAutofit/>
           </a:bodyPr>
           <a:lstStyle/>
           <a:p>
-            <a:pPr indent="0" lvl="0" marL="0" rtl="0" algn="l">
+            <a:pPr marL="0" lvl="0" indent="0" algn="l" rtl="0">
               <a:spcBef>
                 <a:spcPts val="0"/>
               </a:spcBef>
@@ -1090,14 +1148,16 @@
               </a:spcAft>
               <a:buNone/>
             </a:pPr>
-            <a:r>
-              <a:t/>
-            </a:r>
             <a:endParaRPr/>
           </a:p>
         </p:txBody>
       </p:sp>
     </p:spTree>
+    <p:extLst>
+      <p:ext uri="{BB962C8B-B14F-4D97-AF65-F5344CB8AC3E}">
+        <p14:creationId xmlns:p14="http://schemas.microsoft.com/office/powerpoint/2010/main" val="3340944164"/>
+      </p:ext>
+    </p:extLst>
   </p:cSld>
   <p:clrMapOvr>
     <a:masterClrMapping/>
@@ -1106,11 +1166,11 @@
 </file>
 
 <file path=ppt/notesSlides/notesSlide5.xml><?xml version="1.0" encoding="utf-8"?>
-<p:notes xmlns:a="http://schemas.openxmlformats.org/drawingml/2006/main" xmlns:r="http://schemas.openxmlformats.org/officeDocument/2006/relationships" xmlns:mc="http://schemas.openxmlformats.org/markup-compatibility/2006" xmlns:mv="urn:schemas-microsoft-com:mac:vml" xmlns:p="http://schemas.openxmlformats.org/presentationml/2006/main" xmlns:c="http://schemas.openxmlformats.org/drawingml/2006/chart" xmlns:dgm="http://schemas.openxmlformats.org/drawingml/2006/diagram" xmlns:o="urn:schemas-microsoft-com:office:office" xmlns:v="urn:schemas-microsoft-com:vml" xmlns:pvml="urn:schemas-microsoft-com:office:powerpoint" xmlns:com="http://schemas.openxmlformats.org/drawingml/2006/compatibility" xmlns:p14="http://schemas.microsoft.com/office/powerpoint/2010/main" xmlns:p15="http://schemas.microsoft.com/office/powerpoint/2012/main" showMasterPhAnim="0" showMasterSp="0">
+<p:notes xmlns:a="http://schemas.openxmlformats.org/drawingml/2006/main" xmlns:r="http://schemas.openxmlformats.org/officeDocument/2006/relationships" xmlns:p="http://schemas.openxmlformats.org/presentationml/2006/main" showMasterSp="0" showMasterPhAnim="0">
   <p:cSld>
     <p:spTree>
       <p:nvGrpSpPr>
-        <p:cNvPr id="82" name="Shape 82"/>
+        <p:cNvPr id="1" name="Shape 82"/>
         <p:cNvGrpSpPr/>
         <p:nvPr/>
       </p:nvGrpSpPr>
@@ -1125,20 +1185,26 @@
       <p:sp>
         <p:nvSpPr>
           <p:cNvPr id="83" name="Google Shape;83;g8a6fcd4f70_1_10:notes"/>
-          <p:cNvSpPr/>
+          <p:cNvSpPr>
+            <a:spLocks noGrp="1" noRot="1" noChangeAspect="1"/>
+          </p:cNvSpPr>
           <p:nvPr>
-            <p:ph idx="2" type="sldImg"/>
+            <p:ph type="sldImg" idx="2"/>
           </p:nvPr>
         </p:nvSpPr>
         <p:spPr>
           <a:xfrm>
-            <a:off x="381300" y="685800"/>
+            <a:off x="381000" y="685800"/>
             <a:ext cx="6096000" cy="3429000"/>
           </a:xfrm>
           <a:custGeom>
-            <a:rect b="b" l="l" r="r" t="t"/>
+            <a:avLst/>
+            <a:gdLst/>
+            <a:ahLst/>
+            <a:cxnLst/>
+            <a:rect l="l" t="t" r="r" b="b"/>
             <a:pathLst>
-              <a:path extrusionOk="0" h="120000" w="120000">
+              <a:path w="120000" h="120000" extrusionOk="0">
                 <a:moveTo>
                   <a:pt x="0" y="0"/>
                 </a:moveTo>
@@ -1160,9 +1226,11 @@
       <p:sp>
         <p:nvSpPr>
           <p:cNvPr id="84" name="Google Shape;84;g8a6fcd4f70_1_10:notes"/>
-          <p:cNvSpPr txBox="1"/>
+          <p:cNvSpPr txBox="1">
+            <a:spLocks noGrp="1"/>
+          </p:cNvSpPr>
           <p:nvPr>
-            <p:ph idx="1" type="body"/>
+            <p:ph type="body" idx="1"/>
           </p:nvPr>
         </p:nvSpPr>
         <p:spPr>
@@ -1175,12 +1243,12 @@
           </a:prstGeom>
         </p:spPr>
         <p:txBody>
-          <a:bodyPr anchorCtr="0" anchor="t" bIns="91425" lIns="91425" spcFirstLastPara="1" rIns="91425" wrap="square" tIns="91425">
+          <a:bodyPr spcFirstLastPara="1" wrap="square" lIns="91425" tIns="91425" rIns="91425" bIns="91425" anchor="t" anchorCtr="0">
             <a:noAutofit/>
           </a:bodyPr>
           <a:lstStyle/>
           <a:p>
-            <a:pPr indent="0" lvl="0" marL="0" rtl="0" algn="l">
+            <a:pPr marL="0" lvl="0" indent="0" algn="l" rtl="0">
               <a:spcBef>
                 <a:spcPts val="0"/>
               </a:spcBef>
@@ -1189,14 +1257,16 @@
               </a:spcAft>
               <a:buNone/>
             </a:pPr>
-            <a:r>
-              <a:t/>
-            </a:r>
             <a:endParaRPr/>
           </a:p>
         </p:txBody>
       </p:sp>
     </p:spTree>
+    <p:extLst>
+      <p:ext uri="{BB962C8B-B14F-4D97-AF65-F5344CB8AC3E}">
+        <p14:creationId xmlns:p14="http://schemas.microsoft.com/office/powerpoint/2010/main" val="3776846663"/>
+      </p:ext>
+    </p:extLst>
   </p:cSld>
   <p:clrMapOvr>
     <a:masterClrMapping/>
@@ -1205,11 +1275,11 @@
 </file>
 
 <file path=ppt/notesSlides/notesSlide6.xml><?xml version="1.0" encoding="utf-8"?>
-<p:notes xmlns:a="http://schemas.openxmlformats.org/drawingml/2006/main" xmlns:r="http://schemas.openxmlformats.org/officeDocument/2006/relationships" xmlns:mc="http://schemas.openxmlformats.org/markup-compatibility/2006" xmlns:mv="urn:schemas-microsoft-com:mac:vml" xmlns:p="http://schemas.openxmlformats.org/presentationml/2006/main" xmlns:c="http://schemas.openxmlformats.org/drawingml/2006/chart" xmlns:dgm="http://schemas.openxmlformats.org/drawingml/2006/diagram" xmlns:o="urn:schemas-microsoft-com:office:office" xmlns:v="urn:schemas-microsoft-com:vml" xmlns:pvml="urn:schemas-microsoft-com:office:powerpoint" xmlns:com="http://schemas.openxmlformats.org/drawingml/2006/compatibility" xmlns:p14="http://schemas.microsoft.com/office/powerpoint/2010/main" xmlns:p15="http://schemas.microsoft.com/office/powerpoint/2012/main" showMasterPhAnim="0" showMasterSp="0">
+<p:notes xmlns:a="http://schemas.openxmlformats.org/drawingml/2006/main" xmlns:r="http://schemas.openxmlformats.org/officeDocument/2006/relationships" xmlns:p="http://schemas.openxmlformats.org/presentationml/2006/main" showMasterSp="0" showMasterPhAnim="0">
   <p:cSld>
     <p:spTree>
       <p:nvGrpSpPr>
-        <p:cNvPr id="88" name="Shape 88"/>
+        <p:cNvPr id="1" name="Shape 88"/>
         <p:cNvGrpSpPr/>
         <p:nvPr/>
       </p:nvGrpSpPr>
@@ -1224,20 +1294,26 @@
       <p:sp>
         <p:nvSpPr>
           <p:cNvPr id="89" name="Google Shape;89;g893973998b_0_0:notes"/>
-          <p:cNvSpPr/>
+          <p:cNvSpPr>
+            <a:spLocks noGrp="1" noRot="1" noChangeAspect="1"/>
+          </p:cNvSpPr>
           <p:nvPr>
-            <p:ph idx="2" type="sldImg"/>
+            <p:ph type="sldImg" idx="2"/>
           </p:nvPr>
         </p:nvSpPr>
         <p:spPr>
           <a:xfrm>
-            <a:off x="381300" y="685800"/>
+            <a:off x="381000" y="685800"/>
             <a:ext cx="6096000" cy="3429000"/>
           </a:xfrm>
           <a:custGeom>
-            <a:rect b="b" l="l" r="r" t="t"/>
+            <a:avLst/>
+            <a:gdLst/>
+            <a:ahLst/>
+            <a:cxnLst/>
+            <a:rect l="l" t="t" r="r" b="b"/>
             <a:pathLst>
-              <a:path extrusionOk="0" h="120000" w="120000">
+              <a:path w="120000" h="120000" extrusionOk="0">
                 <a:moveTo>
                   <a:pt x="0" y="0"/>
                 </a:moveTo>
@@ -1259,9 +1335,11 @@
       <p:sp>
         <p:nvSpPr>
           <p:cNvPr id="90" name="Google Shape;90;g893973998b_0_0:notes"/>
-          <p:cNvSpPr txBox="1"/>
+          <p:cNvSpPr txBox="1">
+            <a:spLocks noGrp="1"/>
+          </p:cNvSpPr>
           <p:nvPr>
-            <p:ph idx="1" type="body"/>
+            <p:ph type="body" idx="1"/>
           </p:nvPr>
         </p:nvSpPr>
         <p:spPr>
@@ -1274,12 +1352,12 @@
           </a:prstGeom>
         </p:spPr>
         <p:txBody>
-          <a:bodyPr anchorCtr="0" anchor="t" bIns="91425" lIns="91425" spcFirstLastPara="1" rIns="91425" wrap="square" tIns="91425">
+          <a:bodyPr spcFirstLastPara="1" wrap="square" lIns="91425" tIns="91425" rIns="91425" bIns="91425" anchor="t" anchorCtr="0">
             <a:noAutofit/>
           </a:bodyPr>
           <a:lstStyle/>
           <a:p>
-            <a:pPr indent="0" lvl="0" marL="0" rtl="0" algn="l">
+            <a:pPr marL="0" lvl="0" indent="0" algn="l" rtl="0">
               <a:spcBef>
                 <a:spcPts val="0"/>
               </a:spcBef>
@@ -1288,14 +1366,16 @@
               </a:spcAft>
               <a:buNone/>
             </a:pPr>
-            <a:r>
-              <a:t/>
-            </a:r>
             <a:endParaRPr/>
           </a:p>
         </p:txBody>
       </p:sp>
     </p:spTree>
+    <p:extLst>
+      <p:ext uri="{BB962C8B-B14F-4D97-AF65-F5344CB8AC3E}">
+        <p14:creationId xmlns:p14="http://schemas.microsoft.com/office/powerpoint/2010/main" val="2306802621"/>
+      </p:ext>
+    </p:extLst>
   </p:cSld>
   <p:clrMapOvr>
     <a:masterClrMapping/>
@@ -1304,11 +1384,11 @@
 </file>
 
 <file path=ppt/notesSlides/notesSlide7.xml><?xml version="1.0" encoding="utf-8"?>
-<p:notes xmlns:a="http://schemas.openxmlformats.org/drawingml/2006/main" xmlns:r="http://schemas.openxmlformats.org/officeDocument/2006/relationships" xmlns:mc="http://schemas.openxmlformats.org/markup-compatibility/2006" xmlns:mv="urn:schemas-microsoft-com:mac:vml" xmlns:p="http://schemas.openxmlformats.org/presentationml/2006/main" xmlns:c="http://schemas.openxmlformats.org/drawingml/2006/chart" xmlns:dgm="http://schemas.openxmlformats.org/drawingml/2006/diagram" xmlns:o="urn:schemas-microsoft-com:office:office" xmlns:v="urn:schemas-microsoft-com:vml" xmlns:pvml="urn:schemas-microsoft-com:office:powerpoint" xmlns:com="http://schemas.openxmlformats.org/drawingml/2006/compatibility" xmlns:p14="http://schemas.microsoft.com/office/powerpoint/2010/main" xmlns:p15="http://schemas.microsoft.com/office/powerpoint/2012/main" showMasterPhAnim="0" showMasterSp="0">
+<p:notes xmlns:a="http://schemas.openxmlformats.org/drawingml/2006/main" xmlns:r="http://schemas.openxmlformats.org/officeDocument/2006/relationships" xmlns:p="http://schemas.openxmlformats.org/presentationml/2006/main" showMasterSp="0" showMasterPhAnim="0">
   <p:cSld>
     <p:spTree>
       <p:nvGrpSpPr>
-        <p:cNvPr id="94" name="Shape 94"/>
+        <p:cNvPr id="1" name="Shape 94"/>
         <p:cNvGrpSpPr/>
         <p:nvPr/>
       </p:nvGrpSpPr>
@@ -1323,20 +1403,26 @@
       <p:sp>
         <p:nvSpPr>
           <p:cNvPr id="95" name="Google Shape;95;g893973998b_0_7:notes"/>
-          <p:cNvSpPr/>
+          <p:cNvSpPr>
+            <a:spLocks noGrp="1" noRot="1" noChangeAspect="1"/>
+          </p:cNvSpPr>
           <p:nvPr>
-            <p:ph idx="2" type="sldImg"/>
+            <p:ph type="sldImg" idx="2"/>
           </p:nvPr>
         </p:nvSpPr>
         <p:spPr>
           <a:xfrm>
-            <a:off x="381300" y="685800"/>
+            <a:off x="381000" y="685800"/>
             <a:ext cx="6096000" cy="3429000"/>
           </a:xfrm>
           <a:custGeom>
-            <a:rect b="b" l="l" r="r" t="t"/>
+            <a:avLst/>
+            <a:gdLst/>
+            <a:ahLst/>
+            <a:cxnLst/>
+            <a:rect l="l" t="t" r="r" b="b"/>
             <a:pathLst>
-              <a:path extrusionOk="0" h="120000" w="120000">
+              <a:path w="120000" h="120000" extrusionOk="0">
                 <a:moveTo>
                   <a:pt x="0" y="0"/>
                 </a:moveTo>
@@ -1358,9 +1444,11 @@
       <p:sp>
         <p:nvSpPr>
           <p:cNvPr id="96" name="Google Shape;96;g893973998b_0_7:notes"/>
-          <p:cNvSpPr txBox="1"/>
+          <p:cNvSpPr txBox="1">
+            <a:spLocks noGrp="1"/>
+          </p:cNvSpPr>
           <p:nvPr>
-            <p:ph idx="1" type="body"/>
+            <p:ph type="body" idx="1"/>
           </p:nvPr>
         </p:nvSpPr>
         <p:spPr>
@@ -1373,12 +1461,12 @@
           </a:prstGeom>
         </p:spPr>
         <p:txBody>
-          <a:bodyPr anchorCtr="0" anchor="t" bIns="91425" lIns="91425" spcFirstLastPara="1" rIns="91425" wrap="square" tIns="91425">
+          <a:bodyPr spcFirstLastPara="1" wrap="square" lIns="91425" tIns="91425" rIns="91425" bIns="91425" anchor="t" anchorCtr="0">
             <a:noAutofit/>
           </a:bodyPr>
           <a:lstStyle/>
           <a:p>
-            <a:pPr indent="0" lvl="0" marL="0" rtl="0" algn="l">
+            <a:pPr marL="0" lvl="0" indent="0" algn="l" rtl="0">
               <a:spcBef>
                 <a:spcPts val="0"/>
               </a:spcBef>
@@ -1387,14 +1475,16 @@
               </a:spcAft>
               <a:buNone/>
             </a:pPr>
-            <a:r>
-              <a:t/>
-            </a:r>
             <a:endParaRPr/>
           </a:p>
         </p:txBody>
       </p:sp>
     </p:spTree>
+    <p:extLst>
+      <p:ext uri="{BB962C8B-B14F-4D97-AF65-F5344CB8AC3E}">
+        <p14:creationId xmlns:p14="http://schemas.microsoft.com/office/powerpoint/2010/main" val="4292211719"/>
+      </p:ext>
+    </p:extLst>
   </p:cSld>
   <p:clrMapOvr>
     <a:masterClrMapping/>
@@ -1403,11 +1493,11 @@
 </file>
 
 <file path=ppt/notesSlides/notesSlide8.xml><?xml version="1.0" encoding="utf-8"?>
-<p:notes xmlns:a="http://schemas.openxmlformats.org/drawingml/2006/main" xmlns:r="http://schemas.openxmlformats.org/officeDocument/2006/relationships" xmlns:mc="http://schemas.openxmlformats.org/markup-compatibility/2006" xmlns:mv="urn:schemas-microsoft-com:mac:vml" xmlns:p="http://schemas.openxmlformats.org/presentationml/2006/main" xmlns:c="http://schemas.openxmlformats.org/drawingml/2006/chart" xmlns:dgm="http://schemas.openxmlformats.org/drawingml/2006/diagram" xmlns:o="urn:schemas-microsoft-com:office:office" xmlns:v="urn:schemas-microsoft-com:vml" xmlns:pvml="urn:schemas-microsoft-com:office:powerpoint" xmlns:com="http://schemas.openxmlformats.org/drawingml/2006/compatibility" xmlns:p14="http://schemas.microsoft.com/office/powerpoint/2010/main" xmlns:p15="http://schemas.microsoft.com/office/powerpoint/2012/main" showMasterPhAnim="0" showMasterSp="0">
+<p:notes xmlns:a="http://schemas.openxmlformats.org/drawingml/2006/main" xmlns:r="http://schemas.openxmlformats.org/officeDocument/2006/relationships" xmlns:p="http://schemas.openxmlformats.org/presentationml/2006/main" showMasterSp="0" showMasterPhAnim="0">
   <p:cSld>
     <p:spTree>
       <p:nvGrpSpPr>
-        <p:cNvPr id="100" name="Shape 100"/>
+        <p:cNvPr id="1" name="Shape 100"/>
         <p:cNvGrpSpPr/>
         <p:nvPr/>
       </p:nvGrpSpPr>
@@ -1422,20 +1512,26 @@
       <p:sp>
         <p:nvSpPr>
           <p:cNvPr id="101" name="Google Shape;101;g8a6fcd4f70_1_15:notes"/>
-          <p:cNvSpPr/>
+          <p:cNvSpPr>
+            <a:spLocks noGrp="1" noRot="1" noChangeAspect="1"/>
+          </p:cNvSpPr>
           <p:nvPr>
-            <p:ph idx="2" type="sldImg"/>
+            <p:ph type="sldImg" idx="2"/>
           </p:nvPr>
         </p:nvSpPr>
         <p:spPr>
           <a:xfrm>
-            <a:off x="381300" y="685800"/>
+            <a:off x="381000" y="685800"/>
             <a:ext cx="6096000" cy="3429000"/>
           </a:xfrm>
           <a:custGeom>
-            <a:rect b="b" l="l" r="r" t="t"/>
+            <a:avLst/>
+            <a:gdLst/>
+            <a:ahLst/>
+            <a:cxnLst/>
+            <a:rect l="l" t="t" r="r" b="b"/>
             <a:pathLst>
-              <a:path extrusionOk="0" h="120000" w="120000">
+              <a:path w="120000" h="120000" extrusionOk="0">
                 <a:moveTo>
                   <a:pt x="0" y="0"/>
                 </a:moveTo>
@@ -1457,9 +1553,11 @@
       <p:sp>
         <p:nvSpPr>
           <p:cNvPr id="102" name="Google Shape;102;g8a6fcd4f70_1_15:notes"/>
-          <p:cNvSpPr txBox="1"/>
+          <p:cNvSpPr txBox="1">
+            <a:spLocks noGrp="1"/>
+          </p:cNvSpPr>
           <p:nvPr>
-            <p:ph idx="1" type="body"/>
+            <p:ph type="body" idx="1"/>
           </p:nvPr>
         </p:nvSpPr>
         <p:spPr>
@@ -1472,12 +1570,12 @@
           </a:prstGeom>
         </p:spPr>
         <p:txBody>
-          <a:bodyPr anchorCtr="0" anchor="t" bIns="91425" lIns="91425" spcFirstLastPara="1" rIns="91425" wrap="square" tIns="91425">
+          <a:bodyPr spcFirstLastPara="1" wrap="square" lIns="91425" tIns="91425" rIns="91425" bIns="91425" anchor="t" anchorCtr="0">
             <a:noAutofit/>
           </a:bodyPr>
           <a:lstStyle/>
           <a:p>
-            <a:pPr indent="0" lvl="0" marL="0" rtl="0" algn="l">
+            <a:pPr marL="0" lvl="0" indent="0" algn="l" rtl="0">
               <a:spcBef>
                 <a:spcPts val="0"/>
               </a:spcBef>
@@ -1486,14 +1584,16 @@
               </a:spcAft>
               <a:buNone/>
             </a:pPr>
-            <a:r>
-              <a:t/>
-            </a:r>
             <a:endParaRPr/>
           </a:p>
         </p:txBody>
       </p:sp>
     </p:spTree>
+    <p:extLst>
+      <p:ext uri="{BB962C8B-B14F-4D97-AF65-F5344CB8AC3E}">
+        <p14:creationId xmlns:p14="http://schemas.microsoft.com/office/powerpoint/2010/main" val="1190060241"/>
+      </p:ext>
+    </p:extLst>
   </p:cSld>
   <p:clrMapOvr>
     <a:masterClrMapping/>
@@ -1502,11 +1602,11 @@
 </file>
 
 <file path=ppt/slideLayouts/slideLayout1.xml><?xml version="1.0" encoding="utf-8"?>
-<p:sldLayout xmlns:a="http://schemas.openxmlformats.org/drawingml/2006/main" xmlns:r="http://schemas.openxmlformats.org/officeDocument/2006/relationships" xmlns:mc="http://schemas.openxmlformats.org/markup-compatibility/2006" xmlns:mv="urn:schemas-microsoft-com:mac:vml" xmlns:p="http://schemas.openxmlformats.org/presentationml/2006/main" xmlns:c="http://schemas.openxmlformats.org/drawingml/2006/chart" xmlns:dgm="http://schemas.openxmlformats.org/drawingml/2006/diagram" xmlns:o="urn:schemas-microsoft-com:office:office" xmlns:v="urn:schemas-microsoft-com:vml" xmlns:pvml="urn:schemas-microsoft-com:office:powerpoint" xmlns:com="http://schemas.openxmlformats.org/drawingml/2006/compatibility" xmlns:p14="http://schemas.microsoft.com/office/powerpoint/2010/main" xmlns:p15="http://schemas.microsoft.com/office/powerpoint/2012/main" matchingName="Title slide" type="title">
+<p:sldLayout xmlns:a="http://schemas.openxmlformats.org/drawingml/2006/main" xmlns:r="http://schemas.openxmlformats.org/officeDocument/2006/relationships" xmlns:p="http://schemas.openxmlformats.org/presentationml/2006/main" matchingName="Title slide" type="title">
   <p:cSld name="TITLE">
     <p:spTree>
       <p:nvGrpSpPr>
-        <p:cNvPr id="9" name="Shape 9"/>
+        <p:cNvPr id="1" name="Shape 9"/>
         <p:cNvGrpSpPr/>
         <p:nvPr/>
       </p:nvGrpSpPr>
@@ -1530,9 +1630,13 @@
             <a:ext cx="1081625" cy="1124950"/>
           </a:xfrm>
           <a:custGeom>
-            <a:rect b="b" l="l" r="r" t="t"/>
+            <a:avLst/>
+            <a:gdLst/>
+            <a:ahLst/>
+            <a:cxnLst/>
+            <a:rect l="l" t="t" r="r" b="b"/>
             <a:pathLst>
-              <a:path extrusionOk="0" h="44998" w="43265">
+              <a:path w="43265" h="44998" extrusionOk="0">
                 <a:moveTo>
                   <a:pt x="0" y="44998"/>
                 </a:moveTo>
@@ -1546,14 +1650,14 @@
             </a:pathLst>
           </a:custGeom>
           <a:noFill/>
-          <a:ln cap="flat" cmpd="sng" w="28575">
+          <a:ln w="28575" cap="flat" cmpd="sng">
             <a:solidFill>
               <a:schemeClr val="lt2"/>
             </a:solidFill>
             <a:prstDash val="solid"/>
             <a:miter lim="8000"/>
-            <a:headEnd len="sm" w="sm" type="none"/>
-            <a:tailEnd len="sm" w="sm" type="none"/>
+            <a:headEnd type="none" w="sm" len="sm"/>
+            <a:tailEnd type="none" w="sm" len="sm"/>
           </a:ln>
         </p:spPr>
       </p:sp>
@@ -1569,9 +1673,13 @@
             <a:ext cx="1081625" cy="1124950"/>
           </a:xfrm>
           <a:custGeom>
-            <a:rect b="b" l="l" r="r" t="t"/>
+            <a:avLst/>
+            <a:gdLst/>
+            <a:ahLst/>
+            <a:cxnLst/>
+            <a:rect l="l" t="t" r="r" b="b"/>
             <a:pathLst>
-              <a:path extrusionOk="0" h="44998" w="43265">
+              <a:path w="43265" h="44998" extrusionOk="0">
                 <a:moveTo>
                   <a:pt x="0" y="44998"/>
                 </a:moveTo>
@@ -1585,21 +1693,23 @@
             </a:pathLst>
           </a:custGeom>
           <a:noFill/>
-          <a:ln cap="flat" cmpd="sng" w="28575">
+          <a:ln w="28575" cap="flat" cmpd="sng">
             <a:solidFill>
               <a:schemeClr val="lt2"/>
             </a:solidFill>
             <a:prstDash val="solid"/>
             <a:miter lim="8000"/>
-            <a:headEnd len="sm" w="sm" type="none"/>
-            <a:tailEnd len="sm" w="sm" type="none"/>
+            <a:headEnd type="none" w="sm" len="sm"/>
+            <a:tailEnd type="none" w="sm" len="sm"/>
           </a:ln>
         </p:spPr>
       </p:sp>
       <p:sp>
         <p:nvSpPr>
           <p:cNvPr id="12" name="Google Shape;12;p2"/>
-          <p:cNvSpPr txBox="1"/>
+          <p:cNvSpPr txBox="1">
+            <a:spLocks noGrp="1"/>
+          </p:cNvSpPr>
           <p:nvPr>
             <p:ph type="ctrTitle"/>
           </p:nvPr>
@@ -1614,7 +1724,7 @@
           </a:prstGeom>
         </p:spPr>
         <p:txBody>
-          <a:bodyPr anchorCtr="0" anchor="b" bIns="91425" lIns="91425" spcFirstLastPara="1" rIns="91425" wrap="square" tIns="91425">
+          <a:bodyPr spcFirstLastPara="1" wrap="square" lIns="91425" tIns="91425" rIns="91425" bIns="91425" anchor="b" anchorCtr="0">
             <a:noAutofit/>
           </a:bodyPr>
           <a:lstStyle>
@@ -1718,15 +1828,19 @@
               <a:defRPr/>
             </a:lvl9pPr>
           </a:lstStyle>
-          <a:p/>
+          <a:p>
+            <a:endParaRPr/>
+          </a:p>
         </p:txBody>
       </p:sp>
       <p:sp>
         <p:nvSpPr>
           <p:cNvPr id="13" name="Google Shape;13;p2"/>
-          <p:cNvSpPr txBox="1"/>
+          <p:cNvSpPr txBox="1">
+            <a:spLocks noGrp="1"/>
+          </p:cNvSpPr>
           <p:nvPr>
-            <p:ph idx="1" type="subTitle"/>
+            <p:ph type="subTitle" idx="1"/>
           </p:nvPr>
         </p:nvSpPr>
         <p:spPr>
@@ -1739,7 +1853,7 @@
           </a:prstGeom>
         </p:spPr>
         <p:txBody>
-          <a:bodyPr anchorCtr="0" anchor="t" bIns="91425" lIns="91425" spcFirstLastPara="1" rIns="91425" wrap="square" tIns="91425">
+          <a:bodyPr spcFirstLastPara="1" wrap="square" lIns="91425" tIns="91425" rIns="91425" bIns="91425" anchor="t" anchorCtr="0">
             <a:noAutofit/>
           </a:bodyPr>
           <a:lstStyle>
@@ -1924,15 +2038,19 @@
               </a:defRPr>
             </a:lvl9pPr>
           </a:lstStyle>
-          <a:p/>
+          <a:p>
+            <a:endParaRPr/>
+          </a:p>
         </p:txBody>
       </p:sp>
       <p:sp>
         <p:nvSpPr>
           <p:cNvPr id="14" name="Google Shape;14;p2"/>
-          <p:cNvSpPr txBox="1"/>
+          <p:cNvSpPr txBox="1">
+            <a:spLocks noGrp="1"/>
+          </p:cNvSpPr>
           <p:nvPr>
-            <p:ph idx="12" type="sldNum"/>
+            <p:ph type="sldNum" idx="12"/>
           </p:nvPr>
         </p:nvSpPr>
         <p:spPr>
@@ -1945,7 +2063,7 @@
           </a:prstGeom>
         </p:spPr>
         <p:txBody>
-          <a:bodyPr anchorCtr="0" anchor="ctr" bIns="91425" lIns="91425" spcFirstLastPara="1" rIns="91425" wrap="square" tIns="91425">
+          <a:bodyPr spcFirstLastPara="1" wrap="square" lIns="91425" tIns="91425" rIns="91425" bIns="91425" anchor="ctr" anchorCtr="0">
             <a:noAutofit/>
           </a:bodyPr>
           <a:lstStyle>
@@ -1987,7 +2105,7 @@
             </a:lvl9pPr>
           </a:lstStyle>
           <a:p>
-            <a:pPr indent="0" lvl="0" marL="0" rtl="0" algn="r">
+            <a:pPr marL="0" lvl="0" indent="0" algn="r" rtl="0">
               <a:spcBef>
                 <a:spcPts val="0"/>
               </a:spcBef>
@@ -2013,11 +2131,11 @@
 </file>
 
 <file path=ppt/slideLayouts/slideLayout10.xml><?xml version="1.0" encoding="utf-8"?>
-<p:sldLayout xmlns:a="http://schemas.openxmlformats.org/drawingml/2006/main" xmlns:r="http://schemas.openxmlformats.org/officeDocument/2006/relationships" xmlns:mc="http://schemas.openxmlformats.org/markup-compatibility/2006" xmlns:mv="urn:schemas-microsoft-com:mac:vml" xmlns:p="http://schemas.openxmlformats.org/presentationml/2006/main" xmlns:c="http://schemas.openxmlformats.org/drawingml/2006/chart" xmlns:dgm="http://schemas.openxmlformats.org/drawingml/2006/diagram" xmlns:o="urn:schemas-microsoft-com:office:office" xmlns:v="urn:schemas-microsoft-com:vml" xmlns:pvml="urn:schemas-microsoft-com:office:powerpoint" xmlns:com="http://schemas.openxmlformats.org/drawingml/2006/compatibility" xmlns:p14="http://schemas.microsoft.com/office/powerpoint/2010/main" xmlns:p15="http://schemas.microsoft.com/office/powerpoint/2012/main" matchingName="Big number">
+<p:sldLayout xmlns:a="http://schemas.openxmlformats.org/drawingml/2006/main" xmlns:r="http://schemas.openxmlformats.org/officeDocument/2006/relationships" xmlns:p="http://schemas.openxmlformats.org/presentationml/2006/main" matchingName="Big number">
   <p:cSld name="BIG_NUMBER">
     <p:spTree>
       <p:nvGrpSpPr>
-        <p:cNvPr id="51" name="Shape 51"/>
+        <p:cNvPr id="1" name="Shape 51"/>
         <p:cNvGrpSpPr/>
         <p:nvPr/>
       </p:nvGrpSpPr>
@@ -2051,12 +2169,12 @@
           </a:ln>
         </p:spPr>
         <p:txBody>
-          <a:bodyPr anchorCtr="0" anchor="ctr" bIns="91425" lIns="91425" spcFirstLastPara="1" rIns="91425" wrap="square" tIns="91425">
+          <a:bodyPr spcFirstLastPara="1" wrap="square" lIns="91425" tIns="91425" rIns="91425" bIns="91425" anchor="ctr" anchorCtr="0">
             <a:noAutofit/>
           </a:bodyPr>
           <a:lstStyle/>
           <a:p>
-            <a:pPr indent="0" lvl="0" marL="0" rtl="0" algn="l">
+            <a:pPr marL="0" lvl="0" indent="0" algn="l" rtl="0">
               <a:spcBef>
                 <a:spcPts val="0"/>
               </a:spcBef>
@@ -2065,9 +2183,6 @@
               </a:spcAft>
               <a:buNone/>
             </a:pPr>
-            <a:r>
-              <a:t/>
-            </a:r>
             <a:endParaRPr/>
           </a:p>
         </p:txBody>
@@ -2075,9 +2190,11 @@
       <p:sp>
         <p:nvSpPr>
           <p:cNvPr id="53" name="Google Shape;53;p11"/>
-          <p:cNvSpPr txBox="1"/>
+          <p:cNvSpPr txBox="1">
+            <a:spLocks noGrp="1"/>
+          </p:cNvSpPr>
           <p:nvPr>
-            <p:ph hasCustomPrompt="1" type="title"/>
+            <p:ph type="title" hasCustomPrompt="1"/>
           </p:nvPr>
         </p:nvSpPr>
         <p:spPr>
@@ -2090,7 +2207,7 @@
           </a:prstGeom>
         </p:spPr>
         <p:txBody>
-          <a:bodyPr anchorCtr="0" anchor="ctr" bIns="91425" lIns="91425" spcFirstLastPara="1" rIns="91425" wrap="square" tIns="91425">
+          <a:bodyPr spcFirstLastPara="1" wrap="square" lIns="91425" tIns="91425" rIns="91425" bIns="91425" anchor="ctr" anchorCtr="0">
             <a:noAutofit/>
           </a:bodyPr>
           <a:lstStyle>
@@ -2267,9 +2384,11 @@
       <p:sp>
         <p:nvSpPr>
           <p:cNvPr id="54" name="Google Shape;54;p11"/>
-          <p:cNvSpPr txBox="1"/>
+          <p:cNvSpPr txBox="1">
+            <a:spLocks noGrp="1"/>
+          </p:cNvSpPr>
           <p:nvPr>
-            <p:ph idx="1" type="body"/>
+            <p:ph type="body" idx="1"/>
           </p:nvPr>
         </p:nvSpPr>
         <p:spPr>
@@ -2282,11 +2401,11 @@
           </a:prstGeom>
         </p:spPr>
         <p:txBody>
-          <a:bodyPr anchorCtr="0" anchor="t" bIns="91425" lIns="91425" spcFirstLastPara="1" rIns="91425" wrap="square" tIns="91425">
+          <a:bodyPr spcFirstLastPara="1" wrap="square" lIns="91425" tIns="91425" rIns="91425" bIns="91425" anchor="t" anchorCtr="0">
             <a:noAutofit/>
           </a:bodyPr>
           <a:lstStyle>
-            <a:lvl1pPr indent="-342900" lvl="0" marL="457200" algn="ctr">
+            <a:lvl1pPr marL="457200" lvl="0" indent="-342900" algn="ctr">
               <a:spcBef>
                 <a:spcPts val="0"/>
               </a:spcBef>
@@ -2297,7 +2416,7 @@
               <a:buChar char="●"/>
               <a:defRPr/>
             </a:lvl1pPr>
-            <a:lvl2pPr indent="-317500" lvl="1" marL="914400" algn="ctr">
+            <a:lvl2pPr marL="914400" lvl="1" indent="-317500" algn="ctr">
               <a:spcBef>
                 <a:spcPts val="1600"/>
               </a:spcBef>
@@ -2308,7 +2427,7 @@
               <a:buChar char="○"/>
               <a:defRPr/>
             </a:lvl2pPr>
-            <a:lvl3pPr indent="-317500" lvl="2" marL="1371600" algn="ctr">
+            <a:lvl3pPr marL="1371600" lvl="2" indent="-317500" algn="ctr">
               <a:spcBef>
                 <a:spcPts val="1600"/>
               </a:spcBef>
@@ -2319,7 +2438,7 @@
               <a:buChar char="■"/>
               <a:defRPr/>
             </a:lvl3pPr>
-            <a:lvl4pPr indent="-317500" lvl="3" marL="1828800" algn="ctr">
+            <a:lvl4pPr marL="1828800" lvl="3" indent="-317500" algn="ctr">
               <a:spcBef>
                 <a:spcPts val="1600"/>
               </a:spcBef>
@@ -2330,7 +2449,7 @@
               <a:buChar char="●"/>
               <a:defRPr/>
             </a:lvl4pPr>
-            <a:lvl5pPr indent="-317500" lvl="4" marL="2286000" algn="ctr">
+            <a:lvl5pPr marL="2286000" lvl="4" indent="-317500" algn="ctr">
               <a:spcBef>
                 <a:spcPts val="1600"/>
               </a:spcBef>
@@ -2341,7 +2460,7 @@
               <a:buChar char="○"/>
               <a:defRPr/>
             </a:lvl5pPr>
-            <a:lvl6pPr indent="-317500" lvl="5" marL="2743200" algn="ctr">
+            <a:lvl6pPr marL="2743200" lvl="5" indent="-317500" algn="ctr">
               <a:spcBef>
                 <a:spcPts val="1600"/>
               </a:spcBef>
@@ -2352,7 +2471,7 @@
               <a:buChar char="■"/>
               <a:defRPr/>
             </a:lvl6pPr>
-            <a:lvl7pPr indent="-317500" lvl="6" marL="3200400" algn="ctr">
+            <a:lvl7pPr marL="3200400" lvl="6" indent="-317500" algn="ctr">
               <a:spcBef>
                 <a:spcPts val="1600"/>
               </a:spcBef>
@@ -2363,7 +2482,7 @@
               <a:buChar char="●"/>
               <a:defRPr/>
             </a:lvl7pPr>
-            <a:lvl8pPr indent="-317500" lvl="7" marL="3657600" algn="ctr">
+            <a:lvl8pPr marL="3657600" lvl="7" indent="-317500" algn="ctr">
               <a:spcBef>
                 <a:spcPts val="1600"/>
               </a:spcBef>
@@ -2374,7 +2493,7 @@
               <a:buChar char="○"/>
               <a:defRPr/>
             </a:lvl8pPr>
-            <a:lvl9pPr indent="-317500" lvl="8" marL="4114800" algn="ctr">
+            <a:lvl9pPr marL="4114800" lvl="8" indent="-317500" algn="ctr">
               <a:spcBef>
                 <a:spcPts val="1600"/>
               </a:spcBef>
@@ -2386,15 +2505,19 @@
               <a:defRPr/>
             </a:lvl9pPr>
           </a:lstStyle>
-          <a:p/>
+          <a:p>
+            <a:endParaRPr/>
+          </a:p>
         </p:txBody>
       </p:sp>
       <p:sp>
         <p:nvSpPr>
           <p:cNvPr id="55" name="Google Shape;55;p11"/>
-          <p:cNvSpPr txBox="1"/>
+          <p:cNvSpPr txBox="1">
+            <a:spLocks noGrp="1"/>
+          </p:cNvSpPr>
           <p:nvPr>
-            <p:ph idx="12" type="sldNum"/>
+            <p:ph type="sldNum" idx="12"/>
           </p:nvPr>
         </p:nvSpPr>
         <p:spPr>
@@ -2407,7 +2530,7 @@
           </a:prstGeom>
         </p:spPr>
         <p:txBody>
-          <a:bodyPr anchorCtr="0" anchor="ctr" bIns="91425" lIns="91425" spcFirstLastPara="1" rIns="91425" wrap="square" tIns="91425">
+          <a:bodyPr spcFirstLastPara="1" wrap="square" lIns="91425" tIns="91425" rIns="91425" bIns="91425" anchor="ctr" anchorCtr="0">
             <a:noAutofit/>
           </a:bodyPr>
           <a:lstStyle>
@@ -2449,7 +2572,7 @@
             </a:lvl9pPr>
           </a:lstStyle>
           <a:p>
-            <a:pPr indent="0" lvl="0" marL="0" rtl="0" algn="r">
+            <a:pPr marL="0" lvl="0" indent="0" algn="r" rtl="0">
               <a:spcBef>
                 <a:spcPts val="0"/>
               </a:spcBef>
@@ -2475,11 +2598,11 @@
 </file>
 
 <file path=ppt/slideLayouts/slideLayout11.xml><?xml version="1.0" encoding="utf-8"?>
-<p:sldLayout xmlns:a="http://schemas.openxmlformats.org/drawingml/2006/main" xmlns:r="http://schemas.openxmlformats.org/officeDocument/2006/relationships" xmlns:mc="http://schemas.openxmlformats.org/markup-compatibility/2006" xmlns:mv="urn:schemas-microsoft-com:mac:vml" xmlns:p="http://schemas.openxmlformats.org/presentationml/2006/main" xmlns:c="http://schemas.openxmlformats.org/drawingml/2006/chart" xmlns:dgm="http://schemas.openxmlformats.org/drawingml/2006/diagram" xmlns:o="urn:schemas-microsoft-com:office:office" xmlns:v="urn:schemas-microsoft-com:vml" xmlns:pvml="urn:schemas-microsoft-com:office:powerpoint" xmlns:com="http://schemas.openxmlformats.org/drawingml/2006/compatibility" xmlns:p14="http://schemas.microsoft.com/office/powerpoint/2010/main" xmlns:p15="http://schemas.microsoft.com/office/powerpoint/2012/main" matchingName="Blank" type="blank">
+<p:sldLayout xmlns:a="http://schemas.openxmlformats.org/drawingml/2006/main" xmlns:r="http://schemas.openxmlformats.org/officeDocument/2006/relationships" xmlns:p="http://schemas.openxmlformats.org/presentationml/2006/main" matchingName="Blank" type="blank">
   <p:cSld name="BLANK">
     <p:spTree>
       <p:nvGrpSpPr>
-        <p:cNvPr id="56" name="Shape 56"/>
+        <p:cNvPr id="1" name="Shape 56"/>
         <p:cNvGrpSpPr/>
         <p:nvPr/>
       </p:nvGrpSpPr>
@@ -2494,9 +2617,11 @@
       <p:sp>
         <p:nvSpPr>
           <p:cNvPr id="57" name="Google Shape;57;p12"/>
-          <p:cNvSpPr txBox="1"/>
+          <p:cNvSpPr txBox="1">
+            <a:spLocks noGrp="1"/>
+          </p:cNvSpPr>
           <p:nvPr>
-            <p:ph idx="12" type="sldNum"/>
+            <p:ph type="sldNum" idx="12"/>
           </p:nvPr>
         </p:nvSpPr>
         <p:spPr>
@@ -2509,7 +2634,7 @@
           </a:prstGeom>
         </p:spPr>
         <p:txBody>
-          <a:bodyPr anchorCtr="0" anchor="ctr" bIns="91425" lIns="91425" spcFirstLastPara="1" rIns="91425" wrap="square" tIns="91425">
+          <a:bodyPr spcFirstLastPara="1" wrap="square" lIns="91425" tIns="91425" rIns="91425" bIns="91425" anchor="ctr" anchorCtr="0">
             <a:noAutofit/>
           </a:bodyPr>
           <a:lstStyle>
@@ -2551,7 +2676,7 @@
             </a:lvl9pPr>
           </a:lstStyle>
           <a:p>
-            <a:pPr indent="0" lvl="0" marL="0" rtl="0" algn="r">
+            <a:pPr marL="0" lvl="0" indent="0" algn="r" rtl="0">
               <a:spcBef>
                 <a:spcPts val="0"/>
               </a:spcBef>
@@ -2577,11 +2702,11 @@
 </file>
 
 <file path=ppt/slideLayouts/slideLayout2.xml><?xml version="1.0" encoding="utf-8"?>
-<p:sldLayout xmlns:a="http://schemas.openxmlformats.org/drawingml/2006/main" xmlns:r="http://schemas.openxmlformats.org/officeDocument/2006/relationships" xmlns:mc="http://schemas.openxmlformats.org/markup-compatibility/2006" xmlns:mv="urn:schemas-microsoft-com:mac:vml" xmlns:p="http://schemas.openxmlformats.org/presentationml/2006/main" xmlns:c="http://schemas.openxmlformats.org/drawingml/2006/chart" xmlns:dgm="http://schemas.openxmlformats.org/drawingml/2006/diagram" xmlns:o="urn:schemas-microsoft-com:office:office" xmlns:v="urn:schemas-microsoft-com:vml" xmlns:pvml="urn:schemas-microsoft-com:office:powerpoint" xmlns:com="http://schemas.openxmlformats.org/drawingml/2006/compatibility" xmlns:p14="http://schemas.microsoft.com/office/powerpoint/2010/main" xmlns:p15="http://schemas.microsoft.com/office/powerpoint/2012/main" matchingName="Section header" type="secHead">
+<p:sldLayout xmlns:a="http://schemas.openxmlformats.org/drawingml/2006/main" xmlns:r="http://schemas.openxmlformats.org/officeDocument/2006/relationships" xmlns:p="http://schemas.openxmlformats.org/presentationml/2006/main" matchingName="Section header" type="secHead">
   <p:cSld name="SECTION_HEADER">
     <p:spTree>
       <p:nvGrpSpPr>
-        <p:cNvPr id="15" name="Shape 15"/>
+        <p:cNvPr id="1" name="Shape 15"/>
         <p:cNvGrpSpPr/>
         <p:nvPr/>
       </p:nvGrpSpPr>
@@ -2605,9 +2730,13 @@
             <a:ext cx="1081625" cy="1124950"/>
           </a:xfrm>
           <a:custGeom>
-            <a:rect b="b" l="l" r="r" t="t"/>
+            <a:avLst/>
+            <a:gdLst/>
+            <a:ahLst/>
+            <a:cxnLst/>
+            <a:rect l="l" t="t" r="r" b="b"/>
             <a:pathLst>
-              <a:path extrusionOk="0" h="44998" w="43265">
+              <a:path w="43265" h="44998" extrusionOk="0">
                 <a:moveTo>
                   <a:pt x="0" y="44998"/>
                 </a:moveTo>
@@ -2621,14 +2750,14 @@
             </a:pathLst>
           </a:custGeom>
           <a:noFill/>
-          <a:ln cap="flat" cmpd="sng" w="28575">
+          <a:ln w="28575" cap="flat" cmpd="sng">
             <a:solidFill>
               <a:schemeClr val="lt2"/>
             </a:solidFill>
             <a:prstDash val="solid"/>
             <a:miter lim="8000"/>
-            <a:headEnd len="sm" w="sm" type="none"/>
-            <a:tailEnd len="sm" w="sm" type="none"/>
+            <a:headEnd type="none" w="sm" len="sm"/>
+            <a:tailEnd type="none" w="sm" len="sm"/>
           </a:ln>
         </p:spPr>
       </p:sp>
@@ -2639,14 +2768,18 @@
           <p:nvPr/>
         </p:nvSpPr>
         <p:spPr>
-          <a:xfrm flipH="1" rot="10800000">
+          <a:xfrm rot="10800000" flipH="1">
             <a:off x="466425" y="3558325"/>
             <a:ext cx="1081625" cy="1124950"/>
           </a:xfrm>
           <a:custGeom>
-            <a:rect b="b" l="l" r="r" t="t"/>
+            <a:avLst/>
+            <a:gdLst/>
+            <a:ahLst/>
+            <a:cxnLst/>
+            <a:rect l="l" t="t" r="r" b="b"/>
             <a:pathLst>
-              <a:path extrusionOk="0" h="44998" w="43265">
+              <a:path w="43265" h="44998" extrusionOk="0">
                 <a:moveTo>
                   <a:pt x="0" y="44998"/>
                 </a:moveTo>
@@ -2660,21 +2793,23 @@
             </a:pathLst>
           </a:custGeom>
           <a:noFill/>
-          <a:ln cap="flat" cmpd="sng" w="28575">
+          <a:ln w="28575" cap="flat" cmpd="sng">
             <a:solidFill>
               <a:schemeClr val="lt2"/>
             </a:solidFill>
             <a:prstDash val="solid"/>
             <a:miter lim="8000"/>
-            <a:headEnd len="sm" w="sm" type="none"/>
-            <a:tailEnd len="sm" w="sm" type="none"/>
+            <a:headEnd type="none" w="sm" len="sm"/>
+            <a:tailEnd type="none" w="sm" len="sm"/>
           </a:ln>
         </p:spPr>
       </p:sp>
       <p:sp>
         <p:nvSpPr>
           <p:cNvPr id="18" name="Google Shape;18;p3"/>
-          <p:cNvSpPr txBox="1"/>
+          <p:cNvSpPr txBox="1">
+            <a:spLocks noGrp="1"/>
+          </p:cNvSpPr>
           <p:nvPr>
             <p:ph type="title"/>
           </p:nvPr>
@@ -2689,7 +2824,7 @@
           </a:prstGeom>
         </p:spPr>
         <p:txBody>
-          <a:bodyPr anchorCtr="0" anchor="ctr" bIns="91425" lIns="91425" spcFirstLastPara="1" rIns="91425" wrap="square" tIns="91425">
+          <a:bodyPr spcFirstLastPara="1" wrap="square" lIns="91425" tIns="91425" rIns="91425" bIns="91425" anchor="ctr" anchorCtr="0">
             <a:noAutofit/>
           </a:bodyPr>
           <a:lstStyle>
@@ -2793,15 +2928,19 @@
               <a:defRPr/>
             </a:lvl9pPr>
           </a:lstStyle>
-          <a:p/>
+          <a:p>
+            <a:endParaRPr/>
+          </a:p>
         </p:txBody>
       </p:sp>
       <p:sp>
         <p:nvSpPr>
           <p:cNvPr id="19" name="Google Shape;19;p3"/>
-          <p:cNvSpPr txBox="1"/>
+          <p:cNvSpPr txBox="1">
+            <a:spLocks noGrp="1"/>
+          </p:cNvSpPr>
           <p:nvPr>
-            <p:ph idx="12" type="sldNum"/>
+            <p:ph type="sldNum" idx="12"/>
           </p:nvPr>
         </p:nvSpPr>
         <p:spPr>
@@ -2814,7 +2953,7 @@
           </a:prstGeom>
         </p:spPr>
         <p:txBody>
-          <a:bodyPr anchorCtr="0" anchor="ctr" bIns="91425" lIns="91425" spcFirstLastPara="1" rIns="91425" wrap="square" tIns="91425">
+          <a:bodyPr spcFirstLastPara="1" wrap="square" lIns="91425" tIns="91425" rIns="91425" bIns="91425" anchor="ctr" anchorCtr="0">
             <a:noAutofit/>
           </a:bodyPr>
           <a:lstStyle>
@@ -2856,7 +2995,7 @@
             </a:lvl9pPr>
           </a:lstStyle>
           <a:p>
-            <a:pPr indent="0" lvl="0" marL="0" rtl="0" algn="r">
+            <a:pPr marL="0" lvl="0" indent="0" algn="r" rtl="0">
               <a:spcBef>
                 <a:spcPts val="0"/>
               </a:spcBef>
@@ -2882,11 +3021,11 @@
 </file>
 
 <file path=ppt/slideLayouts/slideLayout3.xml><?xml version="1.0" encoding="utf-8"?>
-<p:sldLayout xmlns:a="http://schemas.openxmlformats.org/drawingml/2006/main" xmlns:r="http://schemas.openxmlformats.org/officeDocument/2006/relationships" xmlns:mc="http://schemas.openxmlformats.org/markup-compatibility/2006" xmlns:mv="urn:schemas-microsoft-com:mac:vml" xmlns:p="http://schemas.openxmlformats.org/presentationml/2006/main" xmlns:c="http://schemas.openxmlformats.org/drawingml/2006/chart" xmlns:dgm="http://schemas.openxmlformats.org/drawingml/2006/diagram" xmlns:o="urn:schemas-microsoft-com:office:office" xmlns:v="urn:schemas-microsoft-com:vml" xmlns:pvml="urn:schemas-microsoft-com:office:powerpoint" xmlns:com="http://schemas.openxmlformats.org/drawingml/2006/compatibility" xmlns:p14="http://schemas.microsoft.com/office/powerpoint/2010/main" xmlns:p15="http://schemas.microsoft.com/office/powerpoint/2012/main" matchingName="Title and body" type="tx">
+<p:sldLayout xmlns:a="http://schemas.openxmlformats.org/drawingml/2006/main" xmlns:r="http://schemas.openxmlformats.org/officeDocument/2006/relationships" xmlns:p="http://schemas.openxmlformats.org/presentationml/2006/main" matchingName="Title and body" type="tx">
   <p:cSld name="TITLE_AND_BODY">
     <p:spTree>
       <p:nvGrpSpPr>
-        <p:cNvPr id="20" name="Shape 20"/>
+        <p:cNvPr id="1" name="Shape 20"/>
         <p:cNvGrpSpPr/>
         <p:nvPr/>
       </p:nvGrpSpPr>
@@ -2920,12 +3059,12 @@
           </a:ln>
         </p:spPr>
         <p:txBody>
-          <a:bodyPr anchorCtr="0" anchor="ctr" bIns="91425" lIns="91425" spcFirstLastPara="1" rIns="91425" wrap="square" tIns="91425">
+          <a:bodyPr spcFirstLastPara="1" wrap="square" lIns="91425" tIns="91425" rIns="91425" bIns="91425" anchor="ctr" anchorCtr="0">
             <a:noAutofit/>
           </a:bodyPr>
           <a:lstStyle/>
           <a:p>
-            <a:pPr indent="0" lvl="0" marL="0" rtl="0" algn="l">
+            <a:pPr marL="0" lvl="0" indent="0" algn="l" rtl="0">
               <a:spcBef>
                 <a:spcPts val="0"/>
               </a:spcBef>
@@ -2934,9 +3073,6 @@
               </a:spcAft>
               <a:buNone/>
             </a:pPr>
-            <a:r>
-              <a:t/>
-            </a:r>
             <a:endParaRPr/>
           </a:p>
         </p:txBody>
@@ -2944,7 +3080,9 @@
       <p:sp>
         <p:nvSpPr>
           <p:cNvPr id="22" name="Google Shape;22;p4"/>
-          <p:cNvSpPr txBox="1"/>
+          <p:cNvSpPr txBox="1">
+            <a:spLocks noGrp="1"/>
+          </p:cNvSpPr>
           <p:nvPr>
             <p:ph type="title"/>
           </p:nvPr>
@@ -2959,7 +3097,7 @@
           </a:prstGeom>
         </p:spPr>
         <p:txBody>
-          <a:bodyPr anchorCtr="0" anchor="b" bIns="91425" lIns="91425" spcFirstLastPara="1" rIns="91425" wrap="square" tIns="91425">
+          <a:bodyPr spcFirstLastPara="1" wrap="square" lIns="91425" tIns="91425" rIns="91425" bIns="91425" anchor="b" anchorCtr="0">
             <a:noAutofit/>
           </a:bodyPr>
           <a:lstStyle>
@@ -3063,15 +3201,19 @@
               <a:defRPr/>
             </a:lvl9pPr>
           </a:lstStyle>
-          <a:p/>
+          <a:p>
+            <a:endParaRPr/>
+          </a:p>
         </p:txBody>
       </p:sp>
       <p:sp>
         <p:nvSpPr>
           <p:cNvPr id="23" name="Google Shape;23;p4"/>
-          <p:cNvSpPr txBox="1"/>
+          <p:cNvSpPr txBox="1">
+            <a:spLocks noGrp="1"/>
+          </p:cNvSpPr>
           <p:nvPr>
-            <p:ph idx="1" type="body"/>
+            <p:ph type="body" idx="1"/>
           </p:nvPr>
         </p:nvSpPr>
         <p:spPr>
@@ -3084,11 +3226,11 @@
           </a:prstGeom>
         </p:spPr>
         <p:txBody>
-          <a:bodyPr anchorCtr="0" anchor="t" bIns="91425" lIns="91425" spcFirstLastPara="1" rIns="91425" wrap="square" tIns="91425">
+          <a:bodyPr spcFirstLastPara="1" wrap="square" lIns="91425" tIns="91425" rIns="91425" bIns="91425" anchor="t" anchorCtr="0">
             <a:noAutofit/>
           </a:bodyPr>
           <a:lstStyle>
-            <a:lvl1pPr indent="-342900" lvl="0" marL="457200">
+            <a:lvl1pPr marL="457200" lvl="0" indent="-342900">
               <a:spcBef>
                 <a:spcPts val="0"/>
               </a:spcBef>
@@ -3099,7 +3241,7 @@
               <a:buChar char="●"/>
               <a:defRPr/>
             </a:lvl1pPr>
-            <a:lvl2pPr indent="-317500" lvl="1" marL="914400">
+            <a:lvl2pPr marL="914400" lvl="1" indent="-317500">
               <a:spcBef>
                 <a:spcPts val="1600"/>
               </a:spcBef>
@@ -3110,7 +3252,7 @@
               <a:buChar char="○"/>
               <a:defRPr/>
             </a:lvl2pPr>
-            <a:lvl3pPr indent="-317500" lvl="2" marL="1371600">
+            <a:lvl3pPr marL="1371600" lvl="2" indent="-317500">
               <a:spcBef>
                 <a:spcPts val="1600"/>
               </a:spcBef>
@@ -3121,7 +3263,7 @@
               <a:buChar char="■"/>
               <a:defRPr/>
             </a:lvl3pPr>
-            <a:lvl4pPr indent="-317500" lvl="3" marL="1828800">
+            <a:lvl4pPr marL="1828800" lvl="3" indent="-317500">
               <a:spcBef>
                 <a:spcPts val="1600"/>
               </a:spcBef>
@@ -3132,7 +3274,7 @@
               <a:buChar char="●"/>
               <a:defRPr/>
             </a:lvl4pPr>
-            <a:lvl5pPr indent="-317500" lvl="4" marL="2286000">
+            <a:lvl5pPr marL="2286000" lvl="4" indent="-317500">
               <a:spcBef>
                 <a:spcPts val="1600"/>
               </a:spcBef>
@@ -3143,7 +3285,7 @@
               <a:buChar char="○"/>
               <a:defRPr/>
             </a:lvl5pPr>
-            <a:lvl6pPr indent="-317500" lvl="5" marL="2743200">
+            <a:lvl6pPr marL="2743200" lvl="5" indent="-317500">
               <a:spcBef>
                 <a:spcPts val="1600"/>
               </a:spcBef>
@@ -3154,7 +3296,7 @@
               <a:buChar char="■"/>
               <a:defRPr/>
             </a:lvl6pPr>
-            <a:lvl7pPr indent="-317500" lvl="6" marL="3200400">
+            <a:lvl7pPr marL="3200400" lvl="6" indent="-317500">
               <a:spcBef>
                 <a:spcPts val="1600"/>
               </a:spcBef>
@@ -3165,7 +3307,7 @@
               <a:buChar char="●"/>
               <a:defRPr/>
             </a:lvl7pPr>
-            <a:lvl8pPr indent="-317500" lvl="7" marL="3657600">
+            <a:lvl8pPr marL="3657600" lvl="7" indent="-317500">
               <a:spcBef>
                 <a:spcPts val="1600"/>
               </a:spcBef>
@@ -3176,7 +3318,7 @@
               <a:buChar char="○"/>
               <a:defRPr/>
             </a:lvl8pPr>
-            <a:lvl9pPr indent="-317500" lvl="8" marL="4114800">
+            <a:lvl9pPr marL="4114800" lvl="8" indent="-317500">
               <a:spcBef>
                 <a:spcPts val="1600"/>
               </a:spcBef>
@@ -3188,15 +3330,19 @@
               <a:defRPr/>
             </a:lvl9pPr>
           </a:lstStyle>
-          <a:p/>
+          <a:p>
+            <a:endParaRPr dirty="0"/>
+          </a:p>
         </p:txBody>
       </p:sp>
       <p:sp>
         <p:nvSpPr>
           <p:cNvPr id="24" name="Google Shape;24;p4"/>
-          <p:cNvSpPr txBox="1"/>
+          <p:cNvSpPr txBox="1">
+            <a:spLocks noGrp="1"/>
+          </p:cNvSpPr>
           <p:nvPr>
-            <p:ph idx="12" type="sldNum"/>
+            <p:ph type="sldNum" idx="12"/>
           </p:nvPr>
         </p:nvSpPr>
         <p:spPr>
@@ -3209,7 +3355,7 @@
           </a:prstGeom>
         </p:spPr>
         <p:txBody>
-          <a:bodyPr anchorCtr="0" anchor="ctr" bIns="91425" lIns="91425" spcFirstLastPara="1" rIns="91425" wrap="square" tIns="91425">
+          <a:bodyPr spcFirstLastPara="1" wrap="square" lIns="91425" tIns="91425" rIns="91425" bIns="91425" anchor="ctr" anchorCtr="0">
             <a:noAutofit/>
           </a:bodyPr>
           <a:lstStyle>
@@ -3251,7 +3397,7 @@
             </a:lvl9pPr>
           </a:lstStyle>
           <a:p>
-            <a:pPr indent="0" lvl="0" marL="0" rtl="0" algn="r">
+            <a:pPr marL="0" lvl="0" indent="0" algn="r" rtl="0">
               <a:spcBef>
                 <a:spcPts val="0"/>
               </a:spcBef>
@@ -3277,11 +3423,11 @@
 </file>
 
 <file path=ppt/slideLayouts/slideLayout4.xml><?xml version="1.0" encoding="utf-8"?>
-<p:sldLayout xmlns:a="http://schemas.openxmlformats.org/drawingml/2006/main" xmlns:r="http://schemas.openxmlformats.org/officeDocument/2006/relationships" xmlns:mc="http://schemas.openxmlformats.org/markup-compatibility/2006" xmlns:mv="urn:schemas-microsoft-com:mac:vml" xmlns:p="http://schemas.openxmlformats.org/presentationml/2006/main" xmlns:c="http://schemas.openxmlformats.org/drawingml/2006/chart" xmlns:dgm="http://schemas.openxmlformats.org/drawingml/2006/diagram" xmlns:o="urn:schemas-microsoft-com:office:office" xmlns:v="urn:schemas-microsoft-com:vml" xmlns:pvml="urn:schemas-microsoft-com:office:powerpoint" xmlns:com="http://schemas.openxmlformats.org/drawingml/2006/compatibility" xmlns:p14="http://schemas.microsoft.com/office/powerpoint/2010/main" xmlns:p15="http://schemas.microsoft.com/office/powerpoint/2012/main" matchingName="Title and two columns" type="twoColTx">
+<p:sldLayout xmlns:a="http://schemas.openxmlformats.org/drawingml/2006/main" xmlns:r="http://schemas.openxmlformats.org/officeDocument/2006/relationships" xmlns:p="http://schemas.openxmlformats.org/presentationml/2006/main" matchingName="Title and two columns" type="twoColTx">
   <p:cSld name="TITLE_AND_TWO_COLUMNS">
     <p:spTree>
       <p:nvGrpSpPr>
-        <p:cNvPr id="25" name="Shape 25"/>
+        <p:cNvPr id="1" name="Shape 25"/>
         <p:cNvGrpSpPr/>
         <p:nvPr/>
       </p:nvGrpSpPr>
@@ -3296,7 +3442,9 @@
       <p:sp>
         <p:nvSpPr>
           <p:cNvPr id="26" name="Google Shape;26;p5"/>
-          <p:cNvSpPr txBox="1"/>
+          <p:cNvSpPr txBox="1">
+            <a:spLocks noGrp="1"/>
+          </p:cNvSpPr>
           <p:nvPr>
             <p:ph type="title"/>
           </p:nvPr>
@@ -3311,7 +3459,7 @@
           </a:prstGeom>
         </p:spPr>
         <p:txBody>
-          <a:bodyPr anchorCtr="0" anchor="b" bIns="91425" lIns="91425" spcFirstLastPara="1" rIns="91425" wrap="square" tIns="91425">
+          <a:bodyPr spcFirstLastPara="1" wrap="square" lIns="91425" tIns="91425" rIns="91425" bIns="91425" anchor="b" anchorCtr="0">
             <a:noAutofit/>
           </a:bodyPr>
           <a:lstStyle>
@@ -3415,15 +3563,19 @@
               <a:defRPr/>
             </a:lvl9pPr>
           </a:lstStyle>
-          <a:p/>
+          <a:p>
+            <a:endParaRPr/>
+          </a:p>
         </p:txBody>
       </p:sp>
       <p:sp>
         <p:nvSpPr>
           <p:cNvPr id="27" name="Google Shape;27;p5"/>
-          <p:cNvSpPr txBox="1"/>
+          <p:cNvSpPr txBox="1">
+            <a:spLocks noGrp="1"/>
+          </p:cNvSpPr>
           <p:nvPr>
-            <p:ph idx="1" type="body"/>
+            <p:ph type="body" idx="1"/>
           </p:nvPr>
         </p:nvSpPr>
         <p:spPr>
@@ -3436,11 +3588,11 @@
           </a:prstGeom>
         </p:spPr>
         <p:txBody>
-          <a:bodyPr anchorCtr="0" anchor="t" bIns="91425" lIns="91425" spcFirstLastPara="1" rIns="91425" wrap="square" tIns="91425">
+          <a:bodyPr spcFirstLastPara="1" wrap="square" lIns="91425" tIns="91425" rIns="91425" bIns="91425" anchor="t" anchorCtr="0">
             <a:noAutofit/>
           </a:bodyPr>
           <a:lstStyle>
-            <a:lvl1pPr indent="-317500" lvl="0" marL="457200">
+            <a:lvl1pPr marL="457200" lvl="0" indent="-317500">
               <a:spcBef>
                 <a:spcPts val="0"/>
               </a:spcBef>
@@ -3451,7 +3603,7 @@
               <a:buChar char="●"/>
               <a:defRPr sz="1400"/>
             </a:lvl1pPr>
-            <a:lvl2pPr indent="-304800" lvl="1" marL="914400">
+            <a:lvl2pPr marL="914400" lvl="1" indent="-304800">
               <a:spcBef>
                 <a:spcPts val="1600"/>
               </a:spcBef>
@@ -3462,7 +3614,7 @@
               <a:buChar char="○"/>
               <a:defRPr sz="1200"/>
             </a:lvl2pPr>
-            <a:lvl3pPr indent="-304800" lvl="2" marL="1371600">
+            <a:lvl3pPr marL="1371600" lvl="2" indent="-304800">
               <a:spcBef>
                 <a:spcPts val="1600"/>
               </a:spcBef>
@@ -3473,7 +3625,7 @@
               <a:buChar char="■"/>
               <a:defRPr sz="1200"/>
             </a:lvl3pPr>
-            <a:lvl4pPr indent="-304800" lvl="3" marL="1828800">
+            <a:lvl4pPr marL="1828800" lvl="3" indent="-304800">
               <a:spcBef>
                 <a:spcPts val="1600"/>
               </a:spcBef>
@@ -3484,7 +3636,7 @@
               <a:buChar char="●"/>
               <a:defRPr sz="1200"/>
             </a:lvl4pPr>
-            <a:lvl5pPr indent="-304800" lvl="4" marL="2286000">
+            <a:lvl5pPr marL="2286000" lvl="4" indent="-304800">
               <a:spcBef>
                 <a:spcPts val="1600"/>
               </a:spcBef>
@@ -3495,7 +3647,7 @@
               <a:buChar char="○"/>
               <a:defRPr sz="1200"/>
             </a:lvl5pPr>
-            <a:lvl6pPr indent="-304800" lvl="5" marL="2743200">
+            <a:lvl6pPr marL="2743200" lvl="5" indent="-304800">
               <a:spcBef>
                 <a:spcPts val="1600"/>
               </a:spcBef>
@@ -3506,7 +3658,7 @@
               <a:buChar char="■"/>
               <a:defRPr sz="1200"/>
             </a:lvl6pPr>
-            <a:lvl7pPr indent="-304800" lvl="6" marL="3200400">
+            <a:lvl7pPr marL="3200400" lvl="6" indent="-304800">
               <a:spcBef>
                 <a:spcPts val="1600"/>
               </a:spcBef>
@@ -3517,7 +3669,7 @@
               <a:buChar char="●"/>
               <a:defRPr sz="1200"/>
             </a:lvl7pPr>
-            <a:lvl8pPr indent="-304800" lvl="7" marL="3657600">
+            <a:lvl8pPr marL="3657600" lvl="7" indent="-304800">
               <a:spcBef>
                 <a:spcPts val="1600"/>
               </a:spcBef>
@@ -3528,7 +3680,7 @@
               <a:buChar char="○"/>
               <a:defRPr sz="1200"/>
             </a:lvl8pPr>
-            <a:lvl9pPr indent="-304800" lvl="8" marL="4114800">
+            <a:lvl9pPr marL="4114800" lvl="8" indent="-304800">
               <a:spcBef>
                 <a:spcPts val="1600"/>
               </a:spcBef>
@@ -3540,15 +3692,19 @@
               <a:defRPr sz="1200"/>
             </a:lvl9pPr>
           </a:lstStyle>
-          <a:p/>
+          <a:p>
+            <a:endParaRPr/>
+          </a:p>
         </p:txBody>
       </p:sp>
       <p:sp>
         <p:nvSpPr>
           <p:cNvPr id="28" name="Google Shape;28;p5"/>
-          <p:cNvSpPr txBox="1"/>
+          <p:cNvSpPr txBox="1">
+            <a:spLocks noGrp="1"/>
+          </p:cNvSpPr>
           <p:nvPr>
-            <p:ph idx="2" type="body"/>
+            <p:ph type="body" idx="2"/>
           </p:nvPr>
         </p:nvSpPr>
         <p:spPr>
@@ -3561,11 +3717,11 @@
           </a:prstGeom>
         </p:spPr>
         <p:txBody>
-          <a:bodyPr anchorCtr="0" anchor="t" bIns="91425" lIns="91425" spcFirstLastPara="1" rIns="91425" wrap="square" tIns="91425">
+          <a:bodyPr spcFirstLastPara="1" wrap="square" lIns="91425" tIns="91425" rIns="91425" bIns="91425" anchor="t" anchorCtr="0">
             <a:noAutofit/>
           </a:bodyPr>
           <a:lstStyle>
-            <a:lvl1pPr indent="-317500" lvl="0" marL="457200">
+            <a:lvl1pPr marL="457200" lvl="0" indent="-317500">
               <a:spcBef>
                 <a:spcPts val="0"/>
               </a:spcBef>
@@ -3576,7 +3732,7 @@
               <a:buChar char="●"/>
               <a:defRPr sz="1400"/>
             </a:lvl1pPr>
-            <a:lvl2pPr indent="-304800" lvl="1" marL="914400">
+            <a:lvl2pPr marL="914400" lvl="1" indent="-304800">
               <a:spcBef>
                 <a:spcPts val="1600"/>
               </a:spcBef>
@@ -3587,7 +3743,7 @@
               <a:buChar char="○"/>
               <a:defRPr sz="1200"/>
             </a:lvl2pPr>
-            <a:lvl3pPr indent="-304800" lvl="2" marL="1371600">
+            <a:lvl3pPr marL="1371600" lvl="2" indent="-304800">
               <a:spcBef>
                 <a:spcPts val="1600"/>
               </a:spcBef>
@@ -3598,7 +3754,7 @@
               <a:buChar char="■"/>
               <a:defRPr sz="1200"/>
             </a:lvl3pPr>
-            <a:lvl4pPr indent="-304800" lvl="3" marL="1828800">
+            <a:lvl4pPr marL="1828800" lvl="3" indent="-304800">
               <a:spcBef>
                 <a:spcPts val="1600"/>
               </a:spcBef>
@@ -3609,7 +3765,7 @@
               <a:buChar char="●"/>
               <a:defRPr sz="1200"/>
             </a:lvl4pPr>
-            <a:lvl5pPr indent="-304800" lvl="4" marL="2286000">
+            <a:lvl5pPr marL="2286000" lvl="4" indent="-304800">
               <a:spcBef>
                 <a:spcPts val="1600"/>
               </a:spcBef>
@@ -3620,7 +3776,7 @@
               <a:buChar char="○"/>
               <a:defRPr sz="1200"/>
             </a:lvl5pPr>
-            <a:lvl6pPr indent="-304800" lvl="5" marL="2743200">
+            <a:lvl6pPr marL="2743200" lvl="5" indent="-304800">
               <a:spcBef>
                 <a:spcPts val="1600"/>
               </a:spcBef>
@@ -3631,7 +3787,7 @@
               <a:buChar char="■"/>
               <a:defRPr sz="1200"/>
             </a:lvl6pPr>
-            <a:lvl7pPr indent="-304800" lvl="6" marL="3200400">
+            <a:lvl7pPr marL="3200400" lvl="6" indent="-304800">
               <a:spcBef>
                 <a:spcPts val="1600"/>
               </a:spcBef>
@@ -3642,7 +3798,7 @@
               <a:buChar char="●"/>
               <a:defRPr sz="1200"/>
             </a:lvl7pPr>
-            <a:lvl8pPr indent="-304800" lvl="7" marL="3657600">
+            <a:lvl8pPr marL="3657600" lvl="7" indent="-304800">
               <a:spcBef>
                 <a:spcPts val="1600"/>
               </a:spcBef>
@@ -3653,7 +3809,7 @@
               <a:buChar char="○"/>
               <a:defRPr sz="1200"/>
             </a:lvl8pPr>
-            <a:lvl9pPr indent="-304800" lvl="8" marL="4114800">
+            <a:lvl9pPr marL="4114800" lvl="8" indent="-304800">
               <a:spcBef>
                 <a:spcPts val="1600"/>
               </a:spcBef>
@@ -3665,15 +3821,19 @@
               <a:defRPr sz="1200"/>
             </a:lvl9pPr>
           </a:lstStyle>
-          <a:p/>
+          <a:p>
+            <a:endParaRPr/>
+          </a:p>
         </p:txBody>
       </p:sp>
       <p:sp>
         <p:nvSpPr>
           <p:cNvPr id="29" name="Google Shape;29;p5"/>
-          <p:cNvSpPr txBox="1"/>
+          <p:cNvSpPr txBox="1">
+            <a:spLocks noGrp="1"/>
+          </p:cNvSpPr>
           <p:nvPr>
-            <p:ph idx="12" type="sldNum"/>
+            <p:ph type="sldNum" idx="12"/>
           </p:nvPr>
         </p:nvSpPr>
         <p:spPr>
@@ -3686,7 +3846,7 @@
           </a:prstGeom>
         </p:spPr>
         <p:txBody>
-          <a:bodyPr anchorCtr="0" anchor="ctr" bIns="91425" lIns="91425" spcFirstLastPara="1" rIns="91425" wrap="square" tIns="91425">
+          <a:bodyPr spcFirstLastPara="1" wrap="square" lIns="91425" tIns="91425" rIns="91425" bIns="91425" anchor="ctr" anchorCtr="0">
             <a:noAutofit/>
           </a:bodyPr>
           <a:lstStyle>
@@ -3728,7 +3888,7 @@
             </a:lvl9pPr>
           </a:lstStyle>
           <a:p>
-            <a:pPr indent="0" lvl="0" marL="0" rtl="0" algn="r">
+            <a:pPr marL="0" lvl="0" indent="0" algn="r" rtl="0">
               <a:spcBef>
                 <a:spcPts val="0"/>
               </a:spcBef>
@@ -3754,11 +3914,11 @@
 </file>
 
 <file path=ppt/slideLayouts/slideLayout5.xml><?xml version="1.0" encoding="utf-8"?>
-<p:sldLayout xmlns:a="http://schemas.openxmlformats.org/drawingml/2006/main" xmlns:r="http://schemas.openxmlformats.org/officeDocument/2006/relationships" xmlns:mc="http://schemas.openxmlformats.org/markup-compatibility/2006" xmlns:mv="urn:schemas-microsoft-com:mac:vml" xmlns:p="http://schemas.openxmlformats.org/presentationml/2006/main" xmlns:c="http://schemas.openxmlformats.org/drawingml/2006/chart" xmlns:dgm="http://schemas.openxmlformats.org/drawingml/2006/diagram" xmlns:o="urn:schemas-microsoft-com:office:office" xmlns:v="urn:schemas-microsoft-com:vml" xmlns:pvml="urn:schemas-microsoft-com:office:powerpoint" xmlns:com="http://schemas.openxmlformats.org/drawingml/2006/compatibility" xmlns:p14="http://schemas.microsoft.com/office/powerpoint/2010/main" xmlns:p15="http://schemas.microsoft.com/office/powerpoint/2012/main" matchingName="Title only" type="titleOnly">
+<p:sldLayout xmlns:a="http://schemas.openxmlformats.org/drawingml/2006/main" xmlns:r="http://schemas.openxmlformats.org/officeDocument/2006/relationships" xmlns:p="http://schemas.openxmlformats.org/presentationml/2006/main" matchingName="Title only" type="titleOnly">
   <p:cSld name="TITLE_ONLY">
     <p:spTree>
       <p:nvGrpSpPr>
-        <p:cNvPr id="30" name="Shape 30"/>
+        <p:cNvPr id="1" name="Shape 30"/>
         <p:cNvGrpSpPr/>
         <p:nvPr/>
       </p:nvGrpSpPr>
@@ -3773,7 +3933,9 @@
       <p:sp>
         <p:nvSpPr>
           <p:cNvPr id="31" name="Google Shape;31;p6"/>
-          <p:cNvSpPr txBox="1"/>
+          <p:cNvSpPr txBox="1">
+            <a:spLocks noGrp="1"/>
+          </p:cNvSpPr>
           <p:nvPr>
             <p:ph type="title"/>
           </p:nvPr>
@@ -3788,7 +3950,7 @@
           </a:prstGeom>
         </p:spPr>
         <p:txBody>
-          <a:bodyPr anchorCtr="0" anchor="b" bIns="91425" lIns="91425" spcFirstLastPara="1" rIns="91425" wrap="square" tIns="91425">
+          <a:bodyPr spcFirstLastPara="1" wrap="square" lIns="91425" tIns="91425" rIns="91425" bIns="91425" anchor="b" anchorCtr="0">
             <a:noAutofit/>
           </a:bodyPr>
           <a:lstStyle>
@@ -3892,15 +4054,19 @@
               <a:defRPr/>
             </a:lvl9pPr>
           </a:lstStyle>
-          <a:p/>
+          <a:p>
+            <a:endParaRPr/>
+          </a:p>
         </p:txBody>
       </p:sp>
       <p:sp>
         <p:nvSpPr>
           <p:cNvPr id="32" name="Google Shape;32;p6"/>
-          <p:cNvSpPr txBox="1"/>
+          <p:cNvSpPr txBox="1">
+            <a:spLocks noGrp="1"/>
+          </p:cNvSpPr>
           <p:nvPr>
-            <p:ph idx="12" type="sldNum"/>
+            <p:ph type="sldNum" idx="12"/>
           </p:nvPr>
         </p:nvSpPr>
         <p:spPr>
@@ -3913,7 +4079,7 @@
           </a:prstGeom>
         </p:spPr>
         <p:txBody>
-          <a:bodyPr anchorCtr="0" anchor="ctr" bIns="91425" lIns="91425" spcFirstLastPara="1" rIns="91425" wrap="square" tIns="91425">
+          <a:bodyPr spcFirstLastPara="1" wrap="square" lIns="91425" tIns="91425" rIns="91425" bIns="91425" anchor="ctr" anchorCtr="0">
             <a:noAutofit/>
           </a:bodyPr>
           <a:lstStyle>
@@ -3955,7 +4121,7 @@
             </a:lvl9pPr>
           </a:lstStyle>
           <a:p>
-            <a:pPr indent="0" lvl="0" marL="0" rtl="0" algn="r">
+            <a:pPr marL="0" lvl="0" indent="0" algn="r" rtl="0">
               <a:spcBef>
                 <a:spcPts val="0"/>
               </a:spcBef>
@@ -3981,11 +4147,11 @@
 </file>
 
 <file path=ppt/slideLayouts/slideLayout6.xml><?xml version="1.0" encoding="utf-8"?>
-<p:sldLayout xmlns:a="http://schemas.openxmlformats.org/drawingml/2006/main" xmlns:r="http://schemas.openxmlformats.org/officeDocument/2006/relationships" xmlns:mc="http://schemas.openxmlformats.org/markup-compatibility/2006" xmlns:mv="urn:schemas-microsoft-com:mac:vml" xmlns:p="http://schemas.openxmlformats.org/presentationml/2006/main" xmlns:c="http://schemas.openxmlformats.org/drawingml/2006/chart" xmlns:dgm="http://schemas.openxmlformats.org/drawingml/2006/diagram" xmlns:o="urn:schemas-microsoft-com:office:office" xmlns:v="urn:schemas-microsoft-com:vml" xmlns:pvml="urn:schemas-microsoft-com:office:powerpoint" xmlns:com="http://schemas.openxmlformats.org/drawingml/2006/compatibility" xmlns:p14="http://schemas.microsoft.com/office/powerpoint/2010/main" xmlns:p15="http://schemas.microsoft.com/office/powerpoint/2012/main" matchingName="One column text">
+<p:sldLayout xmlns:a="http://schemas.openxmlformats.org/drawingml/2006/main" xmlns:r="http://schemas.openxmlformats.org/officeDocument/2006/relationships" xmlns:p="http://schemas.openxmlformats.org/presentationml/2006/main" matchingName="One column text">
   <p:cSld name="ONE_COLUMN_TEXT">
     <p:spTree>
       <p:nvGrpSpPr>
-        <p:cNvPr id="33" name="Shape 33"/>
+        <p:cNvPr id="1" name="Shape 33"/>
         <p:cNvGrpSpPr/>
         <p:nvPr/>
       </p:nvGrpSpPr>
@@ -4000,7 +4166,9 @@
       <p:sp>
         <p:nvSpPr>
           <p:cNvPr id="34" name="Google Shape;34;p7"/>
-          <p:cNvSpPr txBox="1"/>
+          <p:cNvSpPr txBox="1">
+            <a:spLocks noGrp="1"/>
+          </p:cNvSpPr>
           <p:nvPr>
             <p:ph type="title"/>
           </p:nvPr>
@@ -4015,7 +4183,7 @@
           </a:prstGeom>
         </p:spPr>
         <p:txBody>
-          <a:bodyPr anchorCtr="0" anchor="b" bIns="91425" lIns="91425" spcFirstLastPara="1" rIns="91425" wrap="square" tIns="91425">
+          <a:bodyPr spcFirstLastPara="1" wrap="square" lIns="91425" tIns="91425" rIns="91425" bIns="91425" anchor="b" anchorCtr="0">
             <a:noAutofit/>
           </a:bodyPr>
           <a:lstStyle>
@@ -4119,15 +4287,19 @@
               <a:defRPr sz="3000"/>
             </a:lvl9pPr>
           </a:lstStyle>
-          <a:p/>
+          <a:p>
+            <a:endParaRPr/>
+          </a:p>
         </p:txBody>
       </p:sp>
       <p:sp>
         <p:nvSpPr>
           <p:cNvPr id="35" name="Google Shape;35;p7"/>
-          <p:cNvSpPr txBox="1"/>
+          <p:cNvSpPr txBox="1">
+            <a:spLocks noGrp="1"/>
+          </p:cNvSpPr>
           <p:nvPr>
-            <p:ph idx="1" type="body"/>
+            <p:ph type="body" idx="1"/>
           </p:nvPr>
         </p:nvSpPr>
         <p:spPr>
@@ -4140,11 +4312,11 @@
           </a:prstGeom>
         </p:spPr>
         <p:txBody>
-          <a:bodyPr anchorCtr="0" anchor="t" bIns="91425" lIns="91425" spcFirstLastPara="1" rIns="91425" wrap="square" tIns="91425">
+          <a:bodyPr spcFirstLastPara="1" wrap="square" lIns="91425" tIns="91425" rIns="91425" bIns="91425" anchor="t" anchorCtr="0">
             <a:noAutofit/>
           </a:bodyPr>
           <a:lstStyle>
-            <a:lvl1pPr indent="-304800" lvl="0" marL="457200">
+            <a:lvl1pPr marL="457200" lvl="0" indent="-304800">
               <a:spcBef>
                 <a:spcPts val="0"/>
               </a:spcBef>
@@ -4155,7 +4327,7 @@
               <a:buChar char="●"/>
               <a:defRPr sz="1200"/>
             </a:lvl1pPr>
-            <a:lvl2pPr indent="-304800" lvl="1" marL="914400">
+            <a:lvl2pPr marL="914400" lvl="1" indent="-304800">
               <a:spcBef>
                 <a:spcPts val="1600"/>
               </a:spcBef>
@@ -4166,7 +4338,7 @@
               <a:buChar char="○"/>
               <a:defRPr sz="1200"/>
             </a:lvl2pPr>
-            <a:lvl3pPr indent="-304800" lvl="2" marL="1371600">
+            <a:lvl3pPr marL="1371600" lvl="2" indent="-304800">
               <a:spcBef>
                 <a:spcPts val="1600"/>
               </a:spcBef>
@@ -4177,7 +4349,7 @@
               <a:buChar char="■"/>
               <a:defRPr sz="1200"/>
             </a:lvl3pPr>
-            <a:lvl4pPr indent="-304800" lvl="3" marL="1828800">
+            <a:lvl4pPr marL="1828800" lvl="3" indent="-304800">
               <a:spcBef>
                 <a:spcPts val="1600"/>
               </a:spcBef>
@@ -4188,7 +4360,7 @@
               <a:buChar char="●"/>
               <a:defRPr sz="1200"/>
             </a:lvl4pPr>
-            <a:lvl5pPr indent="-304800" lvl="4" marL="2286000">
+            <a:lvl5pPr marL="2286000" lvl="4" indent="-304800">
               <a:spcBef>
                 <a:spcPts val="1600"/>
               </a:spcBef>
@@ -4199,7 +4371,7 @@
               <a:buChar char="○"/>
               <a:defRPr sz="1200"/>
             </a:lvl5pPr>
-            <a:lvl6pPr indent="-304800" lvl="5" marL="2743200">
+            <a:lvl6pPr marL="2743200" lvl="5" indent="-304800">
               <a:spcBef>
                 <a:spcPts val="1600"/>
               </a:spcBef>
@@ -4210,7 +4382,7 @@
               <a:buChar char="■"/>
               <a:defRPr sz="1200"/>
             </a:lvl6pPr>
-            <a:lvl7pPr indent="-304800" lvl="6" marL="3200400">
+            <a:lvl7pPr marL="3200400" lvl="6" indent="-304800">
               <a:spcBef>
                 <a:spcPts val="1600"/>
               </a:spcBef>
@@ -4221,7 +4393,7 @@
               <a:buChar char="●"/>
               <a:defRPr sz="1200"/>
             </a:lvl7pPr>
-            <a:lvl8pPr indent="-304800" lvl="7" marL="3657600">
+            <a:lvl8pPr marL="3657600" lvl="7" indent="-304800">
               <a:spcBef>
                 <a:spcPts val="1600"/>
               </a:spcBef>
@@ -4232,7 +4404,7 @@
               <a:buChar char="○"/>
               <a:defRPr sz="1200"/>
             </a:lvl8pPr>
-            <a:lvl9pPr indent="-304800" lvl="8" marL="4114800">
+            <a:lvl9pPr marL="4114800" lvl="8" indent="-304800">
               <a:spcBef>
                 <a:spcPts val="1600"/>
               </a:spcBef>
@@ -4244,15 +4416,19 @@
               <a:defRPr sz="1200"/>
             </a:lvl9pPr>
           </a:lstStyle>
-          <a:p/>
+          <a:p>
+            <a:endParaRPr/>
+          </a:p>
         </p:txBody>
       </p:sp>
       <p:sp>
         <p:nvSpPr>
           <p:cNvPr id="36" name="Google Shape;36;p7"/>
-          <p:cNvSpPr txBox="1"/>
+          <p:cNvSpPr txBox="1">
+            <a:spLocks noGrp="1"/>
+          </p:cNvSpPr>
           <p:nvPr>
-            <p:ph idx="12" type="sldNum"/>
+            <p:ph type="sldNum" idx="12"/>
           </p:nvPr>
         </p:nvSpPr>
         <p:spPr>
@@ -4265,7 +4441,7 @@
           </a:prstGeom>
         </p:spPr>
         <p:txBody>
-          <a:bodyPr anchorCtr="0" anchor="ctr" bIns="91425" lIns="91425" spcFirstLastPara="1" rIns="91425" wrap="square" tIns="91425">
+          <a:bodyPr spcFirstLastPara="1" wrap="square" lIns="91425" tIns="91425" rIns="91425" bIns="91425" anchor="ctr" anchorCtr="0">
             <a:noAutofit/>
           </a:bodyPr>
           <a:lstStyle>
@@ -4307,7 +4483,7 @@
             </a:lvl9pPr>
           </a:lstStyle>
           <a:p>
-            <a:pPr indent="0" lvl="0" marL="0" rtl="0" algn="r">
+            <a:pPr marL="0" lvl="0" indent="0" algn="r" rtl="0">
               <a:spcBef>
                 <a:spcPts val="0"/>
               </a:spcBef>
@@ -4333,11 +4509,11 @@
 </file>
 
 <file path=ppt/slideLayouts/slideLayout7.xml><?xml version="1.0" encoding="utf-8"?>
-<p:sldLayout xmlns:a="http://schemas.openxmlformats.org/drawingml/2006/main" xmlns:r="http://schemas.openxmlformats.org/officeDocument/2006/relationships" xmlns:mc="http://schemas.openxmlformats.org/markup-compatibility/2006" xmlns:mv="urn:schemas-microsoft-com:mac:vml" xmlns:p="http://schemas.openxmlformats.org/presentationml/2006/main" xmlns:c="http://schemas.openxmlformats.org/drawingml/2006/chart" xmlns:dgm="http://schemas.openxmlformats.org/drawingml/2006/diagram" xmlns:o="urn:schemas-microsoft-com:office:office" xmlns:v="urn:schemas-microsoft-com:vml" xmlns:pvml="urn:schemas-microsoft-com:office:powerpoint" xmlns:com="http://schemas.openxmlformats.org/drawingml/2006/compatibility" xmlns:p14="http://schemas.microsoft.com/office/powerpoint/2010/main" xmlns:p15="http://schemas.microsoft.com/office/powerpoint/2012/main" matchingName="Main point">
+<p:sldLayout xmlns:a="http://schemas.openxmlformats.org/drawingml/2006/main" xmlns:r="http://schemas.openxmlformats.org/officeDocument/2006/relationships" xmlns:p="http://schemas.openxmlformats.org/presentationml/2006/main" matchingName="Main point">
   <p:cSld name="MAIN_POINT">
     <p:spTree>
       <p:nvGrpSpPr>
-        <p:cNvPr id="37" name="Shape 37"/>
+        <p:cNvPr id="1" name="Shape 37"/>
         <p:cNvGrpSpPr/>
         <p:nvPr/>
       </p:nvGrpSpPr>
@@ -4371,12 +4547,12 @@
           </a:ln>
         </p:spPr>
         <p:txBody>
-          <a:bodyPr anchorCtr="0" anchor="ctr" bIns="91425" lIns="91425" spcFirstLastPara="1" rIns="91425" wrap="square" tIns="91425">
+          <a:bodyPr spcFirstLastPara="1" wrap="square" lIns="91425" tIns="91425" rIns="91425" bIns="91425" anchor="ctr" anchorCtr="0">
             <a:noAutofit/>
           </a:bodyPr>
           <a:lstStyle/>
           <a:p>
-            <a:pPr indent="0" lvl="0" marL="0" rtl="0" algn="l">
+            <a:pPr marL="0" lvl="0" indent="0" algn="l" rtl="0">
               <a:spcBef>
                 <a:spcPts val="0"/>
               </a:spcBef>
@@ -4385,9 +4561,6 @@
               </a:spcAft>
               <a:buNone/>
             </a:pPr>
-            <a:r>
-              <a:t/>
-            </a:r>
             <a:endParaRPr/>
           </a:p>
         </p:txBody>
@@ -4395,7 +4568,9 @@
       <p:sp>
         <p:nvSpPr>
           <p:cNvPr id="39" name="Google Shape;39;p8"/>
-          <p:cNvSpPr txBox="1"/>
+          <p:cNvSpPr txBox="1">
+            <a:spLocks noGrp="1"/>
+          </p:cNvSpPr>
           <p:nvPr>
             <p:ph type="title"/>
           </p:nvPr>
@@ -4410,7 +4585,7 @@
           </a:prstGeom>
         </p:spPr>
         <p:txBody>
-          <a:bodyPr anchorCtr="0" anchor="ctr" bIns="91425" lIns="91425" spcFirstLastPara="1" rIns="91425" wrap="square" tIns="91425">
+          <a:bodyPr spcFirstLastPara="1" wrap="square" lIns="91425" tIns="91425" rIns="91425" bIns="91425" anchor="ctr" anchorCtr="0">
             <a:noAutofit/>
           </a:bodyPr>
           <a:lstStyle>
@@ -4514,15 +4689,19 @@
               <a:defRPr sz="4800"/>
             </a:lvl9pPr>
           </a:lstStyle>
-          <a:p/>
+          <a:p>
+            <a:endParaRPr/>
+          </a:p>
         </p:txBody>
       </p:sp>
       <p:sp>
         <p:nvSpPr>
           <p:cNvPr id="40" name="Google Shape;40;p8"/>
-          <p:cNvSpPr txBox="1"/>
+          <p:cNvSpPr txBox="1">
+            <a:spLocks noGrp="1"/>
+          </p:cNvSpPr>
           <p:nvPr>
-            <p:ph idx="12" type="sldNum"/>
+            <p:ph type="sldNum" idx="12"/>
           </p:nvPr>
         </p:nvSpPr>
         <p:spPr>
@@ -4535,7 +4714,7 @@
           </a:prstGeom>
         </p:spPr>
         <p:txBody>
-          <a:bodyPr anchorCtr="0" anchor="ctr" bIns="91425" lIns="91425" spcFirstLastPara="1" rIns="91425" wrap="square" tIns="91425">
+          <a:bodyPr spcFirstLastPara="1" wrap="square" lIns="91425" tIns="91425" rIns="91425" bIns="91425" anchor="ctr" anchorCtr="0">
             <a:noAutofit/>
           </a:bodyPr>
           <a:lstStyle>
@@ -4577,7 +4756,7 @@
             </a:lvl9pPr>
           </a:lstStyle>
           <a:p>
-            <a:pPr indent="0" lvl="0" marL="0" rtl="0" algn="r">
+            <a:pPr marL="0" lvl="0" indent="0" algn="r" rtl="0">
               <a:spcBef>
                 <a:spcPts val="0"/>
               </a:spcBef>
@@ -4603,11 +4782,11 @@
 </file>
 
 <file path=ppt/slideLayouts/slideLayout8.xml><?xml version="1.0" encoding="utf-8"?>
-<p:sldLayout xmlns:a="http://schemas.openxmlformats.org/drawingml/2006/main" xmlns:r="http://schemas.openxmlformats.org/officeDocument/2006/relationships" xmlns:mc="http://schemas.openxmlformats.org/markup-compatibility/2006" xmlns:mv="urn:schemas-microsoft-com:mac:vml" xmlns:p="http://schemas.openxmlformats.org/presentationml/2006/main" xmlns:c="http://schemas.openxmlformats.org/drawingml/2006/chart" xmlns:dgm="http://schemas.openxmlformats.org/drawingml/2006/diagram" xmlns:o="urn:schemas-microsoft-com:office:office" xmlns:v="urn:schemas-microsoft-com:vml" xmlns:pvml="urn:schemas-microsoft-com:office:powerpoint" xmlns:com="http://schemas.openxmlformats.org/drawingml/2006/compatibility" xmlns:p14="http://schemas.microsoft.com/office/powerpoint/2010/main" xmlns:p15="http://schemas.microsoft.com/office/powerpoint/2012/main" matchingName="Section title and description">
+<p:sldLayout xmlns:a="http://schemas.openxmlformats.org/drawingml/2006/main" xmlns:r="http://schemas.openxmlformats.org/officeDocument/2006/relationships" xmlns:p="http://schemas.openxmlformats.org/presentationml/2006/main" matchingName="Section title and description">
   <p:cSld name="SECTION_TITLE_AND_DESCRIPTION">
     <p:spTree>
       <p:nvGrpSpPr>
-        <p:cNvPr id="41" name="Shape 41"/>
+        <p:cNvPr id="1" name="Shape 41"/>
         <p:cNvGrpSpPr/>
         <p:nvPr/>
       </p:nvGrpSpPr>
@@ -4641,12 +4820,12 @@
           </a:ln>
         </p:spPr>
         <p:txBody>
-          <a:bodyPr anchorCtr="0" anchor="ctr" bIns="91425" lIns="91425" spcFirstLastPara="1" rIns="91425" wrap="square" tIns="91425">
+          <a:bodyPr spcFirstLastPara="1" wrap="square" lIns="91425" tIns="91425" rIns="91425" bIns="91425" anchor="ctr" anchorCtr="0">
             <a:noAutofit/>
           </a:bodyPr>
           <a:lstStyle/>
           <a:p>
-            <a:pPr indent="0" lvl="0" marL="0" rtl="0" algn="l">
+            <a:pPr marL="0" lvl="0" indent="0" algn="l" rtl="0">
               <a:spcBef>
                 <a:spcPts val="0"/>
               </a:spcBef>
@@ -4655,9 +4834,6 @@
               </a:spcAft>
               <a:buNone/>
             </a:pPr>
-            <a:r>
-              <a:t/>
-            </a:r>
             <a:endParaRPr/>
           </a:p>
         </p:txBody>
@@ -4677,21 +4853,23 @@
             <a:avLst/>
           </a:prstGeom>
           <a:noFill/>
-          <a:ln cap="flat" cmpd="sng" w="19050">
+          <a:ln w="19050" cap="flat" cmpd="sng">
             <a:solidFill>
               <a:schemeClr val="lt1"/>
             </a:solidFill>
             <a:prstDash val="solid"/>
             <a:round/>
-            <a:headEnd len="sm" w="sm" type="none"/>
-            <a:tailEnd len="sm" w="sm" type="none"/>
+            <a:headEnd type="none" w="sm" len="sm"/>
+            <a:tailEnd type="none" w="sm" len="sm"/>
           </a:ln>
         </p:spPr>
       </p:cxnSp>
       <p:sp>
         <p:nvSpPr>
           <p:cNvPr id="44" name="Google Shape;44;p9"/>
-          <p:cNvSpPr txBox="1"/>
+          <p:cNvSpPr txBox="1">
+            <a:spLocks noGrp="1"/>
+          </p:cNvSpPr>
           <p:nvPr>
             <p:ph type="title"/>
           </p:nvPr>
@@ -4706,7 +4884,7 @@
           </a:prstGeom>
         </p:spPr>
         <p:txBody>
-          <a:bodyPr anchorCtr="0" anchor="b" bIns="91425" lIns="91425" spcFirstLastPara="1" rIns="91425" wrap="square" tIns="91425">
+          <a:bodyPr spcFirstLastPara="1" wrap="square" lIns="91425" tIns="91425" rIns="91425" bIns="91425" anchor="b" anchorCtr="0">
             <a:noAutofit/>
           </a:bodyPr>
           <a:lstStyle>
@@ -4873,15 +5051,19 @@
               </a:defRPr>
             </a:lvl9pPr>
           </a:lstStyle>
-          <a:p/>
+          <a:p>
+            <a:endParaRPr/>
+          </a:p>
         </p:txBody>
       </p:sp>
       <p:sp>
         <p:nvSpPr>
           <p:cNvPr id="45" name="Google Shape;45;p9"/>
-          <p:cNvSpPr txBox="1"/>
+          <p:cNvSpPr txBox="1">
+            <a:spLocks noGrp="1"/>
+          </p:cNvSpPr>
           <p:nvPr>
-            <p:ph idx="1" type="subTitle"/>
+            <p:ph type="subTitle" idx="1"/>
           </p:nvPr>
         </p:nvSpPr>
         <p:spPr>
@@ -4894,7 +5076,7 @@
           </a:prstGeom>
         </p:spPr>
         <p:txBody>
-          <a:bodyPr anchorCtr="0" anchor="t" bIns="91425" lIns="91425" spcFirstLastPara="1" rIns="91425" wrap="square" tIns="91425">
+          <a:bodyPr spcFirstLastPara="1" wrap="square" lIns="91425" tIns="91425" rIns="91425" bIns="91425" anchor="t" anchorCtr="0">
             <a:noAutofit/>
           </a:bodyPr>
           <a:lstStyle>
@@ -5079,15 +5261,19 @@
               </a:defRPr>
             </a:lvl9pPr>
           </a:lstStyle>
-          <a:p/>
+          <a:p>
+            <a:endParaRPr/>
+          </a:p>
         </p:txBody>
       </p:sp>
       <p:sp>
         <p:nvSpPr>
           <p:cNvPr id="46" name="Google Shape;46;p9"/>
-          <p:cNvSpPr txBox="1"/>
+          <p:cNvSpPr txBox="1">
+            <a:spLocks noGrp="1"/>
+          </p:cNvSpPr>
           <p:nvPr>
-            <p:ph idx="2" type="body"/>
+            <p:ph type="body" idx="2"/>
           </p:nvPr>
         </p:nvSpPr>
         <p:spPr>
@@ -5100,11 +5286,11 @@
           </a:prstGeom>
         </p:spPr>
         <p:txBody>
-          <a:bodyPr anchorCtr="0" anchor="ctr" bIns="91425" lIns="91425" spcFirstLastPara="1" rIns="91425" wrap="square" tIns="91425">
+          <a:bodyPr spcFirstLastPara="1" wrap="square" lIns="91425" tIns="91425" rIns="91425" bIns="91425" anchor="ctr" anchorCtr="0">
             <a:noAutofit/>
           </a:bodyPr>
           <a:lstStyle>
-            <a:lvl1pPr indent="-342900" lvl="0" marL="457200">
+            <a:lvl1pPr marL="457200" lvl="0" indent="-342900">
               <a:spcBef>
                 <a:spcPts val="0"/>
               </a:spcBef>
@@ -5122,7 +5308,7 @@
                 </a:solidFill>
               </a:defRPr>
             </a:lvl1pPr>
-            <a:lvl2pPr indent="-317500" lvl="1" marL="914400">
+            <a:lvl2pPr marL="914400" lvl="1" indent="-317500">
               <a:spcBef>
                 <a:spcPts val="1600"/>
               </a:spcBef>
@@ -5140,7 +5326,7 @@
                 </a:solidFill>
               </a:defRPr>
             </a:lvl2pPr>
-            <a:lvl3pPr indent="-317500" lvl="2" marL="1371600">
+            <a:lvl3pPr marL="1371600" lvl="2" indent="-317500">
               <a:spcBef>
                 <a:spcPts val="1600"/>
               </a:spcBef>
@@ -5158,7 +5344,7 @@
                 </a:solidFill>
               </a:defRPr>
             </a:lvl3pPr>
-            <a:lvl4pPr indent="-317500" lvl="3" marL="1828800">
+            <a:lvl4pPr marL="1828800" lvl="3" indent="-317500">
               <a:spcBef>
                 <a:spcPts val="1600"/>
               </a:spcBef>
@@ -5176,7 +5362,7 @@
                 </a:solidFill>
               </a:defRPr>
             </a:lvl4pPr>
-            <a:lvl5pPr indent="-317500" lvl="4" marL="2286000">
+            <a:lvl5pPr marL="2286000" lvl="4" indent="-317500">
               <a:spcBef>
                 <a:spcPts val="1600"/>
               </a:spcBef>
@@ -5194,7 +5380,7 @@
                 </a:solidFill>
               </a:defRPr>
             </a:lvl5pPr>
-            <a:lvl6pPr indent="-317500" lvl="5" marL="2743200">
+            <a:lvl6pPr marL="2743200" lvl="5" indent="-317500">
               <a:spcBef>
                 <a:spcPts val="1600"/>
               </a:spcBef>
@@ -5212,7 +5398,7 @@
                 </a:solidFill>
               </a:defRPr>
             </a:lvl6pPr>
-            <a:lvl7pPr indent="-317500" lvl="6" marL="3200400">
+            <a:lvl7pPr marL="3200400" lvl="6" indent="-317500">
               <a:spcBef>
                 <a:spcPts val="1600"/>
               </a:spcBef>
@@ -5230,7 +5416,7 @@
                 </a:solidFill>
               </a:defRPr>
             </a:lvl7pPr>
-            <a:lvl8pPr indent="-317500" lvl="7" marL="3657600">
+            <a:lvl8pPr marL="3657600" lvl="7" indent="-317500">
               <a:spcBef>
                 <a:spcPts val="1600"/>
               </a:spcBef>
@@ -5248,7 +5434,7 @@
                 </a:solidFill>
               </a:defRPr>
             </a:lvl8pPr>
-            <a:lvl9pPr indent="-317500" lvl="8" marL="4114800">
+            <a:lvl9pPr marL="4114800" lvl="8" indent="-317500">
               <a:spcBef>
                 <a:spcPts val="1600"/>
               </a:spcBef>
@@ -5267,15 +5453,19 @@
               </a:defRPr>
             </a:lvl9pPr>
           </a:lstStyle>
-          <a:p/>
+          <a:p>
+            <a:endParaRPr/>
+          </a:p>
         </p:txBody>
       </p:sp>
       <p:sp>
         <p:nvSpPr>
           <p:cNvPr id="47" name="Google Shape;47;p9"/>
-          <p:cNvSpPr txBox="1"/>
+          <p:cNvSpPr txBox="1">
+            <a:spLocks noGrp="1"/>
+          </p:cNvSpPr>
           <p:nvPr>
-            <p:ph idx="12" type="sldNum"/>
+            <p:ph type="sldNum" idx="12"/>
           </p:nvPr>
         </p:nvSpPr>
         <p:spPr>
@@ -5288,7 +5478,7 @@
           </a:prstGeom>
         </p:spPr>
         <p:txBody>
-          <a:bodyPr anchorCtr="0" anchor="ctr" bIns="91425" lIns="91425" spcFirstLastPara="1" rIns="91425" wrap="square" tIns="91425">
+          <a:bodyPr spcFirstLastPara="1" wrap="square" lIns="91425" tIns="91425" rIns="91425" bIns="91425" anchor="ctr" anchorCtr="0">
             <a:noAutofit/>
           </a:bodyPr>
           <a:lstStyle>
@@ -5366,7 +5556,7 @@
             </a:lvl9pPr>
           </a:lstStyle>
           <a:p>
-            <a:pPr indent="0" lvl="0" marL="0" rtl="0" algn="r">
+            <a:pPr marL="0" lvl="0" indent="0" algn="r" rtl="0">
               <a:spcBef>
                 <a:spcPts val="0"/>
               </a:spcBef>
@@ -5392,11 +5582,11 @@
 </file>
 
 <file path=ppt/slideLayouts/slideLayout9.xml><?xml version="1.0" encoding="utf-8"?>
-<p:sldLayout xmlns:a="http://schemas.openxmlformats.org/drawingml/2006/main" xmlns:r="http://schemas.openxmlformats.org/officeDocument/2006/relationships" xmlns:mc="http://schemas.openxmlformats.org/markup-compatibility/2006" xmlns:mv="urn:schemas-microsoft-com:mac:vml" xmlns:p="http://schemas.openxmlformats.org/presentationml/2006/main" xmlns:c="http://schemas.openxmlformats.org/drawingml/2006/chart" xmlns:dgm="http://schemas.openxmlformats.org/drawingml/2006/diagram" xmlns:o="urn:schemas-microsoft-com:office:office" xmlns:v="urn:schemas-microsoft-com:vml" xmlns:pvml="urn:schemas-microsoft-com:office:powerpoint" xmlns:com="http://schemas.openxmlformats.org/drawingml/2006/compatibility" xmlns:p14="http://schemas.microsoft.com/office/powerpoint/2010/main" xmlns:p15="http://schemas.microsoft.com/office/powerpoint/2012/main" matchingName="Caption">
+<p:sldLayout xmlns:a="http://schemas.openxmlformats.org/drawingml/2006/main" xmlns:r="http://schemas.openxmlformats.org/officeDocument/2006/relationships" xmlns:p="http://schemas.openxmlformats.org/presentationml/2006/main" matchingName="Caption">
   <p:cSld name="CAPTION_ONLY">
     <p:spTree>
       <p:nvGrpSpPr>
-        <p:cNvPr id="48" name="Shape 48"/>
+        <p:cNvPr id="1" name="Shape 48"/>
         <p:cNvGrpSpPr/>
         <p:nvPr/>
       </p:nvGrpSpPr>
@@ -5411,9 +5601,11 @@
       <p:sp>
         <p:nvSpPr>
           <p:cNvPr id="49" name="Google Shape;49;p10"/>
-          <p:cNvSpPr txBox="1"/>
+          <p:cNvSpPr txBox="1">
+            <a:spLocks noGrp="1"/>
+          </p:cNvSpPr>
           <p:nvPr>
-            <p:ph idx="1" type="body"/>
+            <p:ph type="body" idx="1"/>
           </p:nvPr>
         </p:nvSpPr>
         <p:spPr>
@@ -5426,11 +5618,11 @@
           </a:prstGeom>
         </p:spPr>
         <p:txBody>
-          <a:bodyPr anchorCtr="0" anchor="ctr" bIns="91425" lIns="91425" spcFirstLastPara="1" rIns="91425" wrap="square" tIns="91425">
+          <a:bodyPr spcFirstLastPara="1" wrap="square" lIns="91425" tIns="91425" rIns="91425" bIns="91425" anchor="ctr" anchorCtr="0">
             <a:noAutofit/>
           </a:bodyPr>
           <a:lstStyle>
-            <a:lvl1pPr indent="-228600" lvl="0" marL="457200">
+            <a:lvl1pPr marL="457200" lvl="0" indent="-228600">
               <a:lnSpc>
                 <a:spcPct val="100000"/>
               </a:lnSpc>
@@ -5451,15 +5643,19 @@
               </a:defRPr>
             </a:lvl1pPr>
           </a:lstStyle>
-          <a:p/>
+          <a:p>
+            <a:endParaRPr/>
+          </a:p>
         </p:txBody>
       </p:sp>
       <p:sp>
         <p:nvSpPr>
           <p:cNvPr id="50" name="Google Shape;50;p10"/>
-          <p:cNvSpPr txBox="1"/>
+          <p:cNvSpPr txBox="1">
+            <a:spLocks noGrp="1"/>
+          </p:cNvSpPr>
           <p:nvPr>
-            <p:ph idx="12" type="sldNum"/>
+            <p:ph type="sldNum" idx="12"/>
           </p:nvPr>
         </p:nvSpPr>
         <p:spPr>
@@ -5472,7 +5668,7 @@
           </a:prstGeom>
         </p:spPr>
         <p:txBody>
-          <a:bodyPr anchorCtr="0" anchor="ctr" bIns="91425" lIns="91425" spcFirstLastPara="1" rIns="91425" wrap="square" tIns="91425">
+          <a:bodyPr spcFirstLastPara="1" wrap="square" lIns="91425" tIns="91425" rIns="91425" bIns="91425" anchor="ctr" anchorCtr="0">
             <a:noAutofit/>
           </a:bodyPr>
           <a:lstStyle>
@@ -5514,7 +5710,7 @@
             </a:lvl9pPr>
           </a:lstStyle>
           <a:p>
-            <a:pPr indent="0" lvl="0" marL="0" rtl="0" algn="r">
+            <a:pPr marL="0" lvl="0" indent="0" algn="r" rtl="0">
               <a:spcBef>
                 <a:spcPts val="0"/>
               </a:spcBef>
@@ -5540,18 +5736,21 @@
 </file>
 
 <file path=ppt/slideMasters/slideMaster1.xml><?xml version="1.0" encoding="utf-8"?>
-<p:sldMaster xmlns:a="http://schemas.openxmlformats.org/drawingml/2006/main" xmlns:r="http://schemas.openxmlformats.org/officeDocument/2006/relationships" xmlns:mc="http://schemas.openxmlformats.org/markup-compatibility/2006" xmlns:mv="urn:schemas-microsoft-com:mac:vml" xmlns:p="http://schemas.openxmlformats.org/presentationml/2006/main" xmlns:c="http://schemas.openxmlformats.org/drawingml/2006/chart" xmlns:dgm="http://schemas.openxmlformats.org/drawingml/2006/diagram" xmlns:o="urn:schemas-microsoft-com:office:office" xmlns:v="urn:schemas-microsoft-com:vml" xmlns:pvml="urn:schemas-microsoft-com:office:powerpoint" xmlns:com="http://schemas.openxmlformats.org/drawingml/2006/compatibility" xmlns:p14="http://schemas.microsoft.com/office/powerpoint/2010/main" xmlns:p15="http://schemas.microsoft.com/office/powerpoint/2012/main">
+<p:sldMaster xmlns:a="http://schemas.openxmlformats.org/drawingml/2006/main" xmlns:r="http://schemas.openxmlformats.org/officeDocument/2006/relationships" xmlns:p="http://schemas.openxmlformats.org/presentationml/2006/main">
   <p:cSld name="luxe">
     <p:bg>
       <p:bgPr>
         <a:solidFill>
-          <a:schemeClr val="lt1"/>
+          <a:schemeClr val="lt1">
+            <a:alpha val="40000"/>
+          </a:schemeClr>
         </a:solidFill>
+        <a:effectLst/>
       </p:bgPr>
     </p:bg>
     <p:spTree>
       <p:nvGrpSpPr>
-        <p:cNvPr id="5" name="Shape 5"/>
+        <p:cNvPr id="1" name="Shape 5"/>
         <p:cNvGrpSpPr/>
         <p:nvPr/>
       </p:nvGrpSpPr>
@@ -5563,10 +5762,54 @@
           <a:chExt cx="0" cy="0"/>
         </a:xfrm>
       </p:grpSpPr>
+      <p:pic>
+        <p:nvPicPr>
+          <p:cNvPr id="9" name="Picture 2" descr="Abstract pattern of lots of dollar signs, illustration - Stock ..."/>
+          <p:cNvPicPr>
+            <a:picLocks noChangeAspect="1" noChangeArrowheads="1"/>
+          </p:cNvPicPr>
+          <p:nvPr userDrawn="1"/>
+        </p:nvPicPr>
+        <p:blipFill>
+          <a:blip r:embed="rId13">
+            <a:lum bright="70000" contrast="-70000"/>
+            <a:extLst>
+              <a:ext uri="{28A0092B-C50C-407E-A947-70E740481C1C}">
+                <a14:useLocalDpi xmlns:a14="http://schemas.microsoft.com/office/drawing/2010/main" val="0"/>
+              </a:ext>
+            </a:extLst>
+          </a:blip>
+          <a:srcRect/>
+          <a:stretch>
+            <a:fillRect/>
+          </a:stretch>
+        </p:blipFill>
+        <p:spPr bwMode="auto">
+          <a:xfrm>
+            <a:off x="0" y="5189"/>
+            <a:ext cx="9144000" cy="5138311"/>
+          </a:xfrm>
+          <a:prstGeom prst="rect">
+            <a:avLst/>
+          </a:prstGeom>
+          <a:noFill/>
+          <a:extLst>
+            <a:ext uri="{909E8E84-426E-40DD-AFC4-6F175D3DCCD1}">
+              <a14:hiddenFill xmlns:a14="http://schemas.microsoft.com/office/drawing/2010/main">
+                <a:solidFill>
+                  <a:srgbClr val="FFFFFF"/>
+                </a:solidFill>
+              </a14:hiddenFill>
+            </a:ext>
+          </a:extLst>
+        </p:spPr>
+      </p:pic>
       <p:sp>
         <p:nvSpPr>
           <p:cNvPr id="6" name="Google Shape;6;p1"/>
-          <p:cNvSpPr txBox="1"/>
+          <p:cNvSpPr txBox="1">
+            <a:spLocks noGrp="1"/>
+          </p:cNvSpPr>
           <p:nvPr>
             <p:ph type="title"/>
           </p:nvPr>
@@ -5585,7 +5828,7 @@
           </a:ln>
         </p:spPr>
         <p:txBody>
-          <a:bodyPr anchorCtr="0" anchor="b" bIns="91425" lIns="91425" spcFirstLastPara="1" rIns="91425" wrap="square" tIns="91425">
+          <a:bodyPr spcFirstLastPara="1" wrap="square" lIns="91425" tIns="91425" rIns="91425" bIns="91425" anchor="b" anchorCtr="0">
             <a:noAutofit/>
           </a:bodyPr>
           <a:lstStyle>
@@ -5797,15 +6040,19 @@
               </a:defRPr>
             </a:lvl9pPr>
           </a:lstStyle>
-          <a:p/>
+          <a:p>
+            <a:endParaRPr/>
+          </a:p>
         </p:txBody>
       </p:sp>
       <p:sp>
         <p:nvSpPr>
           <p:cNvPr id="7" name="Google Shape;7;p1"/>
-          <p:cNvSpPr txBox="1"/>
+          <p:cNvSpPr txBox="1">
+            <a:spLocks noGrp="1"/>
+          </p:cNvSpPr>
           <p:nvPr>
-            <p:ph idx="1" type="body"/>
+            <p:ph type="body" idx="1"/>
           </p:nvPr>
         </p:nvSpPr>
         <p:spPr>
@@ -5822,11 +6069,11 @@
           </a:ln>
         </p:spPr>
         <p:txBody>
-          <a:bodyPr anchorCtr="0" anchor="t" bIns="91425" lIns="91425" spcFirstLastPara="1" rIns="91425" wrap="square" tIns="91425">
+          <a:bodyPr spcFirstLastPara="1" wrap="square" lIns="91425" tIns="91425" rIns="91425" bIns="91425" anchor="t" anchorCtr="0">
             <a:noAutofit/>
           </a:bodyPr>
           <a:lstStyle>
-            <a:lvl1pPr indent="-342900" lvl="0" marL="457200">
+            <a:lvl1pPr marL="457200" lvl="0" indent="-342900">
               <a:lnSpc>
                 <a:spcPct val="115000"/>
               </a:lnSpc>
@@ -5852,7 +6099,7 @@
                 <a:sym typeface="Open Sans"/>
               </a:defRPr>
             </a:lvl1pPr>
-            <a:lvl2pPr indent="-317500" lvl="1" marL="914400">
+            <a:lvl2pPr marL="914400" lvl="1" indent="-317500">
               <a:lnSpc>
                 <a:spcPct val="115000"/>
               </a:lnSpc>
@@ -5878,7 +6125,7 @@
                 <a:sym typeface="Open Sans"/>
               </a:defRPr>
             </a:lvl2pPr>
-            <a:lvl3pPr indent="-317500" lvl="2" marL="1371600">
+            <a:lvl3pPr marL="1371600" lvl="2" indent="-317500">
               <a:lnSpc>
                 <a:spcPct val="115000"/>
               </a:lnSpc>
@@ -5904,7 +6151,7 @@
                 <a:sym typeface="Open Sans"/>
               </a:defRPr>
             </a:lvl3pPr>
-            <a:lvl4pPr indent="-317500" lvl="3" marL="1828800">
+            <a:lvl4pPr marL="1828800" lvl="3" indent="-317500">
               <a:lnSpc>
                 <a:spcPct val="115000"/>
               </a:lnSpc>
@@ -5930,7 +6177,7 @@
                 <a:sym typeface="Open Sans"/>
               </a:defRPr>
             </a:lvl4pPr>
-            <a:lvl5pPr indent="-317500" lvl="4" marL="2286000">
+            <a:lvl5pPr marL="2286000" lvl="4" indent="-317500">
               <a:lnSpc>
                 <a:spcPct val="115000"/>
               </a:lnSpc>
@@ -5956,7 +6203,7 @@
                 <a:sym typeface="Open Sans"/>
               </a:defRPr>
             </a:lvl5pPr>
-            <a:lvl6pPr indent="-317500" lvl="5" marL="2743200">
+            <a:lvl6pPr marL="2743200" lvl="5" indent="-317500">
               <a:lnSpc>
                 <a:spcPct val="115000"/>
               </a:lnSpc>
@@ -5982,7 +6229,7 @@
                 <a:sym typeface="Open Sans"/>
               </a:defRPr>
             </a:lvl6pPr>
-            <a:lvl7pPr indent="-317500" lvl="6" marL="3200400">
+            <a:lvl7pPr marL="3200400" lvl="6" indent="-317500">
               <a:lnSpc>
                 <a:spcPct val="115000"/>
               </a:lnSpc>
@@ -6008,7 +6255,7 @@
                 <a:sym typeface="Open Sans"/>
               </a:defRPr>
             </a:lvl7pPr>
-            <a:lvl8pPr indent="-317500" lvl="7" marL="3657600">
+            <a:lvl8pPr marL="3657600" lvl="7" indent="-317500">
               <a:lnSpc>
                 <a:spcPct val="115000"/>
               </a:lnSpc>
@@ -6034,7 +6281,7 @@
                 <a:sym typeface="Open Sans"/>
               </a:defRPr>
             </a:lvl8pPr>
-            <a:lvl9pPr indent="-317500" lvl="8" marL="4114800">
+            <a:lvl9pPr marL="4114800" lvl="8" indent="-317500">
               <a:lnSpc>
                 <a:spcPct val="115000"/>
               </a:lnSpc>
@@ -6061,15 +6308,19 @@
               </a:defRPr>
             </a:lvl9pPr>
           </a:lstStyle>
-          <a:p/>
+          <a:p>
+            <a:endParaRPr/>
+          </a:p>
         </p:txBody>
       </p:sp>
       <p:sp>
         <p:nvSpPr>
           <p:cNvPr id="8" name="Google Shape;8;p1"/>
-          <p:cNvSpPr txBox="1"/>
+          <p:cNvSpPr txBox="1">
+            <a:spLocks noGrp="1"/>
+          </p:cNvSpPr>
           <p:nvPr>
-            <p:ph idx="12" type="sldNum"/>
+            <p:ph type="sldNum" idx="12"/>
           </p:nvPr>
         </p:nvSpPr>
         <p:spPr>
@@ -6086,7 +6337,7 @@
           </a:ln>
         </p:spPr>
         <p:txBody>
-          <a:bodyPr anchorCtr="0" anchor="ctr" bIns="91425" lIns="91425" spcFirstLastPara="1" rIns="91425" wrap="square" tIns="91425">
+          <a:bodyPr spcFirstLastPara="1" wrap="square" lIns="91425" tIns="91425" rIns="91425" bIns="91425" anchor="ctr" anchorCtr="0">
             <a:noAutofit/>
           </a:bodyPr>
           <a:lstStyle>
@@ -6200,7 +6451,7 @@
             </a:lvl9pPr>
           </a:lstStyle>
           <a:p>
-            <a:pPr indent="0" lvl="0" marL="0" rtl="0" algn="r">
+            <a:pPr marL="0" lvl="0" indent="0" algn="r" rtl="0">
               <a:spcBef>
                 <a:spcPts val="0"/>
               </a:spcBef>
@@ -6219,7 +6470,7 @@
       </p:sp>
     </p:spTree>
   </p:cSld>
-  <p:clrMap accent1="accent1" accent2="accent2" accent3="accent3" accent4="accent4" accent5="accent5" accent6="accent6" bg1="lt1" bg2="dk2" tx1="dk1" tx2="lt2" folHlink="folHlink" hlink="hlink"/>
+  <p:clrMap bg1="lt1" tx1="dk1" bg2="dk2" tx2="lt2" accent1="accent1" accent2="accent2" accent3="accent3" accent4="accent4" accent5="accent5" accent6="accent6" hlink="hlink" folHlink="folHlink"/>
   <p:sldLayoutIdLst>
     <p:sldLayoutId id="2147483648" r:id="rId1"/>
     <p:sldLayoutId id="2147483649" r:id="rId2"/>
@@ -6233,10 +6484,10 @@
     <p:sldLayoutId id="2147483657" r:id="rId10"/>
     <p:sldLayoutId id="2147483658" r:id="rId11"/>
   </p:sldLayoutIdLst>
-  <p:hf dt="0" ftr="0" hdr="0" sldNum="0"/>
+  <p:hf sldNum="0" hdr="0" ftr="0" dt="0"/>
   <p:txStyles>
     <p:titleStyle>
-      <a:defPPr lvl="0" marR="0" rtl="0" algn="l">
+      <a:defPPr marR="0" lvl="0" algn="l" rtl="0">
         <a:lnSpc>
           <a:spcPct val="100000"/>
         </a:lnSpc>
@@ -6247,7 +6498,7 @@
           <a:spcPts val="0"/>
         </a:spcAft>
       </a:defPPr>
-      <a:lvl1pPr lvl="0" marR="0" rtl="0" algn="l">
+      <a:lvl1pPr marR="0" lvl="0" algn="l" rtl="0">
         <a:lnSpc>
           <a:spcPct val="100000"/>
         </a:lnSpc>
@@ -6261,7 +6512,7 @@
           <a:srgbClr val="000000"/>
         </a:buClr>
         <a:buFont typeface="Arial"/>
-        <a:defRPr b="0" i="0" sz="1400" u="none" cap="none" strike="noStrike">
+        <a:defRPr sz="1400" b="0" i="0" u="none" strike="noStrike" cap="none">
           <a:solidFill>
             <a:srgbClr val="000000"/>
           </a:solidFill>
@@ -6271,7 +6522,7 @@
           <a:sym typeface="Arial"/>
         </a:defRPr>
       </a:lvl1pPr>
-      <a:lvl2pPr lvl="1" marR="0" rtl="0" algn="l">
+      <a:lvl2pPr marR="0" lvl="1" algn="l" rtl="0">
         <a:lnSpc>
           <a:spcPct val="100000"/>
         </a:lnSpc>
@@ -6285,7 +6536,7 @@
           <a:srgbClr val="000000"/>
         </a:buClr>
         <a:buFont typeface="Arial"/>
-        <a:defRPr b="0" i="0" sz="1400" u="none" cap="none" strike="noStrike">
+        <a:defRPr sz="1400" b="0" i="0" u="none" strike="noStrike" cap="none">
           <a:solidFill>
             <a:srgbClr val="000000"/>
           </a:solidFill>
@@ -6295,7 +6546,7 @@
           <a:sym typeface="Arial"/>
         </a:defRPr>
       </a:lvl2pPr>
-      <a:lvl3pPr lvl="2" marR="0" rtl="0" algn="l">
+      <a:lvl3pPr marR="0" lvl="2" algn="l" rtl="0">
         <a:lnSpc>
           <a:spcPct val="100000"/>
         </a:lnSpc>
@@ -6309,7 +6560,7 @@
           <a:srgbClr val="000000"/>
         </a:buClr>
         <a:buFont typeface="Arial"/>
-        <a:defRPr b="0" i="0" sz="1400" u="none" cap="none" strike="noStrike">
+        <a:defRPr sz="1400" b="0" i="0" u="none" strike="noStrike" cap="none">
           <a:solidFill>
             <a:srgbClr val="000000"/>
           </a:solidFill>
@@ -6319,7 +6570,7 @@
           <a:sym typeface="Arial"/>
         </a:defRPr>
       </a:lvl3pPr>
-      <a:lvl4pPr lvl="3" marR="0" rtl="0" algn="l">
+      <a:lvl4pPr marR="0" lvl="3" algn="l" rtl="0">
         <a:lnSpc>
           <a:spcPct val="100000"/>
         </a:lnSpc>
@@ -6333,7 +6584,7 @@
           <a:srgbClr val="000000"/>
         </a:buClr>
         <a:buFont typeface="Arial"/>
-        <a:defRPr b="0" i="0" sz="1400" u="none" cap="none" strike="noStrike">
+        <a:defRPr sz="1400" b="0" i="0" u="none" strike="noStrike" cap="none">
           <a:solidFill>
             <a:srgbClr val="000000"/>
           </a:solidFill>
@@ -6343,7 +6594,7 @@
           <a:sym typeface="Arial"/>
         </a:defRPr>
       </a:lvl4pPr>
-      <a:lvl5pPr lvl="4" marR="0" rtl="0" algn="l">
+      <a:lvl5pPr marR="0" lvl="4" algn="l" rtl="0">
         <a:lnSpc>
           <a:spcPct val="100000"/>
         </a:lnSpc>
@@ -6357,7 +6608,7 @@
           <a:srgbClr val="000000"/>
         </a:buClr>
         <a:buFont typeface="Arial"/>
-        <a:defRPr b="0" i="0" sz="1400" u="none" cap="none" strike="noStrike">
+        <a:defRPr sz="1400" b="0" i="0" u="none" strike="noStrike" cap="none">
           <a:solidFill>
             <a:srgbClr val="000000"/>
           </a:solidFill>
@@ -6367,7 +6618,7 @@
           <a:sym typeface="Arial"/>
         </a:defRPr>
       </a:lvl5pPr>
-      <a:lvl6pPr lvl="5" marR="0" rtl="0" algn="l">
+      <a:lvl6pPr marR="0" lvl="5" algn="l" rtl="0">
         <a:lnSpc>
           <a:spcPct val="100000"/>
         </a:lnSpc>
@@ -6381,7 +6632,7 @@
           <a:srgbClr val="000000"/>
         </a:buClr>
         <a:buFont typeface="Arial"/>
-        <a:defRPr b="0" i="0" sz="1400" u="none" cap="none" strike="noStrike">
+        <a:defRPr sz="1400" b="0" i="0" u="none" strike="noStrike" cap="none">
           <a:solidFill>
             <a:srgbClr val="000000"/>
           </a:solidFill>
@@ -6391,7 +6642,7 @@
           <a:sym typeface="Arial"/>
         </a:defRPr>
       </a:lvl6pPr>
-      <a:lvl7pPr lvl="6" marR="0" rtl="0" algn="l">
+      <a:lvl7pPr marR="0" lvl="6" algn="l" rtl="0">
         <a:lnSpc>
           <a:spcPct val="100000"/>
         </a:lnSpc>
@@ -6405,7 +6656,7 @@
           <a:srgbClr val="000000"/>
         </a:buClr>
         <a:buFont typeface="Arial"/>
-        <a:defRPr b="0" i="0" sz="1400" u="none" cap="none" strike="noStrike">
+        <a:defRPr sz="1400" b="0" i="0" u="none" strike="noStrike" cap="none">
           <a:solidFill>
             <a:srgbClr val="000000"/>
           </a:solidFill>
@@ -6415,7 +6666,7 @@
           <a:sym typeface="Arial"/>
         </a:defRPr>
       </a:lvl7pPr>
-      <a:lvl8pPr lvl="7" marR="0" rtl="0" algn="l">
+      <a:lvl8pPr marR="0" lvl="7" algn="l" rtl="0">
         <a:lnSpc>
           <a:spcPct val="100000"/>
         </a:lnSpc>
@@ -6429,7 +6680,7 @@
           <a:srgbClr val="000000"/>
         </a:buClr>
         <a:buFont typeface="Arial"/>
-        <a:defRPr b="0" i="0" sz="1400" u="none" cap="none" strike="noStrike">
+        <a:defRPr sz="1400" b="0" i="0" u="none" strike="noStrike" cap="none">
           <a:solidFill>
             <a:srgbClr val="000000"/>
           </a:solidFill>
@@ -6439,7 +6690,7 @@
           <a:sym typeface="Arial"/>
         </a:defRPr>
       </a:lvl8pPr>
-      <a:lvl9pPr lvl="8" marR="0" rtl="0" algn="l">
+      <a:lvl9pPr marR="0" lvl="8" algn="l" rtl="0">
         <a:lnSpc>
           <a:spcPct val="100000"/>
         </a:lnSpc>
@@ -6453,7 +6704,7 @@
           <a:srgbClr val="000000"/>
         </a:buClr>
         <a:buFont typeface="Arial"/>
-        <a:defRPr b="0" i="0" sz="1400" u="none" cap="none" strike="noStrike">
+        <a:defRPr sz="1400" b="0" i="0" u="none" strike="noStrike" cap="none">
           <a:solidFill>
             <a:srgbClr val="000000"/>
           </a:solidFill>
@@ -6465,7 +6716,7 @@
       </a:lvl9pPr>
     </p:titleStyle>
     <p:bodyStyle>
-      <a:defPPr lvl="0" marR="0" rtl="0" algn="l">
+      <a:defPPr marR="0" lvl="0" algn="l" rtl="0">
         <a:lnSpc>
           <a:spcPct val="100000"/>
         </a:lnSpc>
@@ -6476,7 +6727,7 @@
           <a:spcPts val="0"/>
         </a:spcAft>
       </a:defPPr>
-      <a:lvl1pPr lvl="0" marR="0" rtl="0" algn="l">
+      <a:lvl1pPr marR="0" lvl="0" algn="l" rtl="0">
         <a:lnSpc>
           <a:spcPct val="100000"/>
         </a:lnSpc>
@@ -6490,7 +6741,7 @@
           <a:srgbClr val="000000"/>
         </a:buClr>
         <a:buFont typeface="Arial"/>
-        <a:defRPr b="0" i="0" sz="1400" u="none" cap="none" strike="noStrike">
+        <a:defRPr sz="1400" b="0" i="0" u="none" strike="noStrike" cap="none">
           <a:solidFill>
             <a:srgbClr val="000000"/>
           </a:solidFill>
@@ -6500,7 +6751,7 @@
           <a:sym typeface="Arial"/>
         </a:defRPr>
       </a:lvl1pPr>
-      <a:lvl2pPr lvl="1" marR="0" rtl="0" algn="l">
+      <a:lvl2pPr marR="0" lvl="1" algn="l" rtl="0">
         <a:lnSpc>
           <a:spcPct val="100000"/>
         </a:lnSpc>
@@ -6514,7 +6765,7 @@
           <a:srgbClr val="000000"/>
         </a:buClr>
         <a:buFont typeface="Arial"/>
-        <a:defRPr b="0" i="0" sz="1400" u="none" cap="none" strike="noStrike">
+        <a:defRPr sz="1400" b="0" i="0" u="none" strike="noStrike" cap="none">
           <a:solidFill>
             <a:srgbClr val="000000"/>
           </a:solidFill>
@@ -6524,7 +6775,7 @@
           <a:sym typeface="Arial"/>
         </a:defRPr>
       </a:lvl2pPr>
-      <a:lvl3pPr lvl="2" marR="0" rtl="0" algn="l">
+      <a:lvl3pPr marR="0" lvl="2" algn="l" rtl="0">
         <a:lnSpc>
           <a:spcPct val="100000"/>
         </a:lnSpc>
@@ -6538,7 +6789,7 @@
           <a:srgbClr val="000000"/>
         </a:buClr>
         <a:buFont typeface="Arial"/>
-        <a:defRPr b="0" i="0" sz="1400" u="none" cap="none" strike="noStrike">
+        <a:defRPr sz="1400" b="0" i="0" u="none" strike="noStrike" cap="none">
           <a:solidFill>
             <a:srgbClr val="000000"/>
           </a:solidFill>
@@ -6548,7 +6799,7 @@
           <a:sym typeface="Arial"/>
         </a:defRPr>
       </a:lvl3pPr>
-      <a:lvl4pPr lvl="3" marR="0" rtl="0" algn="l">
+      <a:lvl4pPr marR="0" lvl="3" algn="l" rtl="0">
         <a:lnSpc>
           <a:spcPct val="100000"/>
         </a:lnSpc>
@@ -6562,7 +6813,7 @@
           <a:srgbClr val="000000"/>
         </a:buClr>
         <a:buFont typeface="Arial"/>
-        <a:defRPr b="0" i="0" sz="1400" u="none" cap="none" strike="noStrike">
+        <a:defRPr sz="1400" b="0" i="0" u="none" strike="noStrike" cap="none">
           <a:solidFill>
             <a:srgbClr val="000000"/>
           </a:solidFill>
@@ -6572,7 +6823,7 @@
           <a:sym typeface="Arial"/>
         </a:defRPr>
       </a:lvl4pPr>
-      <a:lvl5pPr lvl="4" marR="0" rtl="0" algn="l">
+      <a:lvl5pPr marR="0" lvl="4" algn="l" rtl="0">
         <a:lnSpc>
           <a:spcPct val="100000"/>
         </a:lnSpc>
@@ -6586,7 +6837,7 @@
           <a:srgbClr val="000000"/>
         </a:buClr>
         <a:buFont typeface="Arial"/>
-        <a:defRPr b="0" i="0" sz="1400" u="none" cap="none" strike="noStrike">
+        <a:defRPr sz="1400" b="0" i="0" u="none" strike="noStrike" cap="none">
           <a:solidFill>
             <a:srgbClr val="000000"/>
           </a:solidFill>
@@ -6596,7 +6847,7 @@
           <a:sym typeface="Arial"/>
         </a:defRPr>
       </a:lvl5pPr>
-      <a:lvl6pPr lvl="5" marR="0" rtl="0" algn="l">
+      <a:lvl6pPr marR="0" lvl="5" algn="l" rtl="0">
         <a:lnSpc>
           <a:spcPct val="100000"/>
         </a:lnSpc>
@@ -6610,7 +6861,7 @@
           <a:srgbClr val="000000"/>
         </a:buClr>
         <a:buFont typeface="Arial"/>
-        <a:defRPr b="0" i="0" sz="1400" u="none" cap="none" strike="noStrike">
+        <a:defRPr sz="1400" b="0" i="0" u="none" strike="noStrike" cap="none">
           <a:solidFill>
             <a:srgbClr val="000000"/>
           </a:solidFill>
@@ -6620,7 +6871,7 @@
           <a:sym typeface="Arial"/>
         </a:defRPr>
       </a:lvl6pPr>
-      <a:lvl7pPr lvl="6" marR="0" rtl="0" algn="l">
+      <a:lvl7pPr marR="0" lvl="6" algn="l" rtl="0">
         <a:lnSpc>
           <a:spcPct val="100000"/>
         </a:lnSpc>
@@ -6634,7 +6885,7 @@
           <a:srgbClr val="000000"/>
         </a:buClr>
         <a:buFont typeface="Arial"/>
-        <a:defRPr b="0" i="0" sz="1400" u="none" cap="none" strike="noStrike">
+        <a:defRPr sz="1400" b="0" i="0" u="none" strike="noStrike" cap="none">
           <a:solidFill>
             <a:srgbClr val="000000"/>
           </a:solidFill>
@@ -6644,7 +6895,7 @@
           <a:sym typeface="Arial"/>
         </a:defRPr>
       </a:lvl7pPr>
-      <a:lvl8pPr lvl="7" marR="0" rtl="0" algn="l">
+      <a:lvl8pPr marR="0" lvl="7" algn="l" rtl="0">
         <a:lnSpc>
           <a:spcPct val="100000"/>
         </a:lnSpc>
@@ -6658,7 +6909,7 @@
           <a:srgbClr val="000000"/>
         </a:buClr>
         <a:buFont typeface="Arial"/>
-        <a:defRPr b="0" i="0" sz="1400" u="none" cap="none" strike="noStrike">
+        <a:defRPr sz="1400" b="0" i="0" u="none" strike="noStrike" cap="none">
           <a:solidFill>
             <a:srgbClr val="000000"/>
           </a:solidFill>
@@ -6668,7 +6919,7 @@
           <a:sym typeface="Arial"/>
         </a:defRPr>
       </a:lvl8pPr>
-      <a:lvl9pPr lvl="8" marR="0" rtl="0" algn="l">
+      <a:lvl9pPr marR="0" lvl="8" algn="l" rtl="0">
         <a:lnSpc>
           <a:spcPct val="100000"/>
         </a:lnSpc>
@@ -6682,7 +6933,7 @@
           <a:srgbClr val="000000"/>
         </a:buClr>
         <a:buFont typeface="Arial"/>
-        <a:defRPr b="0" i="0" sz="1400" u="none" cap="none" strike="noStrike">
+        <a:defRPr sz="1400" b="0" i="0" u="none" strike="noStrike" cap="none">
           <a:solidFill>
             <a:srgbClr val="000000"/>
           </a:solidFill>
@@ -6694,7 +6945,7 @@
       </a:lvl9pPr>
     </p:bodyStyle>
     <p:otherStyle>
-      <a:defPPr lvl="0" marR="0" rtl="0" algn="l">
+      <a:defPPr marR="0" lvl="0" algn="l" rtl="0">
         <a:lnSpc>
           <a:spcPct val="100000"/>
         </a:lnSpc>
@@ -6705,7 +6956,7 @@
           <a:spcPts val="0"/>
         </a:spcAft>
       </a:defPPr>
-      <a:lvl1pPr lvl="0" marR="0" rtl="0" algn="l">
+      <a:lvl1pPr marR="0" lvl="0" algn="l" rtl="0">
         <a:lnSpc>
           <a:spcPct val="100000"/>
         </a:lnSpc>
@@ -6719,7 +6970,7 @@
           <a:srgbClr val="000000"/>
         </a:buClr>
         <a:buFont typeface="Arial"/>
-        <a:defRPr b="0" i="0" sz="1400" u="none" cap="none" strike="noStrike">
+        <a:defRPr sz="1400" b="0" i="0" u="none" strike="noStrike" cap="none">
           <a:solidFill>
             <a:srgbClr val="000000"/>
           </a:solidFill>
@@ -6729,7 +6980,7 @@
           <a:sym typeface="Arial"/>
         </a:defRPr>
       </a:lvl1pPr>
-      <a:lvl2pPr lvl="1" marR="0" rtl="0" algn="l">
+      <a:lvl2pPr marR="0" lvl="1" algn="l" rtl="0">
         <a:lnSpc>
           <a:spcPct val="100000"/>
         </a:lnSpc>
@@ -6743,7 +6994,7 @@
           <a:srgbClr val="000000"/>
         </a:buClr>
         <a:buFont typeface="Arial"/>
-        <a:defRPr b="0" i="0" sz="1400" u="none" cap="none" strike="noStrike">
+        <a:defRPr sz="1400" b="0" i="0" u="none" strike="noStrike" cap="none">
           <a:solidFill>
             <a:srgbClr val="000000"/>
           </a:solidFill>
@@ -6753,7 +7004,7 @@
           <a:sym typeface="Arial"/>
         </a:defRPr>
       </a:lvl2pPr>
-      <a:lvl3pPr lvl="2" marR="0" rtl="0" algn="l">
+      <a:lvl3pPr marR="0" lvl="2" algn="l" rtl="0">
         <a:lnSpc>
           <a:spcPct val="100000"/>
         </a:lnSpc>
@@ -6767,7 +7018,7 @@
           <a:srgbClr val="000000"/>
         </a:buClr>
         <a:buFont typeface="Arial"/>
-        <a:defRPr b="0" i="0" sz="1400" u="none" cap="none" strike="noStrike">
+        <a:defRPr sz="1400" b="0" i="0" u="none" strike="noStrike" cap="none">
           <a:solidFill>
             <a:srgbClr val="000000"/>
           </a:solidFill>
@@ -6777,7 +7028,7 @@
           <a:sym typeface="Arial"/>
         </a:defRPr>
       </a:lvl3pPr>
-      <a:lvl4pPr lvl="3" marR="0" rtl="0" algn="l">
+      <a:lvl4pPr marR="0" lvl="3" algn="l" rtl="0">
         <a:lnSpc>
           <a:spcPct val="100000"/>
         </a:lnSpc>
@@ -6791,7 +7042,7 @@
           <a:srgbClr val="000000"/>
         </a:buClr>
         <a:buFont typeface="Arial"/>
-        <a:defRPr b="0" i="0" sz="1400" u="none" cap="none" strike="noStrike">
+        <a:defRPr sz="1400" b="0" i="0" u="none" strike="noStrike" cap="none">
           <a:solidFill>
             <a:srgbClr val="000000"/>
           </a:solidFill>
@@ -6801,7 +7052,7 @@
           <a:sym typeface="Arial"/>
         </a:defRPr>
       </a:lvl4pPr>
-      <a:lvl5pPr lvl="4" marR="0" rtl="0" algn="l">
+      <a:lvl5pPr marR="0" lvl="4" algn="l" rtl="0">
         <a:lnSpc>
           <a:spcPct val="100000"/>
         </a:lnSpc>
@@ -6815,7 +7066,7 @@
           <a:srgbClr val="000000"/>
         </a:buClr>
         <a:buFont typeface="Arial"/>
-        <a:defRPr b="0" i="0" sz="1400" u="none" cap="none" strike="noStrike">
+        <a:defRPr sz="1400" b="0" i="0" u="none" strike="noStrike" cap="none">
           <a:solidFill>
             <a:srgbClr val="000000"/>
           </a:solidFill>
@@ -6825,7 +7076,7 @@
           <a:sym typeface="Arial"/>
         </a:defRPr>
       </a:lvl5pPr>
-      <a:lvl6pPr lvl="5" marR="0" rtl="0" algn="l">
+      <a:lvl6pPr marR="0" lvl="5" algn="l" rtl="0">
         <a:lnSpc>
           <a:spcPct val="100000"/>
         </a:lnSpc>
@@ -6839,7 +7090,7 @@
           <a:srgbClr val="000000"/>
         </a:buClr>
         <a:buFont typeface="Arial"/>
-        <a:defRPr b="0" i="0" sz="1400" u="none" cap="none" strike="noStrike">
+        <a:defRPr sz="1400" b="0" i="0" u="none" strike="noStrike" cap="none">
           <a:solidFill>
             <a:srgbClr val="000000"/>
           </a:solidFill>
@@ -6849,7 +7100,7 @@
           <a:sym typeface="Arial"/>
         </a:defRPr>
       </a:lvl6pPr>
-      <a:lvl7pPr lvl="6" marR="0" rtl="0" algn="l">
+      <a:lvl7pPr marR="0" lvl="6" algn="l" rtl="0">
         <a:lnSpc>
           <a:spcPct val="100000"/>
         </a:lnSpc>
@@ -6863,7 +7114,7 @@
           <a:srgbClr val="000000"/>
         </a:buClr>
         <a:buFont typeface="Arial"/>
-        <a:defRPr b="0" i="0" sz="1400" u="none" cap="none" strike="noStrike">
+        <a:defRPr sz="1400" b="0" i="0" u="none" strike="noStrike" cap="none">
           <a:solidFill>
             <a:srgbClr val="000000"/>
           </a:solidFill>
@@ -6873,7 +7124,7 @@
           <a:sym typeface="Arial"/>
         </a:defRPr>
       </a:lvl7pPr>
-      <a:lvl8pPr lvl="7" marR="0" rtl="0" algn="l">
+      <a:lvl8pPr marR="0" lvl="7" algn="l" rtl="0">
         <a:lnSpc>
           <a:spcPct val="100000"/>
         </a:lnSpc>
@@ -6887,7 +7138,7 @@
           <a:srgbClr val="000000"/>
         </a:buClr>
         <a:buFont typeface="Arial"/>
-        <a:defRPr b="0" i="0" sz="1400" u="none" cap="none" strike="noStrike">
+        <a:defRPr sz="1400" b="0" i="0" u="none" strike="noStrike" cap="none">
           <a:solidFill>
             <a:srgbClr val="000000"/>
           </a:solidFill>
@@ -6897,7 +7148,7 @@
           <a:sym typeface="Arial"/>
         </a:defRPr>
       </a:lvl8pPr>
-      <a:lvl9pPr lvl="8" marR="0" rtl="0" algn="l">
+      <a:lvl9pPr marR="0" lvl="8" algn="l" rtl="0">
         <a:lnSpc>
           <a:spcPct val="100000"/>
         </a:lnSpc>
@@ -6911,7 +7162,7 @@
           <a:srgbClr val="000000"/>
         </a:buClr>
         <a:buFont typeface="Arial"/>
-        <a:defRPr b="0" i="0" sz="1400" u="none" cap="none" strike="noStrike">
+        <a:defRPr sz="1400" b="0" i="0" u="none" strike="noStrike" cap="none">
           <a:solidFill>
             <a:srgbClr val="000000"/>
           </a:solidFill>
@@ -6927,11 +7178,11 @@
 </file>
 
 <file path=ppt/slides/slide1.xml><?xml version="1.0" encoding="utf-8"?>
-<p:sld xmlns:a="http://schemas.openxmlformats.org/drawingml/2006/main" xmlns:r="http://schemas.openxmlformats.org/officeDocument/2006/relationships" xmlns:mc="http://schemas.openxmlformats.org/markup-compatibility/2006" xmlns:mv="urn:schemas-microsoft-com:mac:vml" xmlns:p="http://schemas.openxmlformats.org/presentationml/2006/main" xmlns:c="http://schemas.openxmlformats.org/drawingml/2006/chart" xmlns:dgm="http://schemas.openxmlformats.org/drawingml/2006/diagram" xmlns:o="urn:schemas-microsoft-com:office:office" xmlns:v="urn:schemas-microsoft-com:vml" xmlns:pvml="urn:schemas-microsoft-com:office:powerpoint" xmlns:com="http://schemas.openxmlformats.org/drawingml/2006/compatibility" xmlns:p14="http://schemas.microsoft.com/office/powerpoint/2010/main" xmlns:p15="http://schemas.microsoft.com/office/powerpoint/2012/main">
+<p:sld xmlns:a="http://schemas.openxmlformats.org/drawingml/2006/main" xmlns:r="http://schemas.openxmlformats.org/officeDocument/2006/relationships" xmlns:p="http://schemas.openxmlformats.org/presentationml/2006/main">
   <p:cSld>
     <p:spTree>
       <p:nvGrpSpPr>
-        <p:cNvPr id="61" name="Shape 61"/>
+        <p:cNvPr id="1" name="Shape 61"/>
         <p:cNvGrpSpPr/>
         <p:nvPr/>
       </p:nvGrpSpPr>
@@ -6946,7 +7197,9 @@
       <p:sp>
         <p:nvSpPr>
           <p:cNvPr id="62" name="Google Shape;62;p13"/>
-          <p:cNvSpPr txBox="1"/>
+          <p:cNvSpPr txBox="1">
+            <a:spLocks noGrp="1"/>
+          </p:cNvSpPr>
           <p:nvPr>
             <p:ph type="ctrTitle"/>
           </p:nvPr>
@@ -6961,12 +7214,12 @@
           </a:prstGeom>
         </p:spPr>
         <p:txBody>
-          <a:bodyPr anchorCtr="0" anchor="b" bIns="91425" lIns="91425" spcFirstLastPara="1" rIns="91425" wrap="square" tIns="91425">
+          <a:bodyPr spcFirstLastPara="1" wrap="square" lIns="91425" tIns="91425" rIns="91425" bIns="91425" anchor="b" anchorCtr="0">
             <a:noAutofit/>
           </a:bodyPr>
           <a:lstStyle/>
           <a:p>
-            <a:pPr indent="0" lvl="0" marL="0" rtl="0" algn="ctr">
+            <a:pPr marL="0" lvl="0" indent="0" algn="ctr" rtl="0">
               <a:spcBef>
                 <a:spcPts val="0"/>
               </a:spcBef>
@@ -6986,9 +7239,11 @@
       <p:sp>
         <p:nvSpPr>
           <p:cNvPr id="63" name="Google Shape;63;p13"/>
-          <p:cNvSpPr txBox="1"/>
+          <p:cNvSpPr txBox="1">
+            <a:spLocks noGrp="1"/>
+          </p:cNvSpPr>
           <p:nvPr>
-            <p:ph idx="1" type="subTitle"/>
+            <p:ph type="subTitle" idx="1"/>
           </p:nvPr>
         </p:nvSpPr>
         <p:spPr>
@@ -7001,12 +7256,12 @@
           </a:prstGeom>
         </p:spPr>
         <p:txBody>
-          <a:bodyPr anchorCtr="0" anchor="t" bIns="91425" lIns="91425" spcFirstLastPara="1" rIns="91425" wrap="square" tIns="91425">
+          <a:bodyPr spcFirstLastPara="1" wrap="square" lIns="91425" tIns="91425" rIns="91425" bIns="91425" anchor="t" anchorCtr="0">
             <a:noAutofit/>
           </a:bodyPr>
           <a:lstStyle/>
           <a:p>
-            <a:pPr indent="0" lvl="0" marL="0" rtl="0" algn="ctr">
+            <a:pPr marL="0" lvl="0" indent="0" algn="ctr" rtl="0">
               <a:spcBef>
                 <a:spcPts val="0"/>
               </a:spcBef>
@@ -7022,7 +7277,7 @@
             <a:endParaRPr/>
           </a:p>
           <a:p>
-            <a:pPr indent="0" lvl="0" marL="0" rtl="0" algn="ctr">
+            <a:pPr marL="0" lvl="0" indent="0" algn="ctr" rtl="0">
               <a:spcBef>
                 <a:spcPts val="0"/>
               </a:spcBef>
@@ -7038,7 +7293,7 @@
             <a:endParaRPr/>
           </a:p>
           <a:p>
-            <a:pPr indent="0" lvl="0" marL="0" rtl="0" algn="ctr">
+            <a:pPr marL="0" lvl="0" indent="0" algn="ctr" rtl="0">
               <a:spcBef>
                 <a:spcPts val="0"/>
               </a:spcBef>
@@ -7054,7 +7309,7 @@
             <a:endParaRPr/>
           </a:p>
           <a:p>
-            <a:pPr indent="0" lvl="0" marL="0" rtl="0" algn="ctr">
+            <a:pPr marL="0" lvl="0" indent="0" algn="ctr" rtl="0">
               <a:spcBef>
                 <a:spcPts val="0"/>
               </a:spcBef>
@@ -7070,7 +7325,7 @@
             <a:endParaRPr/>
           </a:p>
           <a:p>
-            <a:pPr indent="0" lvl="0" marL="0" rtl="0" algn="ctr">
+            <a:pPr marL="0" lvl="0" indent="0" algn="ctr" rtl="0">
               <a:spcBef>
                 <a:spcPts val="0"/>
               </a:spcBef>
@@ -7079,9 +7334,6 @@
               </a:spcAft>
               <a:buNone/>
             </a:pPr>
-            <a:r>
-              <a:t/>
-            </a:r>
             <a:endParaRPr/>
           </a:p>
         </p:txBody>
@@ -7095,11 +7347,11 @@
 </file>
 
 <file path=ppt/slides/slide2.xml><?xml version="1.0" encoding="utf-8"?>
-<p:sld xmlns:a="http://schemas.openxmlformats.org/drawingml/2006/main" xmlns:r="http://schemas.openxmlformats.org/officeDocument/2006/relationships" xmlns:mc="http://schemas.openxmlformats.org/markup-compatibility/2006" xmlns:mv="urn:schemas-microsoft-com:mac:vml" xmlns:p="http://schemas.openxmlformats.org/presentationml/2006/main" xmlns:c="http://schemas.openxmlformats.org/drawingml/2006/chart" xmlns:dgm="http://schemas.openxmlformats.org/drawingml/2006/diagram" xmlns:o="urn:schemas-microsoft-com:office:office" xmlns:v="urn:schemas-microsoft-com:vml" xmlns:pvml="urn:schemas-microsoft-com:office:powerpoint" xmlns:com="http://schemas.openxmlformats.org/drawingml/2006/compatibility" xmlns:p14="http://schemas.microsoft.com/office/powerpoint/2010/main" xmlns:p15="http://schemas.microsoft.com/office/powerpoint/2012/main">
+<p:sld xmlns:a="http://schemas.openxmlformats.org/drawingml/2006/main" xmlns:r="http://schemas.openxmlformats.org/officeDocument/2006/relationships" xmlns:p="http://schemas.openxmlformats.org/presentationml/2006/main">
   <p:cSld>
     <p:spTree>
       <p:nvGrpSpPr>
-        <p:cNvPr id="67" name="Shape 67"/>
+        <p:cNvPr id="1" name="Shape 67"/>
         <p:cNvGrpSpPr/>
         <p:nvPr/>
       </p:nvGrpSpPr>
@@ -7114,7 +7366,9 @@
       <p:sp>
         <p:nvSpPr>
           <p:cNvPr id="68" name="Google Shape;68;p14"/>
-          <p:cNvSpPr txBox="1"/>
+          <p:cNvSpPr txBox="1">
+            <a:spLocks noGrp="1"/>
+          </p:cNvSpPr>
           <p:nvPr>
             <p:ph type="title"/>
           </p:nvPr>
@@ -7129,12 +7383,12 @@
           </a:prstGeom>
         </p:spPr>
         <p:txBody>
-          <a:bodyPr anchorCtr="0" anchor="b" bIns="91425" lIns="91425" spcFirstLastPara="1" rIns="91425" wrap="square" tIns="91425">
+          <a:bodyPr spcFirstLastPara="1" wrap="square" lIns="91425" tIns="91425" rIns="91425" bIns="91425" anchor="b" anchorCtr="0">
             <a:noAutofit/>
           </a:bodyPr>
           <a:lstStyle/>
           <a:p>
-            <a:pPr indent="0" lvl="0" marL="0" rtl="0" algn="l">
+            <a:pPr marL="0" lvl="0" indent="0" algn="l" rtl="0">
               <a:spcBef>
                 <a:spcPts val="0"/>
               </a:spcBef>
@@ -7154,9 +7408,11 @@
       <p:sp>
         <p:nvSpPr>
           <p:cNvPr id="69" name="Google Shape;69;p14"/>
-          <p:cNvSpPr txBox="1"/>
+          <p:cNvSpPr txBox="1">
+            <a:spLocks noGrp="1"/>
+          </p:cNvSpPr>
           <p:nvPr>
-            <p:ph idx="1" type="body"/>
+            <p:ph type="body" idx="1"/>
           </p:nvPr>
         </p:nvSpPr>
         <p:spPr>
@@ -7169,12 +7425,12 @@
           </a:prstGeom>
         </p:spPr>
         <p:txBody>
-          <a:bodyPr anchorCtr="0" anchor="ctr" bIns="91425" lIns="91425" spcFirstLastPara="1" rIns="91425" wrap="square" tIns="91425">
+          <a:bodyPr spcFirstLastPara="1" wrap="square" lIns="91425" tIns="91425" rIns="91425" bIns="91425" anchor="ctr" anchorCtr="0">
             <a:noAutofit/>
           </a:bodyPr>
           <a:lstStyle/>
           <a:p>
-            <a:pPr indent="0" lvl="0" marL="0" rtl="0" algn="l">
+            <a:pPr marL="0" lvl="0" indent="0" algn="l" rtl="0">
               <a:spcBef>
                 <a:spcPts val="0"/>
               </a:spcBef>
@@ -7209,7 +7465,7 @@
             </a:endParaRPr>
           </a:p>
           <a:p>
-            <a:pPr indent="0" lvl="0" marL="0" rtl="0" algn="l">
+            <a:pPr marL="0" lvl="0" indent="0" algn="l" rtl="0">
               <a:spcBef>
                 <a:spcPts val="1600"/>
               </a:spcBef>
@@ -7232,29 +7488,7 @@
                   <a:srgbClr val="F8F8F8"/>
                 </a:highlight>
               </a:rPr>
-              <a:t>A big shift was triggered in the global stock market </a:t>
-            </a:r>
-            <a:r>
-              <a:rPr lang="en-GB" sz="1650">
-                <a:solidFill>
-                  <a:srgbClr val="1D1C1D"/>
-                </a:solidFill>
-                <a:highlight>
-                  <a:srgbClr val="F8F8F8"/>
-                </a:highlight>
-              </a:rPr>
-              <a:t>because </a:t>
-            </a:r>
-            <a:r>
-              <a:rPr lang="en-GB" sz="1650">
-                <a:solidFill>
-                  <a:srgbClr val="1D1C1D"/>
-                </a:solidFill>
-                <a:highlight>
-                  <a:srgbClr val="F8F8F8"/>
-                </a:highlight>
-              </a:rPr>
-              <a:t>of COVID-19. Almost everyone feared a total economic crash with the close of businesses and millions unemployed. </a:t>
+              <a:t>A big shift was triggered in the global stock market because of COVID-19. Almost everyone feared a total economic crash with the close of businesses and millions unemployed. </a:t>
             </a:r>
             <a:endParaRPr sz="1650">
               <a:solidFill>
@@ -7266,7 +7500,7 @@
             </a:endParaRPr>
           </a:p>
           <a:p>
-            <a:pPr indent="0" lvl="0" marL="0" rtl="0" algn="l">
+            <a:pPr marL="0" lvl="0" indent="0" algn="l" rtl="0">
               <a:spcBef>
                 <a:spcPts val="1600"/>
               </a:spcBef>
@@ -7304,11 +7538,11 @@
 </file>
 
 <file path=ppt/slides/slide3.xml><?xml version="1.0" encoding="utf-8"?>
-<p:sld xmlns:a="http://schemas.openxmlformats.org/drawingml/2006/main" xmlns:r="http://schemas.openxmlformats.org/officeDocument/2006/relationships" xmlns:mc="http://schemas.openxmlformats.org/markup-compatibility/2006" xmlns:mv="urn:schemas-microsoft-com:mac:vml" xmlns:p="http://schemas.openxmlformats.org/presentationml/2006/main" xmlns:c="http://schemas.openxmlformats.org/drawingml/2006/chart" xmlns:dgm="http://schemas.openxmlformats.org/drawingml/2006/diagram" xmlns:o="urn:schemas-microsoft-com:office:office" xmlns:v="urn:schemas-microsoft-com:vml" xmlns:pvml="urn:schemas-microsoft-com:office:powerpoint" xmlns:com="http://schemas.openxmlformats.org/drawingml/2006/compatibility" xmlns:p14="http://schemas.microsoft.com/office/powerpoint/2010/main" xmlns:p15="http://schemas.microsoft.com/office/powerpoint/2012/main">
+<p:sld xmlns:a="http://schemas.openxmlformats.org/drawingml/2006/main" xmlns:r="http://schemas.openxmlformats.org/officeDocument/2006/relationships" xmlns:p="http://schemas.openxmlformats.org/presentationml/2006/main">
   <p:cSld>
     <p:spTree>
       <p:nvGrpSpPr>
-        <p:cNvPr id="73" name="Shape 73"/>
+        <p:cNvPr id="1" name="Shape 73"/>
         <p:cNvGrpSpPr/>
         <p:nvPr/>
       </p:nvGrpSpPr>
@@ -7323,7 +7557,9 @@
       <p:sp>
         <p:nvSpPr>
           <p:cNvPr id="74" name="Google Shape;74;p15"/>
-          <p:cNvSpPr txBox="1"/>
+          <p:cNvSpPr txBox="1">
+            <a:spLocks noGrp="1"/>
+          </p:cNvSpPr>
           <p:nvPr>
             <p:ph type="title"/>
           </p:nvPr>
@@ -7338,12 +7574,12 @@
           </a:prstGeom>
         </p:spPr>
         <p:txBody>
-          <a:bodyPr anchorCtr="0" anchor="b" bIns="91425" lIns="91425" spcFirstLastPara="1" rIns="91425" wrap="square" tIns="91425">
+          <a:bodyPr spcFirstLastPara="1" wrap="square" lIns="91425" tIns="91425" rIns="91425" bIns="91425" anchor="b" anchorCtr="0">
             <a:noAutofit/>
           </a:bodyPr>
           <a:lstStyle/>
           <a:p>
-            <a:pPr indent="0" lvl="0" marL="0" rtl="0" algn="l">
+            <a:pPr marL="0" lvl="0" indent="0" algn="l" rtl="0">
               <a:spcBef>
                 <a:spcPts val="0"/>
               </a:spcBef>
@@ -7363,9 +7599,11 @@
       <p:sp>
         <p:nvSpPr>
           <p:cNvPr id="75" name="Google Shape;75;p15"/>
-          <p:cNvSpPr txBox="1"/>
+          <p:cNvSpPr txBox="1">
+            <a:spLocks noGrp="1"/>
+          </p:cNvSpPr>
           <p:nvPr>
-            <p:ph idx="1" type="body"/>
+            <p:ph type="body" idx="1"/>
           </p:nvPr>
         </p:nvSpPr>
         <p:spPr>
@@ -7378,12 +7616,12 @@
           </a:prstGeom>
         </p:spPr>
         <p:txBody>
-          <a:bodyPr anchorCtr="0" anchor="ctr" bIns="91425" lIns="91425" spcFirstLastPara="1" rIns="91425" wrap="square" tIns="91425">
+          <a:bodyPr spcFirstLastPara="1" wrap="square" lIns="91425" tIns="91425" rIns="91425" bIns="91425" anchor="ctr" anchorCtr="0">
             <a:noAutofit/>
           </a:bodyPr>
           <a:lstStyle/>
           <a:p>
-            <a:pPr indent="-342900" lvl="0" marL="457200" rtl="0" algn="l">
+            <a:pPr marL="114300" lvl="0" indent="0" rtl="0">
               <a:spcBef>
                 <a:spcPts val="0"/>
               </a:spcBef>
@@ -7391,16 +7629,27 @@
                 <a:spcPts val="0"/>
               </a:spcAft>
               <a:buSzPts val="1800"/>
-              <a:buChar char="-"/>
+              <a:buNone/>
             </a:pPr>
             <a:r>
-              <a:rPr lang="en-GB"/>
-              <a:t>To look at the affects of COVID 19 on the top 30 companies in the DOW  Jones Index</a:t>
+              <a:rPr lang="en-GB" dirty="0"/>
+              <a:t>To look at the </a:t>
             </a:r>
-            <a:endParaRPr/>
-          </a:p>
-          <a:p>
-            <a:pPr indent="-342900" lvl="0" marL="457200" rtl="0" algn="l">
+            <a:r>
+              <a:rPr lang="en-GB" dirty="0" smtClean="0"/>
+              <a:t>affects </a:t>
+            </a:r>
+            <a:r>
+              <a:rPr lang="en-GB" dirty="0"/>
+              <a:t>of COVID 19 on the top 30 companies in the DOW  Jones </a:t>
+            </a:r>
+            <a:r>
+              <a:rPr lang="en-GB" dirty="0" smtClean="0"/>
+              <a:t>Index.</a:t>
+            </a:r>
+          </a:p>
+          <a:p>
+            <a:pPr marL="114300" lvl="0" indent="0" rtl="0">
               <a:spcBef>
                 <a:spcPts val="0"/>
               </a:spcBef>
@@ -7408,13 +7657,63 @@
                 <a:spcPts val="0"/>
               </a:spcAft>
               <a:buSzPts val="1800"/>
-              <a:buChar char="-"/>
+              <a:buNone/>
+            </a:pPr>
+            <a:endParaRPr lang="en-GB" dirty="0" smtClean="0"/>
+          </a:p>
+          <a:p>
+            <a:pPr marL="114300" lvl="0" indent="0" rtl="0">
+              <a:spcBef>
+                <a:spcPts val="0"/>
+              </a:spcBef>
+              <a:spcAft>
+                <a:spcPts val="0"/>
+              </a:spcAft>
+              <a:buSzPts val="1800"/>
+              <a:buNone/>
             </a:pPr>
             <a:r>
-              <a:rPr lang="en-GB"/>
-              <a:t>Compare the performance of each company to the DJI for the last 6 months, (January to June)</a:t>
+              <a:rPr lang="en-GB" dirty="0" smtClean="0"/>
+              <a:t>HOW?</a:t>
             </a:r>
-            <a:endParaRPr/>
+          </a:p>
+          <a:p>
+            <a:pPr marL="114300" lvl="0" indent="0" rtl="0">
+              <a:spcBef>
+                <a:spcPts val="0"/>
+              </a:spcBef>
+              <a:spcAft>
+                <a:spcPts val="0"/>
+              </a:spcAft>
+              <a:buSzPts val="1800"/>
+              <a:buNone/>
+            </a:pPr>
+            <a:endParaRPr lang="en-GB" dirty="0"/>
+          </a:p>
+          <a:p>
+            <a:pPr marL="114300" lvl="0" indent="0" rtl="0">
+              <a:spcBef>
+                <a:spcPts val="0"/>
+              </a:spcBef>
+              <a:spcAft>
+                <a:spcPts val="0"/>
+              </a:spcAft>
+              <a:buSzPts val="1800"/>
+              <a:buNone/>
+            </a:pPr>
+            <a:r>
+              <a:rPr lang="en-GB" dirty="0" smtClean="0"/>
+              <a:t>By comparing </a:t>
+            </a:r>
+            <a:r>
+              <a:rPr lang="en-GB" dirty="0"/>
+              <a:t>the performance of each company to the DJI for the last 6 months, (January to June</a:t>
+            </a:r>
+            <a:r>
+              <a:rPr lang="en-GB" dirty="0" smtClean="0"/>
+              <a:t>).</a:t>
+            </a:r>
+            <a:endParaRPr dirty="0"/>
           </a:p>
         </p:txBody>
       </p:sp>
@@ -7427,11 +7726,11 @@
 </file>
 
 <file path=ppt/slides/slide4.xml><?xml version="1.0" encoding="utf-8"?>
-<p:sld xmlns:a="http://schemas.openxmlformats.org/drawingml/2006/main" xmlns:r="http://schemas.openxmlformats.org/officeDocument/2006/relationships" xmlns:mc="http://schemas.openxmlformats.org/markup-compatibility/2006" xmlns:mv="urn:schemas-microsoft-com:mac:vml" xmlns:p="http://schemas.openxmlformats.org/presentationml/2006/main" xmlns:c="http://schemas.openxmlformats.org/drawingml/2006/chart" xmlns:dgm="http://schemas.openxmlformats.org/drawingml/2006/diagram" xmlns:o="urn:schemas-microsoft-com:office:office" xmlns:v="urn:schemas-microsoft-com:vml" xmlns:pvml="urn:schemas-microsoft-com:office:powerpoint" xmlns:com="http://schemas.openxmlformats.org/drawingml/2006/compatibility" xmlns:p14="http://schemas.microsoft.com/office/powerpoint/2010/main" xmlns:p15="http://schemas.microsoft.com/office/powerpoint/2012/main">
+<p:sld xmlns:a="http://schemas.openxmlformats.org/drawingml/2006/main" xmlns:r="http://schemas.openxmlformats.org/officeDocument/2006/relationships" xmlns:p="http://schemas.openxmlformats.org/presentationml/2006/main">
   <p:cSld>
     <p:spTree>
       <p:nvGrpSpPr>
-        <p:cNvPr id="79" name="Shape 79"/>
+        <p:cNvPr id="1" name="Shape 79"/>
         <p:cNvGrpSpPr/>
         <p:nvPr/>
       </p:nvGrpSpPr>
@@ -7446,7 +7745,9 @@
       <p:sp>
         <p:nvSpPr>
           <p:cNvPr id="80" name="Google Shape;80;p16"/>
-          <p:cNvSpPr txBox="1"/>
+          <p:cNvSpPr txBox="1">
+            <a:spLocks noGrp="1"/>
+          </p:cNvSpPr>
           <p:nvPr>
             <p:ph type="title"/>
           </p:nvPr>
@@ -7461,12 +7762,12 @@
           </a:prstGeom>
         </p:spPr>
         <p:txBody>
-          <a:bodyPr anchorCtr="0" anchor="b" bIns="91425" lIns="91425" spcFirstLastPara="1" rIns="91425" wrap="square" tIns="91425">
+          <a:bodyPr spcFirstLastPara="1" wrap="square" lIns="91425" tIns="91425" rIns="91425" bIns="91425" anchor="b" anchorCtr="0">
             <a:noAutofit/>
           </a:bodyPr>
           <a:lstStyle/>
           <a:p>
-            <a:pPr indent="0" lvl="0" marL="0" rtl="0" algn="l">
+            <a:pPr marL="0" lvl="0" indent="0" algn="l" rtl="0">
               <a:spcBef>
                 <a:spcPts val="0"/>
               </a:spcBef>
@@ -7486,9 +7787,11 @@
       <p:sp>
         <p:nvSpPr>
           <p:cNvPr id="81" name="Google Shape;81;p16"/>
-          <p:cNvSpPr txBox="1"/>
+          <p:cNvSpPr txBox="1">
+            <a:spLocks noGrp="1"/>
+          </p:cNvSpPr>
           <p:nvPr>
-            <p:ph idx="1" type="body"/>
+            <p:ph type="body" idx="1"/>
           </p:nvPr>
         </p:nvSpPr>
         <p:spPr>
@@ -7501,12 +7804,12 @@
           </a:prstGeom>
         </p:spPr>
         <p:txBody>
-          <a:bodyPr anchorCtr="0" anchor="t" bIns="91425" lIns="91425" spcFirstLastPara="1" rIns="91425" wrap="square" tIns="91425">
+          <a:bodyPr spcFirstLastPara="1" wrap="square" lIns="91425" tIns="91425" rIns="91425" bIns="91425" anchor="t" anchorCtr="0">
             <a:noAutofit/>
           </a:bodyPr>
           <a:lstStyle/>
           <a:p>
-            <a:pPr indent="-342900" lvl="0" marL="457200" rtl="0" algn="l">
+            <a:pPr marL="457200" lvl="0" indent="-342900" algn="l" rtl="0">
               <a:spcBef>
                 <a:spcPts val="0"/>
               </a:spcBef>
@@ -7523,7 +7826,7 @@
             <a:endParaRPr/>
           </a:p>
           <a:p>
-            <a:pPr indent="-342900" lvl="0" marL="457200" rtl="0" algn="l">
+            <a:pPr marL="457200" lvl="0" indent="-342900" algn="l" rtl="0">
               <a:spcBef>
                 <a:spcPts val="0"/>
               </a:spcBef>
@@ -7540,7 +7843,7 @@
             <a:endParaRPr/>
           </a:p>
           <a:p>
-            <a:pPr indent="-317500" lvl="1" marL="914400" rtl="0" algn="l">
+            <a:pPr marL="914400" lvl="1" indent="-317500" algn="l" rtl="0">
               <a:spcBef>
                 <a:spcPts val="0"/>
               </a:spcBef>
@@ -7557,7 +7860,7 @@
             <a:endParaRPr/>
           </a:p>
           <a:p>
-            <a:pPr indent="-342900" lvl="0" marL="457200" rtl="0" algn="l">
+            <a:pPr marL="457200" lvl="0" indent="-342900" algn="l" rtl="0">
               <a:spcBef>
                 <a:spcPts val="0"/>
               </a:spcBef>
@@ -7574,7 +7877,7 @@
             <a:endParaRPr/>
           </a:p>
           <a:p>
-            <a:pPr indent="-317500" lvl="1" marL="914400" rtl="0" algn="l">
+            <a:pPr marL="914400" lvl="1" indent="-317500" algn="l" rtl="0">
               <a:spcBef>
                 <a:spcPts val="0"/>
               </a:spcBef>
@@ -7591,7 +7894,7 @@
             <a:endParaRPr/>
           </a:p>
           <a:p>
-            <a:pPr indent="-342900" lvl="0" marL="457200" rtl="0" algn="l">
+            <a:pPr marL="457200" lvl="0" indent="-342900" algn="l" rtl="0">
               <a:spcBef>
                 <a:spcPts val="0"/>
               </a:spcBef>
@@ -7608,7 +7911,7 @@
             <a:endParaRPr/>
           </a:p>
           <a:p>
-            <a:pPr indent="-317500" lvl="1" marL="914400" rtl="0" algn="l">
+            <a:pPr marL="914400" lvl="1" indent="-317500" algn="l" rtl="0">
               <a:spcBef>
                 <a:spcPts val="0"/>
               </a:spcBef>
@@ -7625,7 +7928,7 @@
             <a:endParaRPr/>
           </a:p>
           <a:p>
-            <a:pPr indent="-342900" lvl="0" marL="457200" rtl="0" algn="l">
+            <a:pPr marL="457200" lvl="0" indent="-342900" algn="l" rtl="0">
               <a:spcBef>
                 <a:spcPts val="0"/>
               </a:spcBef>
@@ -7652,11 +7955,11 @@
 </file>
 
 <file path=ppt/slides/slide5.xml><?xml version="1.0" encoding="utf-8"?>
-<p:sld xmlns:a="http://schemas.openxmlformats.org/drawingml/2006/main" xmlns:r="http://schemas.openxmlformats.org/officeDocument/2006/relationships" xmlns:mc="http://schemas.openxmlformats.org/markup-compatibility/2006" xmlns:mv="urn:schemas-microsoft-com:mac:vml" xmlns:p="http://schemas.openxmlformats.org/presentationml/2006/main" xmlns:c="http://schemas.openxmlformats.org/drawingml/2006/chart" xmlns:dgm="http://schemas.openxmlformats.org/drawingml/2006/diagram" xmlns:o="urn:schemas-microsoft-com:office:office" xmlns:v="urn:schemas-microsoft-com:vml" xmlns:pvml="urn:schemas-microsoft-com:office:powerpoint" xmlns:com="http://schemas.openxmlformats.org/drawingml/2006/compatibility" xmlns:p14="http://schemas.microsoft.com/office/powerpoint/2010/main" xmlns:p15="http://schemas.microsoft.com/office/powerpoint/2012/main">
+<p:sld xmlns:a="http://schemas.openxmlformats.org/drawingml/2006/main" xmlns:r="http://schemas.openxmlformats.org/officeDocument/2006/relationships" xmlns:p="http://schemas.openxmlformats.org/presentationml/2006/main">
   <p:cSld>
     <p:spTree>
       <p:nvGrpSpPr>
-        <p:cNvPr id="85" name="Shape 85"/>
+        <p:cNvPr id="1" name="Shape 85"/>
         <p:cNvGrpSpPr/>
         <p:nvPr/>
       </p:nvGrpSpPr>
@@ -7671,7 +7974,9 @@
       <p:sp>
         <p:nvSpPr>
           <p:cNvPr id="86" name="Google Shape;86;p17"/>
-          <p:cNvSpPr txBox="1"/>
+          <p:cNvSpPr txBox="1">
+            <a:spLocks noGrp="1"/>
+          </p:cNvSpPr>
           <p:nvPr>
             <p:ph type="title"/>
           </p:nvPr>
@@ -7686,12 +7991,12 @@
           </a:prstGeom>
         </p:spPr>
         <p:txBody>
-          <a:bodyPr anchorCtr="0" anchor="b" bIns="91425" lIns="91425" spcFirstLastPara="1" rIns="91425" wrap="square" tIns="91425">
+          <a:bodyPr spcFirstLastPara="1" wrap="square" lIns="91425" tIns="91425" rIns="91425" bIns="91425" anchor="b" anchorCtr="0">
             <a:noAutofit/>
           </a:bodyPr>
           <a:lstStyle/>
           <a:p>
-            <a:pPr indent="0" lvl="0" marL="0" rtl="0" algn="l">
+            <a:pPr marL="0" lvl="0" indent="0" algn="l" rtl="0">
               <a:spcBef>
                 <a:spcPts val="0"/>
               </a:spcBef>
@@ -7711,9 +8016,11 @@
       <p:sp>
         <p:nvSpPr>
           <p:cNvPr id="87" name="Google Shape;87;p17"/>
-          <p:cNvSpPr txBox="1"/>
+          <p:cNvSpPr txBox="1">
+            <a:spLocks noGrp="1"/>
+          </p:cNvSpPr>
           <p:nvPr>
-            <p:ph idx="1" type="body"/>
+            <p:ph type="body" idx="1"/>
           </p:nvPr>
         </p:nvSpPr>
         <p:spPr>
@@ -7726,12 +8033,12 @@
           </a:prstGeom>
         </p:spPr>
         <p:txBody>
-          <a:bodyPr anchorCtr="0" anchor="t" bIns="91425" lIns="91425" spcFirstLastPara="1" rIns="91425" wrap="square" tIns="91425">
+          <a:bodyPr spcFirstLastPara="1" wrap="square" lIns="91425" tIns="91425" rIns="91425" bIns="91425" anchor="t" anchorCtr="0">
             <a:noAutofit/>
           </a:bodyPr>
           <a:lstStyle/>
           <a:p>
-            <a:pPr indent="0" lvl="0" marL="0" rtl="0" algn="l">
+            <a:pPr marL="0" lvl="0" indent="0" algn="l" rtl="0">
               <a:lnSpc>
                 <a:spcPct val="100000"/>
               </a:lnSpc>
@@ -7758,7 +8065,7 @@
             </a:endParaRPr>
           </a:p>
           <a:p>
-            <a:pPr indent="0" lvl="0" marL="0" rtl="0" algn="l">
+            <a:pPr marL="0" lvl="0" indent="0" algn="l" rtl="0">
               <a:lnSpc>
                 <a:spcPct val="100000"/>
               </a:lnSpc>
@@ -7770,9 +8077,6 @@
               </a:spcAft>
               <a:buNone/>
             </a:pPr>
-            <a:r>
-              <a:t/>
-            </a:r>
             <a:endParaRPr sz="2300">
               <a:solidFill>
                 <a:schemeClr val="dk1"/>
@@ -7780,7 +8084,7 @@
             </a:endParaRPr>
           </a:p>
           <a:p>
-            <a:pPr indent="-342900" lvl="0" marL="457200" rtl="0" algn="l">
+            <a:pPr marL="457200" lvl="0" indent="-342900" algn="l" rtl="0">
               <a:spcBef>
                 <a:spcPts val="0"/>
               </a:spcBef>
@@ -7797,7 +8101,7 @@
             <a:endParaRPr/>
           </a:p>
           <a:p>
-            <a:pPr indent="-317500" lvl="1" marL="914400" rtl="0" algn="l">
+            <a:pPr marL="914400" lvl="1" indent="-317500" algn="l" rtl="0">
               <a:spcBef>
                 <a:spcPts val="0"/>
               </a:spcBef>
@@ -7814,7 +8118,7 @@
             <a:endParaRPr/>
           </a:p>
           <a:p>
-            <a:pPr indent="-317500" lvl="1" marL="914400" rtl="0" algn="l">
+            <a:pPr marL="914400" lvl="1" indent="-317500" algn="l" rtl="0">
               <a:spcBef>
                 <a:spcPts val="0"/>
               </a:spcBef>
@@ -7831,7 +8135,7 @@
             <a:endParaRPr/>
           </a:p>
           <a:p>
-            <a:pPr indent="-342900" lvl="0" marL="457200" rtl="0" algn="l">
+            <a:pPr marL="457200" lvl="0" indent="-342900" algn="l" rtl="0">
               <a:spcBef>
                 <a:spcPts val="0"/>
               </a:spcBef>
@@ -7848,7 +8152,7 @@
             <a:endParaRPr/>
           </a:p>
           <a:p>
-            <a:pPr indent="-342900" lvl="0" marL="457200" rtl="0" algn="l">
+            <a:pPr marL="457200" lvl="0" indent="-342900" algn="l" rtl="0">
               <a:spcBef>
                 <a:spcPts val="0"/>
               </a:spcBef>
@@ -7875,11 +8179,11 @@
 </file>
 
 <file path=ppt/slides/slide6.xml><?xml version="1.0" encoding="utf-8"?>
-<p:sld xmlns:a="http://schemas.openxmlformats.org/drawingml/2006/main" xmlns:r="http://schemas.openxmlformats.org/officeDocument/2006/relationships" xmlns:mc="http://schemas.openxmlformats.org/markup-compatibility/2006" xmlns:mv="urn:schemas-microsoft-com:mac:vml" xmlns:p="http://schemas.openxmlformats.org/presentationml/2006/main" xmlns:c="http://schemas.openxmlformats.org/drawingml/2006/chart" xmlns:dgm="http://schemas.openxmlformats.org/drawingml/2006/diagram" xmlns:o="urn:schemas-microsoft-com:office:office" xmlns:v="urn:schemas-microsoft-com:vml" xmlns:pvml="urn:schemas-microsoft-com:office:powerpoint" xmlns:com="http://schemas.openxmlformats.org/drawingml/2006/compatibility" xmlns:p14="http://schemas.microsoft.com/office/powerpoint/2010/main" xmlns:p15="http://schemas.microsoft.com/office/powerpoint/2012/main">
+<p:sld xmlns:a="http://schemas.openxmlformats.org/drawingml/2006/main" xmlns:r="http://schemas.openxmlformats.org/officeDocument/2006/relationships" xmlns:p="http://schemas.openxmlformats.org/presentationml/2006/main">
   <p:cSld>
     <p:spTree>
       <p:nvGrpSpPr>
-        <p:cNvPr id="91" name="Shape 91"/>
+        <p:cNvPr id="1" name="Shape 91"/>
         <p:cNvGrpSpPr/>
         <p:nvPr/>
       </p:nvGrpSpPr>
@@ -7894,7 +8198,9 @@
       <p:sp>
         <p:nvSpPr>
           <p:cNvPr id="92" name="Google Shape;92;p18"/>
-          <p:cNvSpPr txBox="1"/>
+          <p:cNvSpPr txBox="1">
+            <a:spLocks noGrp="1"/>
+          </p:cNvSpPr>
           <p:nvPr>
             <p:ph type="title"/>
           </p:nvPr>
@@ -7909,12 +8215,12 @@
           </a:prstGeom>
         </p:spPr>
         <p:txBody>
-          <a:bodyPr anchorCtr="0" anchor="b" bIns="91425" lIns="91425" spcFirstLastPara="1" rIns="91425" wrap="square" tIns="91425">
+          <a:bodyPr spcFirstLastPara="1" wrap="square" lIns="91425" tIns="91425" rIns="91425" bIns="91425" anchor="b" anchorCtr="0">
             <a:noAutofit/>
           </a:bodyPr>
           <a:lstStyle/>
           <a:p>
-            <a:pPr indent="0" lvl="0" marL="0" rtl="0" algn="l">
+            <a:pPr marL="0" lvl="0" indent="0" algn="l" rtl="0">
               <a:spcBef>
                 <a:spcPts val="0"/>
               </a:spcBef>
@@ -7939,9 +8245,11 @@
       <p:sp>
         <p:nvSpPr>
           <p:cNvPr id="93" name="Google Shape;93;p18"/>
-          <p:cNvSpPr txBox="1"/>
+          <p:cNvSpPr txBox="1">
+            <a:spLocks noGrp="1"/>
+          </p:cNvSpPr>
           <p:nvPr>
-            <p:ph idx="1" type="body"/>
+            <p:ph type="body" idx="1"/>
           </p:nvPr>
         </p:nvSpPr>
         <p:spPr>
@@ -7954,12 +8262,12 @@
           </a:prstGeom>
         </p:spPr>
         <p:txBody>
-          <a:bodyPr anchorCtr="0" anchor="t" bIns="91425" lIns="91425" spcFirstLastPara="1" rIns="91425" wrap="square" tIns="91425">
+          <a:bodyPr spcFirstLastPara="1" wrap="square" lIns="91425" tIns="91425" rIns="91425" bIns="91425" anchor="t" anchorCtr="0">
             <a:noAutofit/>
           </a:bodyPr>
           <a:lstStyle/>
           <a:p>
-            <a:pPr indent="0" lvl="0" marL="0" rtl="0" algn="l">
+            <a:pPr marL="0" lvl="0" indent="0" algn="l" rtl="0">
               <a:lnSpc>
                 <a:spcPct val="100000"/>
               </a:lnSpc>
@@ -7977,15 +8285,7 @@
                   <a:schemeClr val="dk1"/>
                 </a:solidFill>
               </a:rPr>
-              <a:t>JSON</a:t>
-            </a:r>
-            <a:r>
-              <a:rPr lang="en-GB" sz="2300">
-                <a:solidFill>
-                  <a:schemeClr val="dk1"/>
-                </a:solidFill>
-              </a:rPr>
-              <a:t> to Functioning Webpage</a:t>
+              <a:t>JSON to Functioning Webpage</a:t>
             </a:r>
             <a:endParaRPr sz="2300">
               <a:solidFill>
@@ -7994,7 +8294,7 @@
             </a:endParaRPr>
           </a:p>
           <a:p>
-            <a:pPr indent="0" lvl="0" marL="0" rtl="0" algn="l">
+            <a:pPr marL="0" lvl="0" indent="0" algn="l" rtl="0">
               <a:lnSpc>
                 <a:spcPct val="100000"/>
               </a:lnSpc>
@@ -8006,9 +8306,6 @@
               </a:spcAft>
               <a:buNone/>
             </a:pPr>
-            <a:r>
-              <a:t/>
-            </a:r>
             <a:endParaRPr sz="2300">
               <a:solidFill>
                 <a:schemeClr val="dk1"/>
@@ -8016,7 +8313,7 @@
             </a:endParaRPr>
           </a:p>
           <a:p>
-            <a:pPr indent="-342900" lvl="0" marL="457200" rtl="0" algn="l">
+            <a:pPr marL="457200" lvl="0" indent="-342900" algn="l" rtl="0">
               <a:spcBef>
                 <a:spcPts val="0"/>
               </a:spcBef>
@@ -8033,7 +8330,7 @@
             <a:endParaRPr/>
           </a:p>
           <a:p>
-            <a:pPr indent="-317500" lvl="1" marL="914400" rtl="0" algn="l">
+            <a:pPr marL="914400" lvl="1" indent="-317500" algn="l" rtl="0">
               <a:spcBef>
                 <a:spcPts val="0"/>
               </a:spcBef>
@@ -8050,7 +8347,7 @@
             <a:endParaRPr/>
           </a:p>
           <a:p>
-            <a:pPr indent="-317500" lvl="2" marL="1371600" rtl="0" algn="l">
+            <a:pPr marL="1371600" lvl="2" indent="-317500" algn="l" rtl="0">
               <a:spcBef>
                 <a:spcPts val="0"/>
               </a:spcBef>
@@ -8067,7 +8364,7 @@
             <a:endParaRPr/>
           </a:p>
           <a:p>
-            <a:pPr indent="-317500" lvl="2" marL="1371600" rtl="0" algn="l">
+            <a:pPr marL="1371600" lvl="2" indent="-317500" algn="l" rtl="0">
               <a:spcBef>
                 <a:spcPts val="0"/>
               </a:spcBef>
@@ -8084,7 +8381,7 @@
             <a:endParaRPr/>
           </a:p>
           <a:p>
-            <a:pPr indent="-317500" lvl="1" marL="914400" rtl="0" algn="l">
+            <a:pPr marL="914400" lvl="1" indent="-317500" algn="l" rtl="0">
               <a:spcBef>
                 <a:spcPts val="0"/>
               </a:spcBef>
@@ -8101,7 +8398,7 @@
             <a:endParaRPr/>
           </a:p>
           <a:p>
-            <a:pPr indent="-317500" lvl="2" marL="1371600" rtl="0" algn="l">
+            <a:pPr marL="1371600" lvl="2" indent="-317500" algn="l" rtl="0">
               <a:spcBef>
                 <a:spcPts val="0"/>
               </a:spcBef>
@@ -8118,7 +8415,7 @@
             <a:endParaRPr/>
           </a:p>
           <a:p>
-            <a:pPr indent="-317500" lvl="2" marL="1371600" rtl="0" algn="l">
+            <a:pPr marL="1371600" lvl="2" indent="-317500" algn="l" rtl="0">
               <a:spcBef>
                 <a:spcPts val="0"/>
               </a:spcBef>
@@ -8135,7 +8432,7 @@
             <a:endParaRPr/>
           </a:p>
           <a:p>
-            <a:pPr indent="-342900" lvl="0" marL="457200" rtl="0" algn="l">
+            <a:pPr marL="457200" lvl="0" indent="-342900" algn="l" rtl="0">
               <a:spcBef>
                 <a:spcPts val="0"/>
               </a:spcBef>
@@ -8152,7 +8449,7 @@
             <a:endParaRPr/>
           </a:p>
           <a:p>
-            <a:pPr indent="-317500" lvl="1" marL="914400" rtl="0" algn="l">
+            <a:pPr marL="914400" lvl="1" indent="-317500" algn="l" rtl="0">
               <a:spcBef>
                 <a:spcPts val="0"/>
               </a:spcBef>
@@ -8179,11 +8476,11 @@
 </file>
 
 <file path=ppt/slides/slide7.xml><?xml version="1.0" encoding="utf-8"?>
-<p:sld xmlns:a="http://schemas.openxmlformats.org/drawingml/2006/main" xmlns:r="http://schemas.openxmlformats.org/officeDocument/2006/relationships" xmlns:mc="http://schemas.openxmlformats.org/markup-compatibility/2006" xmlns:mv="urn:schemas-microsoft-com:mac:vml" xmlns:p="http://schemas.openxmlformats.org/presentationml/2006/main" xmlns:c="http://schemas.openxmlformats.org/drawingml/2006/chart" xmlns:dgm="http://schemas.openxmlformats.org/drawingml/2006/diagram" xmlns:o="urn:schemas-microsoft-com:office:office" xmlns:v="urn:schemas-microsoft-com:vml" xmlns:pvml="urn:schemas-microsoft-com:office:powerpoint" xmlns:com="http://schemas.openxmlformats.org/drawingml/2006/compatibility" xmlns:p14="http://schemas.microsoft.com/office/powerpoint/2010/main" xmlns:p15="http://schemas.microsoft.com/office/powerpoint/2012/main">
+<p:sld xmlns:a="http://schemas.openxmlformats.org/drawingml/2006/main" xmlns:r="http://schemas.openxmlformats.org/officeDocument/2006/relationships" xmlns:p="http://schemas.openxmlformats.org/presentationml/2006/main">
   <p:cSld>
     <p:spTree>
       <p:nvGrpSpPr>
-        <p:cNvPr id="97" name="Shape 97"/>
+        <p:cNvPr id="1" name="Shape 97"/>
         <p:cNvGrpSpPr/>
         <p:nvPr/>
       </p:nvGrpSpPr>
@@ -8198,7 +8495,9 @@
       <p:sp>
         <p:nvSpPr>
           <p:cNvPr id="98" name="Google Shape;98;p19"/>
-          <p:cNvSpPr txBox="1"/>
+          <p:cNvSpPr txBox="1">
+            <a:spLocks noGrp="1"/>
+          </p:cNvSpPr>
           <p:nvPr>
             <p:ph type="title"/>
           </p:nvPr>
@@ -8213,12 +8512,12 @@
           </a:prstGeom>
         </p:spPr>
         <p:txBody>
-          <a:bodyPr anchorCtr="0" anchor="b" bIns="91425" lIns="91425" spcFirstLastPara="1" rIns="91425" wrap="square" tIns="91425">
+          <a:bodyPr spcFirstLastPara="1" wrap="square" lIns="91425" tIns="91425" rIns="91425" bIns="91425" anchor="b" anchorCtr="0">
             <a:noAutofit/>
           </a:bodyPr>
           <a:lstStyle/>
           <a:p>
-            <a:pPr indent="0" lvl="0" marL="0" rtl="0" algn="l">
+            <a:pPr marL="0" lvl="0" indent="0" algn="l" rtl="0">
               <a:spcBef>
                 <a:spcPts val="0"/>
               </a:spcBef>
@@ -8238,9 +8537,11 @@
       <p:sp>
         <p:nvSpPr>
           <p:cNvPr id="99" name="Google Shape;99;p19"/>
-          <p:cNvSpPr txBox="1"/>
+          <p:cNvSpPr txBox="1">
+            <a:spLocks noGrp="1"/>
+          </p:cNvSpPr>
           <p:nvPr>
-            <p:ph idx="1" type="body"/>
+            <p:ph type="body" idx="1"/>
           </p:nvPr>
         </p:nvSpPr>
         <p:spPr>
@@ -8253,12 +8554,12 @@
           </a:prstGeom>
         </p:spPr>
         <p:txBody>
-          <a:bodyPr anchorCtr="0" anchor="ctr" bIns="91425" lIns="91425" spcFirstLastPara="1" rIns="91425" wrap="square" tIns="91425">
+          <a:bodyPr spcFirstLastPara="1" wrap="square" lIns="91425" tIns="91425" rIns="91425" bIns="91425" anchor="ctr" anchorCtr="0">
             <a:noAutofit/>
           </a:bodyPr>
           <a:lstStyle/>
           <a:p>
-            <a:pPr indent="-342900" lvl="0" marL="457200" rtl="0" algn="l">
+            <a:pPr marL="457200" lvl="0" indent="-342900" algn="l" rtl="0">
               <a:spcBef>
                 <a:spcPts val="0"/>
               </a:spcBef>
@@ -8275,7 +8576,7 @@
             <a:endParaRPr/>
           </a:p>
           <a:p>
-            <a:pPr indent="-342900" lvl="0" marL="457200" rtl="0" algn="l">
+            <a:pPr marL="457200" lvl="0" indent="-342900" algn="l" rtl="0">
               <a:spcBef>
                 <a:spcPts val="0"/>
               </a:spcBef>
@@ -8292,7 +8593,7 @@
             <a:endParaRPr/>
           </a:p>
           <a:p>
-            <a:pPr indent="-342900" lvl="0" marL="457200" rtl="0" algn="l">
+            <a:pPr marL="457200" lvl="0" indent="-342900" algn="l" rtl="0">
               <a:spcBef>
                 <a:spcPts val="0"/>
               </a:spcBef>
@@ -8309,7 +8610,7 @@
             <a:endParaRPr/>
           </a:p>
           <a:p>
-            <a:pPr indent="-323850" lvl="1" marL="914400" rtl="0" algn="l">
+            <a:pPr marL="914400" lvl="1" indent="-323850" algn="l" rtl="0">
               <a:spcBef>
                 <a:spcPts val="0"/>
               </a:spcBef>
@@ -8340,7 +8641,7 @@
             </a:endParaRPr>
           </a:p>
           <a:p>
-            <a:pPr indent="-323850" lvl="1" marL="914400" rtl="0" algn="l">
+            <a:pPr marL="914400" lvl="1" indent="-323850" algn="l" rtl="0">
               <a:spcBef>
                 <a:spcPts val="0"/>
               </a:spcBef>
@@ -8371,7 +8672,7 @@
             </a:endParaRPr>
           </a:p>
           <a:p>
-            <a:pPr indent="-307975" lvl="0" marL="457200" rtl="0" algn="l">
+            <a:pPr marL="457200" lvl="0" indent="-307975" algn="l" rtl="0">
               <a:spcBef>
                 <a:spcPts val="0"/>
               </a:spcBef>
@@ -8401,11 +8702,11 @@
 </file>
 
 <file path=ppt/slides/slide8.xml><?xml version="1.0" encoding="utf-8"?>
-<p:sld xmlns:a="http://schemas.openxmlformats.org/drawingml/2006/main" xmlns:r="http://schemas.openxmlformats.org/officeDocument/2006/relationships" xmlns:mc="http://schemas.openxmlformats.org/markup-compatibility/2006" xmlns:mv="urn:schemas-microsoft-com:mac:vml" xmlns:p="http://schemas.openxmlformats.org/presentationml/2006/main" xmlns:c="http://schemas.openxmlformats.org/drawingml/2006/chart" xmlns:dgm="http://schemas.openxmlformats.org/drawingml/2006/diagram" xmlns:o="urn:schemas-microsoft-com:office:office" xmlns:v="urn:schemas-microsoft-com:vml" xmlns:pvml="urn:schemas-microsoft-com:office:powerpoint" xmlns:com="http://schemas.openxmlformats.org/drawingml/2006/compatibility" xmlns:p14="http://schemas.microsoft.com/office/powerpoint/2010/main" xmlns:p15="http://schemas.microsoft.com/office/powerpoint/2012/main">
+<p:sld xmlns:a="http://schemas.openxmlformats.org/drawingml/2006/main" xmlns:r="http://schemas.openxmlformats.org/officeDocument/2006/relationships" xmlns:p="http://schemas.openxmlformats.org/presentationml/2006/main">
   <p:cSld>
     <p:spTree>
       <p:nvGrpSpPr>
-        <p:cNvPr id="103" name="Shape 103"/>
+        <p:cNvPr id="1" name="Shape 103"/>
         <p:cNvGrpSpPr/>
         <p:nvPr/>
       </p:nvGrpSpPr>
@@ -8420,7 +8721,9 @@
       <p:sp>
         <p:nvSpPr>
           <p:cNvPr id="104" name="Google Shape;104;p20"/>
-          <p:cNvSpPr txBox="1"/>
+          <p:cNvSpPr txBox="1">
+            <a:spLocks noGrp="1"/>
+          </p:cNvSpPr>
           <p:nvPr>
             <p:ph type="title"/>
           </p:nvPr>
@@ -8435,12 +8738,12 @@
           </a:prstGeom>
         </p:spPr>
         <p:txBody>
-          <a:bodyPr anchorCtr="0" anchor="b" bIns="91425" lIns="91425" spcFirstLastPara="1" rIns="91425" wrap="square" tIns="91425">
+          <a:bodyPr spcFirstLastPara="1" wrap="square" lIns="91425" tIns="91425" rIns="91425" bIns="91425" anchor="b" anchorCtr="0">
             <a:noAutofit/>
           </a:bodyPr>
           <a:lstStyle/>
           <a:p>
-            <a:pPr indent="0" lvl="0" marL="0" rtl="0" algn="l">
+            <a:pPr marL="0" lvl="0" indent="0" algn="l" rtl="0">
               <a:spcBef>
                 <a:spcPts val="0"/>
               </a:spcBef>
@@ -8460,9 +8763,11 @@
       <p:sp>
         <p:nvSpPr>
           <p:cNvPr id="105" name="Google Shape;105;p20"/>
-          <p:cNvSpPr txBox="1"/>
+          <p:cNvSpPr txBox="1">
+            <a:spLocks noGrp="1"/>
+          </p:cNvSpPr>
           <p:nvPr>
-            <p:ph idx="1" type="body"/>
+            <p:ph type="body" idx="1"/>
           </p:nvPr>
         </p:nvSpPr>
         <p:spPr>
@@ -8475,12 +8780,12 @@
           </a:prstGeom>
         </p:spPr>
         <p:txBody>
-          <a:bodyPr anchorCtr="0" anchor="t" bIns="91425" lIns="91425" spcFirstLastPara="1" rIns="91425" wrap="square" tIns="91425">
+          <a:bodyPr spcFirstLastPara="1" wrap="square" lIns="91425" tIns="91425" rIns="91425" bIns="91425" anchor="t" anchorCtr="0">
             <a:noAutofit/>
           </a:bodyPr>
           <a:lstStyle/>
           <a:p>
-            <a:pPr indent="0" lvl="0" marL="0" rtl="0" algn="l">
+            <a:pPr marL="0" lvl="0" indent="0" algn="l" rtl="0">
               <a:spcBef>
                 <a:spcPts val="0"/>
               </a:spcBef>
@@ -8489,13 +8794,10 @@
               </a:spcAft>
               <a:buNone/>
             </a:pPr>
-            <a:r>
-              <a:t/>
-            </a:r>
             <a:endParaRPr/>
           </a:p>
           <a:p>
-            <a:pPr indent="0" lvl="0" marL="0" rtl="0" algn="l">
+            <a:pPr marL="0" lvl="0" indent="0" algn="l" rtl="0">
               <a:spcBef>
                 <a:spcPts val="1600"/>
               </a:spcBef>
@@ -8504,13 +8806,10 @@
               </a:spcAft>
               <a:buNone/>
             </a:pPr>
-            <a:r>
-              <a:t/>
-            </a:r>
             <a:endParaRPr/>
           </a:p>
           <a:p>
-            <a:pPr indent="0" lvl="0" marL="0" rtl="0" algn="l">
+            <a:pPr marL="0" lvl="0" indent="0" algn="l" rtl="0">
               <a:spcBef>
                 <a:spcPts val="1600"/>
               </a:spcBef>
@@ -8534,7 +8833,7 @@
             <a:endParaRPr sz="2700"/>
           </a:p>
           <a:p>
-            <a:pPr indent="0" lvl="0" marL="0" rtl="0" algn="l">
+            <a:pPr marL="0" lvl="0" indent="0" algn="l" rtl="0">
               <a:spcBef>
                 <a:spcPts val="1600"/>
               </a:spcBef>
@@ -8543,9 +8842,6 @@
               </a:spcAft>
               <a:buNone/>
             </a:pPr>
-            <a:r>
-              <a:t/>
-            </a:r>
             <a:endParaRPr/>
           </a:p>
         </p:txBody>
@@ -8559,7 +8855,7 @@
 </file>
 
 <file path=ppt/theme/theme1.xml><?xml version="1.0" encoding="utf-8"?>
-<a:theme xmlns:a="http://schemas.openxmlformats.org/drawingml/2006/main" xmlns:r="http://schemas.openxmlformats.org/officeDocument/2006/relationships" name="Luxe">
+<a:theme xmlns:a="http://schemas.openxmlformats.org/drawingml/2006/main" name="Luxe">
   <a:themeElements>
     <a:clrScheme name="Luxe">
       <a:dk1>
@@ -8834,11 +9130,13 @@
       </a:bgFillStyleLst>
     </a:fmtScheme>
   </a:themeElements>
+  <a:objectDefaults/>
+  <a:extraClrSchemeLst/>
 </a:theme>
 </file>
 
 <file path=ppt/theme/theme2.xml><?xml version="1.0" encoding="utf-8"?>
-<a:theme xmlns:a="http://schemas.openxmlformats.org/drawingml/2006/main" xmlns:r="http://schemas.openxmlformats.org/officeDocument/2006/relationships">
+<a:theme xmlns:a="http://schemas.openxmlformats.org/drawingml/2006/main">
   <a:themeElements>
     <a:clrScheme name="Default">
       <a:dk1>
@@ -9113,5 +9411,7 @@
       </a:bgFillStyleLst>
     </a:fmtScheme>
   </a:themeElements>
+  <a:objectDefaults/>
+  <a:extraClrSchemeLst/>
 </a:theme>
 </file>
--- a/Stock Market Analysis.pptx
+++ b/Stock Market Analysis.pptx
@@ -8280,14 +8280,14 @@
               <a:buNone/>
             </a:pPr>
             <a:r>
-              <a:rPr lang="en-GB" sz="2300">
+              <a:rPr lang="en-GB" sz="2300" dirty="0">
                 <a:solidFill>
                   <a:schemeClr val="dk1"/>
                 </a:solidFill>
               </a:rPr>
               <a:t>JSON to Functioning Webpage</a:t>
             </a:r>
-            <a:endParaRPr sz="2300">
+            <a:endParaRPr sz="2300" dirty="0">
               <a:solidFill>
                 <a:schemeClr val="dk1"/>
               </a:solidFill>
@@ -8306,7 +8306,7 @@
               </a:spcAft>
               <a:buNone/>
             </a:pPr>
-            <a:endParaRPr sz="2300">
+            <a:endParaRPr sz="2300" dirty="0">
               <a:solidFill>
                 <a:schemeClr val="dk1"/>
               </a:solidFill>
@@ -8324,10 +8324,10 @@
               <a:buChar char="-"/>
             </a:pPr>
             <a:r>
-              <a:rPr lang="en-GB"/>
+              <a:rPr lang="en-GB" dirty="0"/>
               <a:t>Used JavaScript to pull data from JSON file</a:t>
             </a:r>
-            <a:endParaRPr/>
+            <a:endParaRPr dirty="0"/>
           </a:p>
           <a:p>
             <a:pPr marL="914400" lvl="1" indent="-317500" algn="l" rtl="0">
@@ -8341,10 +8341,10 @@
               <a:buChar char="-"/>
             </a:pPr>
             <a:r>
-              <a:rPr lang="en-GB"/>
+              <a:rPr lang="en-GB" dirty="0"/>
               <a:t>Candlestick</a:t>
             </a:r>
-            <a:endParaRPr/>
+            <a:endParaRPr dirty="0"/>
           </a:p>
           <a:p>
             <a:pPr marL="1371600" lvl="2" indent="-317500" algn="l" rtl="0">
@@ -8358,10 +8358,18 @@
               <a:buChar char="-"/>
             </a:pPr>
             <a:r>
-              <a:rPr lang="en-GB"/>
-              <a:t>Takes high, low, open and close for each month and graphs as as candlestick visualization</a:t>
+              <a:rPr lang="en-GB" dirty="0"/>
+              <a:t>Takes high, low, open and close for each month and graphs </a:t>
             </a:r>
-            <a:endParaRPr/>
+            <a:r>
+              <a:rPr lang="en-GB" dirty="0" smtClean="0"/>
+              <a:t>as </a:t>
+            </a:r>
+            <a:r>
+              <a:rPr lang="en-GB" dirty="0"/>
+              <a:t>candlestick visualization</a:t>
+            </a:r>
+            <a:endParaRPr dirty="0"/>
           </a:p>
           <a:p>
             <a:pPr marL="1371600" lvl="2" indent="-317500" algn="l" rtl="0">
@@ -8375,10 +8383,10 @@
               <a:buChar char="-"/>
             </a:pPr>
             <a:r>
-              <a:rPr lang="en-GB"/>
+              <a:rPr lang="en-GB" dirty="0"/>
               <a:t>Displayed upon selecting from stock dropdown</a:t>
             </a:r>
-            <a:endParaRPr/>
+            <a:endParaRPr dirty="0"/>
           </a:p>
           <a:p>
             <a:pPr marL="914400" lvl="1" indent="-317500" algn="l" rtl="0">
@@ -8392,10 +8400,10 @@
               <a:buChar char="-"/>
             </a:pPr>
             <a:r>
-              <a:rPr lang="en-GB"/>
+              <a:rPr lang="en-GB" dirty="0"/>
               <a:t>Line</a:t>
             </a:r>
-            <a:endParaRPr/>
+            <a:endParaRPr dirty="0"/>
           </a:p>
           <a:p>
             <a:pPr marL="1371600" lvl="2" indent="-317500" algn="l" rtl="0">
@@ -8409,10 +8417,10 @@
               <a:buChar char="-"/>
             </a:pPr>
             <a:r>
-              <a:rPr lang="en-GB"/>
+              <a:rPr lang="en-GB" dirty="0"/>
               <a:t>Takes close for each month and graphs as line graph</a:t>
             </a:r>
-            <a:endParaRPr/>
+            <a:endParaRPr dirty="0"/>
           </a:p>
           <a:p>
             <a:pPr marL="1371600" lvl="2" indent="-317500" algn="l" rtl="0">
@@ -8426,10 +8434,10 @@
               <a:buChar char="-"/>
             </a:pPr>
             <a:r>
-              <a:rPr lang="en-GB"/>
+              <a:rPr lang="en-GB" dirty="0"/>
               <a:t>Displayed upon selecting from stock dropdown</a:t>
             </a:r>
-            <a:endParaRPr/>
+            <a:endParaRPr dirty="0"/>
           </a:p>
           <a:p>
             <a:pPr marL="457200" lvl="0" indent="-342900" algn="l" rtl="0">
@@ -8443,10 +8451,10 @@
               <a:buChar char="-"/>
             </a:pPr>
             <a:r>
-              <a:rPr lang="en-GB"/>
+              <a:rPr lang="en-GB" dirty="0"/>
               <a:t>The Comparison Page</a:t>
             </a:r>
-            <a:endParaRPr/>
+            <a:endParaRPr dirty="0"/>
           </a:p>
           <a:p>
             <a:pPr marL="914400" lvl="1" indent="-317500" algn="l" rtl="0">
@@ -8460,10 +8468,10 @@
               <a:buChar char="-"/>
             </a:pPr>
             <a:r>
-              <a:rPr lang="en-GB"/>
+              <a:rPr lang="en-GB" dirty="0"/>
               <a:t>User is able to compare any two of the 30 stocks chosen is either graph form</a:t>
             </a:r>
-            <a:endParaRPr/>
+            <a:endParaRPr dirty="0"/>
           </a:p>
         </p:txBody>
       </p:sp>
